--- a/CA2/CA2 Slides.pptx
+++ b/CA2/CA2 Slides.pptx
@@ -1,11 +1,28 @@
 
 <file path=ppt/presentation.xml><?xml version="1.0" encoding="utf-8"?>
-<p:presentation xmlns:a="http://schemas.openxmlformats.org/drawingml/2006/main" xmlns:r="http://schemas.openxmlformats.org/officeDocument/2006/relationships" xmlns:p="http://schemas.openxmlformats.org/presentationml/2006/main" saveSubsetFonts="1" autoCompressPictures="0">
+<p:presentation xmlns:a="http://schemas.openxmlformats.org/drawingml/2006/main" xmlns:r="http://schemas.openxmlformats.org/officeDocument/2006/relationships" xmlns:p="http://schemas.openxmlformats.org/presentationml/2006/main" showSpecialPlsOnTitleSld="0" saveSubsetFonts="1" autoCompressPictures="0">
   <p:sldMasterIdLst>
     <p:sldMasterId id="2147483648" r:id="rId1"/>
   </p:sldMasterIdLst>
+  <p:notesMasterIdLst>
+    <p:notesMasterId r:id="rId17"/>
+  </p:notesMasterIdLst>
   <p:sldIdLst>
     <p:sldId id="256" r:id="rId2"/>
+    <p:sldId id="257" r:id="rId3"/>
+    <p:sldId id="258" r:id="rId4"/>
+    <p:sldId id="261" r:id="rId5"/>
+    <p:sldId id="262" r:id="rId6"/>
+    <p:sldId id="263" r:id="rId7"/>
+    <p:sldId id="264" r:id="rId8"/>
+    <p:sldId id="265" r:id="rId9"/>
+    <p:sldId id="266" r:id="rId10"/>
+    <p:sldId id="267" r:id="rId11"/>
+    <p:sldId id="268" r:id="rId12"/>
+    <p:sldId id="269" r:id="rId13"/>
+    <p:sldId id="271" r:id="rId14"/>
+    <p:sldId id="270" r:id="rId15"/>
+    <p:sldId id="272" r:id="rId16"/>
   </p:sldIdLst>
   <p:sldSz cx="12192000" cy="6858000"/>
   <p:notesSz cx="6858000" cy="9144000"/>
@@ -104,7 +121,362 @@
       </a:defRPr>
     </a:lvl9pPr>
   </p:defaultTextStyle>
+  <p:extLst>
+    <p:ext uri="{EFAFB233-063F-42B5-8137-9DF3F51BA10A}">
+      <p15:sldGuideLst xmlns:p15="http://schemas.microsoft.com/office/powerpoint/2012/main"/>
+    </p:ext>
+  </p:extLst>
 </p:presentation>
+</file>
+
+<file path=ppt/notesMasters/notesMaster1.xml><?xml version="1.0" encoding="utf-8"?>
+<p:notesMaster xmlns:a="http://schemas.openxmlformats.org/drawingml/2006/main" xmlns:r="http://schemas.openxmlformats.org/officeDocument/2006/relationships" xmlns:p="http://schemas.openxmlformats.org/presentationml/2006/main">
+  <p:cSld>
+    <p:bg>
+      <p:bgRef idx="1001">
+        <a:schemeClr val="bg1"/>
+      </p:bgRef>
+    </p:bg>
+    <p:spTree>
+      <p:nvGrpSpPr>
+        <p:cNvPr id="1" name=""/>
+        <p:cNvGrpSpPr/>
+        <p:nvPr/>
+      </p:nvGrpSpPr>
+      <p:grpSpPr>
+        <a:xfrm>
+          <a:off x="0" y="0"/>
+          <a:ext cx="0" cy="0"/>
+          <a:chOff x="0" y="0"/>
+          <a:chExt cx="0" cy="0"/>
+        </a:xfrm>
+      </p:grpSpPr>
+      <p:sp>
+        <p:nvSpPr>
+          <p:cNvPr id="2" name="Header Placeholder 1"/>
+          <p:cNvSpPr>
+            <a:spLocks noGrp="1"/>
+          </p:cNvSpPr>
+          <p:nvPr>
+            <p:ph type="hdr" sz="quarter"/>
+          </p:nvPr>
+        </p:nvSpPr>
+        <p:spPr>
+          <a:xfrm>
+            <a:off x="0" y="0"/>
+            <a:ext cx="2971800" cy="458788"/>
+          </a:xfrm>
+          <a:prstGeom prst="rect">
+            <a:avLst/>
+          </a:prstGeom>
+        </p:spPr>
+        <p:txBody>
+          <a:bodyPr vert="horz" lIns="91440" tIns="45720" rIns="91440" bIns="45720" rtlCol="0"/>
+          <a:lstStyle>
+            <a:lvl1pPr algn="l">
+              <a:defRPr sz="1200"/>
+            </a:lvl1pPr>
+          </a:lstStyle>
+          <a:p>
+            <a:endParaRPr lang="en-US"/>
+          </a:p>
+        </p:txBody>
+      </p:sp>
+      <p:sp>
+        <p:nvSpPr>
+          <p:cNvPr id="3" name="Date Placeholder 2"/>
+          <p:cNvSpPr>
+            <a:spLocks noGrp="1"/>
+          </p:cNvSpPr>
+          <p:nvPr>
+            <p:ph type="dt" idx="1"/>
+          </p:nvPr>
+        </p:nvSpPr>
+        <p:spPr>
+          <a:xfrm>
+            <a:off x="3884613" y="0"/>
+            <a:ext cx="2971800" cy="458788"/>
+          </a:xfrm>
+          <a:prstGeom prst="rect">
+            <a:avLst/>
+          </a:prstGeom>
+        </p:spPr>
+        <p:txBody>
+          <a:bodyPr vert="horz" lIns="91440" tIns="45720" rIns="91440" bIns="45720" rtlCol="0"/>
+          <a:lstStyle>
+            <a:lvl1pPr algn="r">
+              <a:defRPr sz="1200"/>
+            </a:lvl1pPr>
+          </a:lstStyle>
+          <a:p>
+            <a:fld id="{7826C4C1-0F21-8047-9A3C-BDA0D0B153B7}" type="datetimeFigureOut">
+              <a:rPr lang="en-US" smtClean="0"/>
+              <a:t>2/7/23</a:t>
+            </a:fld>
+            <a:endParaRPr lang="en-US"/>
+          </a:p>
+        </p:txBody>
+      </p:sp>
+      <p:sp>
+        <p:nvSpPr>
+          <p:cNvPr id="4" name="Slide Image Placeholder 3"/>
+          <p:cNvSpPr>
+            <a:spLocks noGrp="1" noRot="1" noChangeAspect="1"/>
+          </p:cNvSpPr>
+          <p:nvPr>
+            <p:ph type="sldImg" idx="2"/>
+          </p:nvPr>
+        </p:nvSpPr>
+        <p:spPr>
+          <a:xfrm>
+            <a:off x="685800" y="1143000"/>
+            <a:ext cx="5486400" cy="3086100"/>
+          </a:xfrm>
+          <a:prstGeom prst="rect">
+            <a:avLst/>
+          </a:prstGeom>
+          <a:noFill/>
+          <a:ln w="12700">
+            <a:solidFill>
+              <a:prstClr val="black"/>
+            </a:solidFill>
+          </a:ln>
+        </p:spPr>
+        <p:txBody>
+          <a:bodyPr vert="horz" lIns="91440" tIns="45720" rIns="91440" bIns="45720" rtlCol="0" anchor="ctr"/>
+          <a:lstStyle/>
+          <a:p>
+            <a:endParaRPr lang="en-US"/>
+          </a:p>
+        </p:txBody>
+      </p:sp>
+      <p:sp>
+        <p:nvSpPr>
+          <p:cNvPr id="5" name="Notes Placeholder 4"/>
+          <p:cNvSpPr>
+            <a:spLocks noGrp="1"/>
+          </p:cNvSpPr>
+          <p:nvPr>
+            <p:ph type="body" sz="quarter" idx="3"/>
+          </p:nvPr>
+        </p:nvSpPr>
+        <p:spPr>
+          <a:xfrm>
+            <a:off x="685800" y="4400550"/>
+            <a:ext cx="5486400" cy="3600450"/>
+          </a:xfrm>
+          <a:prstGeom prst="rect">
+            <a:avLst/>
+          </a:prstGeom>
+        </p:spPr>
+        <p:txBody>
+          <a:bodyPr vert="horz" lIns="91440" tIns="45720" rIns="91440" bIns="45720" rtlCol="0"/>
+          <a:lstStyle/>
+          <a:p>
+            <a:pPr lvl="0"/>
+            <a:r>
+              <a:rPr lang="en-GB"/>
+              <a:t>Click to edit Master text styles</a:t>
+            </a:r>
+          </a:p>
+          <a:p>
+            <a:pPr lvl="1"/>
+            <a:r>
+              <a:rPr lang="en-GB"/>
+              <a:t>Second level</a:t>
+            </a:r>
+          </a:p>
+          <a:p>
+            <a:pPr lvl="2"/>
+            <a:r>
+              <a:rPr lang="en-GB"/>
+              <a:t>Third level</a:t>
+            </a:r>
+          </a:p>
+          <a:p>
+            <a:pPr lvl="3"/>
+            <a:r>
+              <a:rPr lang="en-GB"/>
+              <a:t>Fourth level</a:t>
+            </a:r>
+          </a:p>
+          <a:p>
+            <a:pPr lvl="4"/>
+            <a:r>
+              <a:rPr lang="en-GB"/>
+              <a:t>Fifth level</a:t>
+            </a:r>
+            <a:endParaRPr lang="en-US"/>
+          </a:p>
+        </p:txBody>
+      </p:sp>
+      <p:sp>
+        <p:nvSpPr>
+          <p:cNvPr id="6" name="Footer Placeholder 5"/>
+          <p:cNvSpPr>
+            <a:spLocks noGrp="1"/>
+          </p:cNvSpPr>
+          <p:nvPr>
+            <p:ph type="ftr" sz="quarter" idx="4"/>
+          </p:nvPr>
+        </p:nvSpPr>
+        <p:spPr>
+          <a:xfrm>
+            <a:off x="0" y="8685213"/>
+            <a:ext cx="2971800" cy="458787"/>
+          </a:xfrm>
+          <a:prstGeom prst="rect">
+            <a:avLst/>
+          </a:prstGeom>
+        </p:spPr>
+        <p:txBody>
+          <a:bodyPr vert="horz" lIns="91440" tIns="45720" rIns="91440" bIns="45720" rtlCol="0" anchor="b"/>
+          <a:lstStyle>
+            <a:lvl1pPr algn="l">
+              <a:defRPr sz="1200"/>
+            </a:lvl1pPr>
+          </a:lstStyle>
+          <a:p>
+            <a:endParaRPr lang="en-US"/>
+          </a:p>
+        </p:txBody>
+      </p:sp>
+      <p:sp>
+        <p:nvSpPr>
+          <p:cNvPr id="7" name="Slide Number Placeholder 6"/>
+          <p:cNvSpPr>
+            <a:spLocks noGrp="1"/>
+          </p:cNvSpPr>
+          <p:nvPr>
+            <p:ph type="sldNum" sz="quarter" idx="5"/>
+          </p:nvPr>
+        </p:nvSpPr>
+        <p:spPr>
+          <a:xfrm>
+            <a:off x="3884613" y="8685213"/>
+            <a:ext cx="2971800" cy="458787"/>
+          </a:xfrm>
+          <a:prstGeom prst="rect">
+            <a:avLst/>
+          </a:prstGeom>
+        </p:spPr>
+        <p:txBody>
+          <a:bodyPr vert="horz" lIns="91440" tIns="45720" rIns="91440" bIns="45720" rtlCol="0" anchor="b"/>
+          <a:lstStyle>
+            <a:lvl1pPr algn="r">
+              <a:defRPr sz="1200"/>
+            </a:lvl1pPr>
+          </a:lstStyle>
+          <a:p>
+            <a:fld id="{1A4F95C0-864D-C54F-B601-FAF889DA4630}" type="slidenum">
+              <a:rPr lang="en-US" smtClean="0"/>
+              <a:t>‹#›</a:t>
+            </a:fld>
+            <a:endParaRPr lang="en-US"/>
+          </a:p>
+        </p:txBody>
+      </p:sp>
+    </p:spTree>
+    <p:extLst>
+      <p:ext uri="{BB962C8B-B14F-4D97-AF65-F5344CB8AC3E}">
+        <p14:creationId xmlns:p14="http://schemas.microsoft.com/office/powerpoint/2010/main" val="3944087374"/>
+      </p:ext>
+    </p:extLst>
+  </p:cSld>
+  <p:clrMap bg1="lt1" tx1="dk1" bg2="lt2" tx2="dk2" accent1="accent1" accent2="accent2" accent3="accent3" accent4="accent4" accent5="accent5" accent6="accent6" hlink="hlink" folHlink="folHlink"/>
+  <p:notesStyle>
+    <a:lvl1pPr marL="0" algn="l" defTabSz="914400" rtl="0" eaLnBrk="1" latinLnBrk="0" hangingPunct="1">
+      <a:defRPr sz="1200" kern="1200">
+        <a:solidFill>
+          <a:schemeClr val="tx1"/>
+        </a:solidFill>
+        <a:latin typeface="+mn-lt"/>
+        <a:ea typeface="+mn-ea"/>
+        <a:cs typeface="+mn-cs"/>
+      </a:defRPr>
+    </a:lvl1pPr>
+    <a:lvl2pPr marL="457200" algn="l" defTabSz="914400" rtl="0" eaLnBrk="1" latinLnBrk="0" hangingPunct="1">
+      <a:defRPr sz="1200" kern="1200">
+        <a:solidFill>
+          <a:schemeClr val="tx1"/>
+        </a:solidFill>
+        <a:latin typeface="+mn-lt"/>
+        <a:ea typeface="+mn-ea"/>
+        <a:cs typeface="+mn-cs"/>
+      </a:defRPr>
+    </a:lvl2pPr>
+    <a:lvl3pPr marL="914400" algn="l" defTabSz="914400" rtl="0" eaLnBrk="1" latinLnBrk="0" hangingPunct="1">
+      <a:defRPr sz="1200" kern="1200">
+        <a:solidFill>
+          <a:schemeClr val="tx1"/>
+        </a:solidFill>
+        <a:latin typeface="+mn-lt"/>
+        <a:ea typeface="+mn-ea"/>
+        <a:cs typeface="+mn-cs"/>
+      </a:defRPr>
+    </a:lvl3pPr>
+    <a:lvl4pPr marL="1371600" algn="l" defTabSz="914400" rtl="0" eaLnBrk="1" latinLnBrk="0" hangingPunct="1">
+      <a:defRPr sz="1200" kern="1200">
+        <a:solidFill>
+          <a:schemeClr val="tx1"/>
+        </a:solidFill>
+        <a:latin typeface="+mn-lt"/>
+        <a:ea typeface="+mn-ea"/>
+        <a:cs typeface="+mn-cs"/>
+      </a:defRPr>
+    </a:lvl4pPr>
+    <a:lvl5pPr marL="1828800" algn="l" defTabSz="914400" rtl="0" eaLnBrk="1" latinLnBrk="0" hangingPunct="1">
+      <a:defRPr sz="1200" kern="1200">
+        <a:solidFill>
+          <a:schemeClr val="tx1"/>
+        </a:solidFill>
+        <a:latin typeface="+mn-lt"/>
+        <a:ea typeface="+mn-ea"/>
+        <a:cs typeface="+mn-cs"/>
+      </a:defRPr>
+    </a:lvl5pPr>
+    <a:lvl6pPr marL="2286000" algn="l" defTabSz="914400" rtl="0" eaLnBrk="1" latinLnBrk="0" hangingPunct="1">
+      <a:defRPr sz="1200" kern="1200">
+        <a:solidFill>
+          <a:schemeClr val="tx1"/>
+        </a:solidFill>
+        <a:latin typeface="+mn-lt"/>
+        <a:ea typeface="+mn-ea"/>
+        <a:cs typeface="+mn-cs"/>
+      </a:defRPr>
+    </a:lvl6pPr>
+    <a:lvl7pPr marL="2743200" algn="l" defTabSz="914400" rtl="0" eaLnBrk="1" latinLnBrk="0" hangingPunct="1">
+      <a:defRPr sz="1200" kern="1200">
+        <a:solidFill>
+          <a:schemeClr val="tx1"/>
+        </a:solidFill>
+        <a:latin typeface="+mn-lt"/>
+        <a:ea typeface="+mn-ea"/>
+        <a:cs typeface="+mn-cs"/>
+      </a:defRPr>
+    </a:lvl7pPr>
+    <a:lvl8pPr marL="3200400" algn="l" defTabSz="914400" rtl="0" eaLnBrk="1" latinLnBrk="0" hangingPunct="1">
+      <a:defRPr sz="1200" kern="1200">
+        <a:solidFill>
+          <a:schemeClr val="tx1"/>
+        </a:solidFill>
+        <a:latin typeface="+mn-lt"/>
+        <a:ea typeface="+mn-ea"/>
+        <a:cs typeface="+mn-cs"/>
+      </a:defRPr>
+    </a:lvl8pPr>
+    <a:lvl9pPr marL="3657600" algn="l" defTabSz="914400" rtl="0" eaLnBrk="1" latinLnBrk="0" hangingPunct="1">
+      <a:defRPr sz="1200" kern="1200">
+        <a:solidFill>
+          <a:schemeClr val="tx1"/>
+        </a:solidFill>
+        <a:latin typeface="+mn-lt"/>
+        <a:ea typeface="+mn-ea"/>
+        <a:cs typeface="+mn-cs"/>
+      </a:defRPr>
+    </a:lvl9pPr>
+  </p:notesStyle>
+</p:notesMaster>
 </file>
 
 <file path=ppt/slideLayouts/slideLayout1.xml><?xml version="1.0" encoding="utf-8"?>
@@ -268,9 +640,9 @@
           <a:bodyPr/>
           <a:lstStyle/>
           <a:p>
-            <a:fld id="{0864685D-6DBC-9040-99D2-59AA9070B316}" type="datetimeFigureOut">
-              <a:rPr lang="en-US" smtClean="0"/>
-              <a:t>2/6/23</a:t>
+            <a:fld id="{B4FE4F45-BC78-4F47-92D0-740DD24D1B19}" type="datetime1">
+              <a:rPr lang="en-SG" smtClean="0"/>
+              <a:t>7/2/23</a:t>
             </a:fld>
             <a:endParaRPr lang="en-US"/>
           </a:p>
@@ -468,9 +840,9 @@
           <a:bodyPr/>
           <a:lstStyle/>
           <a:p>
-            <a:fld id="{0864685D-6DBC-9040-99D2-59AA9070B316}" type="datetimeFigureOut">
-              <a:rPr lang="en-US" smtClean="0"/>
-              <a:t>2/6/23</a:t>
+            <a:fld id="{E15DE53F-D453-BD48-A8F8-C63090433BE9}" type="datetime1">
+              <a:rPr lang="en-SG" smtClean="0"/>
+              <a:t>7/2/23</a:t>
             </a:fld>
             <a:endParaRPr lang="en-US"/>
           </a:p>
@@ -678,9 +1050,9 @@
           <a:bodyPr/>
           <a:lstStyle/>
           <a:p>
-            <a:fld id="{0864685D-6DBC-9040-99D2-59AA9070B316}" type="datetimeFigureOut">
-              <a:rPr lang="en-US" smtClean="0"/>
-              <a:t>2/6/23</a:t>
+            <a:fld id="{40D9F09F-7EAF-6D42-AF02-2426E380D72A}" type="datetime1">
+              <a:rPr lang="en-SG" smtClean="0"/>
+              <a:t>7/2/23</a:t>
             </a:fld>
             <a:endParaRPr lang="en-US"/>
           </a:p>
@@ -878,9 +1250,9 @@
           <a:bodyPr/>
           <a:lstStyle/>
           <a:p>
-            <a:fld id="{0864685D-6DBC-9040-99D2-59AA9070B316}" type="datetimeFigureOut">
-              <a:rPr lang="en-US" smtClean="0"/>
-              <a:t>2/6/23</a:t>
+            <a:fld id="{408D65DD-DF00-6846-B39A-987EBC771F45}" type="datetime1">
+              <a:rPr lang="en-SG" smtClean="0"/>
+              <a:t>7/2/23</a:t>
             </a:fld>
             <a:endParaRPr lang="en-US"/>
           </a:p>
@@ -1154,9 +1526,9 @@
           <a:bodyPr/>
           <a:lstStyle/>
           <a:p>
-            <a:fld id="{0864685D-6DBC-9040-99D2-59AA9070B316}" type="datetimeFigureOut">
-              <a:rPr lang="en-US" smtClean="0"/>
-              <a:t>2/6/23</a:t>
+            <a:fld id="{2454A3EA-99C7-7246-A91B-B48DD918831F}" type="datetime1">
+              <a:rPr lang="en-SG" smtClean="0"/>
+              <a:t>7/2/23</a:t>
             </a:fld>
             <a:endParaRPr lang="en-US"/>
           </a:p>
@@ -1422,9 +1794,9 @@
           <a:bodyPr/>
           <a:lstStyle/>
           <a:p>
-            <a:fld id="{0864685D-6DBC-9040-99D2-59AA9070B316}" type="datetimeFigureOut">
-              <a:rPr lang="en-US" smtClean="0"/>
-              <a:t>2/6/23</a:t>
+            <a:fld id="{15EC798E-C5DD-5D44-907C-5F8C50832C98}" type="datetime1">
+              <a:rPr lang="en-SG" smtClean="0"/>
+              <a:t>7/2/23</a:t>
             </a:fld>
             <a:endParaRPr lang="en-US"/>
           </a:p>
@@ -1837,9 +2209,9 @@
           <a:bodyPr/>
           <a:lstStyle/>
           <a:p>
-            <a:fld id="{0864685D-6DBC-9040-99D2-59AA9070B316}" type="datetimeFigureOut">
-              <a:rPr lang="en-US" smtClean="0"/>
-              <a:t>2/6/23</a:t>
+            <a:fld id="{D294654C-DB3E-C745-93C9-4B9782CAD23C}" type="datetime1">
+              <a:rPr lang="en-SG" smtClean="0"/>
+              <a:t>7/2/23</a:t>
             </a:fld>
             <a:endParaRPr lang="en-US"/>
           </a:p>
@@ -1979,9 +2351,9 @@
           <a:bodyPr/>
           <a:lstStyle/>
           <a:p>
-            <a:fld id="{0864685D-6DBC-9040-99D2-59AA9070B316}" type="datetimeFigureOut">
-              <a:rPr lang="en-US" smtClean="0"/>
-              <a:t>2/6/23</a:t>
+            <a:fld id="{BD0EDA8E-0D85-124E-8101-9151628339A8}" type="datetime1">
+              <a:rPr lang="en-SG" smtClean="0"/>
+              <a:t>7/2/23</a:t>
             </a:fld>
             <a:endParaRPr lang="en-US"/>
           </a:p>
@@ -2092,9 +2464,9 @@
           <a:bodyPr/>
           <a:lstStyle/>
           <a:p>
-            <a:fld id="{0864685D-6DBC-9040-99D2-59AA9070B316}" type="datetimeFigureOut">
-              <a:rPr lang="en-US" smtClean="0"/>
-              <a:t>2/6/23</a:t>
+            <a:fld id="{7EC7A653-44AB-8243-9F63-1CE21076E672}" type="datetime1">
+              <a:rPr lang="en-SG" smtClean="0"/>
+              <a:t>7/2/23</a:t>
             </a:fld>
             <a:endParaRPr lang="en-US"/>
           </a:p>
@@ -2405,9 +2777,9 @@
           <a:bodyPr/>
           <a:lstStyle/>
           <a:p>
-            <a:fld id="{0864685D-6DBC-9040-99D2-59AA9070B316}" type="datetimeFigureOut">
-              <a:rPr lang="en-US" smtClean="0"/>
-              <a:t>2/6/23</a:t>
+            <a:fld id="{B6407CC7-0AA6-1D4C-A268-45C21D022A80}" type="datetime1">
+              <a:rPr lang="en-SG" smtClean="0"/>
+              <a:t>7/2/23</a:t>
             </a:fld>
             <a:endParaRPr lang="en-US"/>
           </a:p>
@@ -2694,9 +3066,9 @@
           <a:bodyPr/>
           <a:lstStyle/>
           <a:p>
-            <a:fld id="{0864685D-6DBC-9040-99D2-59AA9070B316}" type="datetimeFigureOut">
-              <a:rPr lang="en-US" smtClean="0"/>
-              <a:t>2/6/23</a:t>
+            <a:fld id="{2A2590B4-3A88-0643-9CED-0EB879D3561E}" type="datetime1">
+              <a:rPr lang="en-SG" smtClean="0"/>
+              <a:t>7/2/23</a:t>
             </a:fld>
             <a:endParaRPr lang="en-US"/>
           </a:p>
@@ -2832,10 +3204,10 @@
                   <a:lumMod val="89000"/>
                 </a:schemeClr>
               </a:gs>
-              <a:gs pos="2000">
+              <a:gs pos="1000">
                 <a:schemeClr val="accent3">
                   <a:lumMod val="0"/>
-                  <a:alpha val="73157"/>
+                  <a:alpha val="83000"/>
                 </a:schemeClr>
               </a:gs>
             </a:gsLst>
@@ -2866,7 +3238,10 @@
           <a:lstStyle/>
           <a:p>
             <a:pPr algn="ctr"/>
-            <a:endParaRPr lang="en-US"/>
+            <a:endParaRPr lang="en-US" dirty="0">
+              <a:latin typeface="Futura Medium" panose="020B0602020204020303" pitchFamily="34" charset="-79"/>
+              <a:cs typeface="Futura Medium" panose="020B0602020204020303" pitchFamily="34" charset="-79"/>
+            </a:endParaRPr>
           </a:p>
         </p:txBody>
       </p:sp>
@@ -3010,14 +3385,16 @@
                 <a:solidFill>
                   <a:schemeClr val="bg1"/>
                 </a:solidFill>
+                <a:latin typeface="Futura Medium" panose="020B0602020204020303" pitchFamily="34" charset="-79"/>
+                <a:cs typeface="Futura Medium" panose="020B0602020204020303" pitchFamily="34" charset="-79"/>
               </a:defRPr>
             </a:lvl1pPr>
           </a:lstStyle>
           <a:p>
-            <a:fld id="{0864685D-6DBC-9040-99D2-59AA9070B316}" type="datetimeFigureOut">
-              <a:rPr lang="en-US" smtClean="0"/>
+            <a:fld id="{A1DE4947-6BC5-3D42-9664-5AC3090E502D}" type="datetime1">
+              <a:rPr lang="en-SG" smtClean="0"/>
               <a:pPr/>
-              <a:t>2/6/23</a:t>
+              <a:t>7/2/23</a:t>
             </a:fld>
             <a:endParaRPr lang="en-US"/>
           </a:p>
@@ -3056,6 +3433,8 @@
                 <a:solidFill>
                   <a:schemeClr val="bg1"/>
                 </a:solidFill>
+                <a:latin typeface="Futura Medium" panose="020B0602020204020303" pitchFamily="34" charset="-79"/>
+                <a:cs typeface="Futura Medium" panose="020B0602020204020303" pitchFamily="34" charset="-79"/>
               </a:defRPr>
             </a:lvl1pPr>
           </a:lstStyle>
@@ -3097,6 +3476,8 @@
                 <a:solidFill>
                   <a:schemeClr val="bg1"/>
                 </a:solidFill>
+                <a:latin typeface="Futura Medium" panose="020B0602020204020303" pitchFamily="34" charset="-79"/>
+                <a:cs typeface="Futura Medium" panose="020B0602020204020303" pitchFamily="34" charset="-79"/>
               </a:defRPr>
             </a:lvl1pPr>
           </a:lstStyle>
@@ -3106,7 +3487,7 @@
               <a:pPr/>
               <a:t>‹#›</a:t>
             </a:fld>
-            <a:endParaRPr lang="en-US"/>
+            <a:endParaRPr lang="en-US" dirty="0"/>
           </a:p>
         </p:txBody>
       </p:sp>
@@ -3131,6 +3512,7 @@
     <p:sldLayoutId id="2147483658" r:id="rId10"/>
     <p:sldLayoutId id="2147483659" r:id="rId11"/>
   </p:sldLayoutIdLst>
+  <p:hf sldNum="0" hdr="0" ftr="0" dt="0"/>
   <p:txStyles>
     <p:titleStyle>
       <a:lvl1pPr algn="l" defTabSz="914400" rtl="0" eaLnBrk="1" latinLnBrk="0" hangingPunct="1">
@@ -3145,9 +3527,9 @@
           <a:solidFill>
             <a:schemeClr val="bg1"/>
           </a:solidFill>
-          <a:latin typeface="+mj-lt"/>
+          <a:latin typeface="Futura Medium" panose="020B0602020204020303" pitchFamily="34" charset="-79"/>
           <a:ea typeface="+mj-ea"/>
-          <a:cs typeface="+mj-cs"/>
+          <a:cs typeface="Futura Medium" panose="020B0602020204020303" pitchFamily="34" charset="-79"/>
         </a:defRPr>
       </a:lvl1pPr>
     </p:titleStyle>
@@ -3165,9 +3547,9 @@
           <a:solidFill>
             <a:schemeClr val="bg1"/>
           </a:solidFill>
-          <a:latin typeface="+mn-lt"/>
+          <a:latin typeface="Futura Medium" panose="020B0602020204020303" pitchFamily="34" charset="-79"/>
           <a:ea typeface="+mn-ea"/>
-          <a:cs typeface="+mn-cs"/>
+          <a:cs typeface="Futura Medium" panose="020B0602020204020303" pitchFamily="34" charset="-79"/>
         </a:defRPr>
       </a:lvl1pPr>
       <a:lvl2pPr marL="685800" indent="-228600" algn="l" defTabSz="914400" rtl="0" eaLnBrk="1" latinLnBrk="0" hangingPunct="1">
@@ -3183,9 +3565,9 @@
           <a:solidFill>
             <a:schemeClr val="bg1"/>
           </a:solidFill>
-          <a:latin typeface="+mn-lt"/>
+          <a:latin typeface="Futura Medium" panose="020B0602020204020303" pitchFamily="34" charset="-79"/>
           <a:ea typeface="+mn-ea"/>
-          <a:cs typeface="+mn-cs"/>
+          <a:cs typeface="Futura Medium" panose="020B0602020204020303" pitchFamily="34" charset="-79"/>
         </a:defRPr>
       </a:lvl2pPr>
       <a:lvl3pPr marL="1143000" indent="-228600" algn="l" defTabSz="914400" rtl="0" eaLnBrk="1" latinLnBrk="0" hangingPunct="1">
@@ -3201,9 +3583,9 @@
           <a:solidFill>
             <a:schemeClr val="bg1"/>
           </a:solidFill>
-          <a:latin typeface="+mn-lt"/>
+          <a:latin typeface="Futura Medium" panose="020B0602020204020303" pitchFamily="34" charset="-79"/>
           <a:ea typeface="+mn-ea"/>
-          <a:cs typeface="+mn-cs"/>
+          <a:cs typeface="Futura Medium" panose="020B0602020204020303" pitchFamily="34" charset="-79"/>
         </a:defRPr>
       </a:lvl3pPr>
       <a:lvl4pPr marL="1600200" indent="-228600" algn="l" defTabSz="914400" rtl="0" eaLnBrk="1" latinLnBrk="0" hangingPunct="1">
@@ -3219,9 +3601,9 @@
           <a:solidFill>
             <a:schemeClr val="bg1"/>
           </a:solidFill>
-          <a:latin typeface="+mn-lt"/>
+          <a:latin typeface="Futura Medium" panose="020B0602020204020303" pitchFamily="34" charset="-79"/>
           <a:ea typeface="+mn-ea"/>
-          <a:cs typeface="+mn-cs"/>
+          <a:cs typeface="Futura Medium" panose="020B0602020204020303" pitchFamily="34" charset="-79"/>
         </a:defRPr>
       </a:lvl4pPr>
       <a:lvl5pPr marL="2057400" indent="-228600" algn="l" defTabSz="914400" rtl="0" eaLnBrk="1" latinLnBrk="0" hangingPunct="1">
@@ -3237,9 +3619,9 @@
           <a:solidFill>
             <a:schemeClr val="bg1"/>
           </a:solidFill>
-          <a:latin typeface="+mn-lt"/>
+          <a:latin typeface="Futura Medium" panose="020B0602020204020303" pitchFamily="34" charset="-79"/>
           <a:ea typeface="+mn-ea"/>
-          <a:cs typeface="+mn-cs"/>
+          <a:cs typeface="Futura Medium" panose="020B0602020204020303" pitchFamily="34" charset="-79"/>
         </a:defRPr>
       </a:lvl5pPr>
       <a:lvl6pPr marL="2514600" indent="-228600" algn="l" defTabSz="914400" rtl="0" eaLnBrk="1" latinLnBrk="0" hangingPunct="1">
@@ -3449,10 +3831,15 @@
         </p:nvSpPr>
         <p:spPr/>
         <p:txBody>
-          <a:bodyPr/>
+          <a:bodyPr>
+            <a:noAutofit/>
+          </a:bodyPr>
           <a:lstStyle/>
           <a:p>
-            <a:endParaRPr lang="en-US"/>
+            <a:r>
+              <a:rPr lang="en-US" sz="4800" b="1" dirty="0"/>
+              <a:t>Predicting resignation rates in the ICT industry and trend analysis for ICT higher education intakes</a:t>
+            </a:r>
           </a:p>
         </p:txBody>
       </p:sp>
@@ -3477,7 +3864,16 @@
           <a:bodyPr/>
           <a:lstStyle/>
           <a:p>
-            <a:endParaRPr lang="en-US"/>
+            <a:r>
+              <a:rPr lang="en-US" dirty="0"/>
+              <a:t>Muhammad Iylia</a:t>
+            </a:r>
+          </a:p>
+          <a:p>
+            <a:r>
+              <a:rPr lang="en-US" dirty="0"/>
+              <a:t>P7474841</a:t>
+            </a:r>
           </a:p>
         </p:txBody>
       </p:sp>
@@ -3491,6 +3887,5800 @@
   <p:clrMapOvr>
     <a:masterClrMapping/>
   </p:clrMapOvr>
+</p:sld>
+</file>
+
+<file path=ppt/slides/slide10.xml><?xml version="1.0" encoding="utf-8"?>
+<p:sld xmlns:a="http://schemas.openxmlformats.org/drawingml/2006/main" xmlns:r="http://schemas.openxmlformats.org/officeDocument/2006/relationships" xmlns:p="http://schemas.openxmlformats.org/presentationml/2006/main">
+  <p:cSld>
+    <p:spTree>
+      <p:nvGrpSpPr>
+        <p:cNvPr id="1" name=""/>
+        <p:cNvGrpSpPr/>
+        <p:nvPr/>
+      </p:nvGrpSpPr>
+      <p:grpSpPr>
+        <a:xfrm>
+          <a:off x="0" y="0"/>
+          <a:ext cx="0" cy="0"/>
+          <a:chOff x="0" y="0"/>
+          <a:chExt cx="0" cy="0"/>
+        </a:xfrm>
+      </p:grpSpPr>
+      <p:sp>
+        <p:nvSpPr>
+          <p:cNvPr id="2" name="Title 1">
+            <a:extLst>
+              <a:ext uri="{FF2B5EF4-FFF2-40B4-BE49-F238E27FC236}">
+                <a16:creationId xmlns:a16="http://schemas.microsoft.com/office/drawing/2014/main" id="{B39AE56C-9377-265B-12C0-7473FC42E57E}"/>
+              </a:ext>
+            </a:extLst>
+          </p:cNvPr>
+          <p:cNvSpPr>
+            <a:spLocks noGrp="1"/>
+          </p:cNvSpPr>
+          <p:nvPr>
+            <p:ph type="title"/>
+          </p:nvPr>
+        </p:nvSpPr>
+        <p:spPr>
+          <a:xfrm>
+            <a:off x="838200" y="365125"/>
+            <a:ext cx="10515600" cy="1018507"/>
+          </a:xfrm>
+        </p:spPr>
+        <p:txBody>
+          <a:bodyPr/>
+          <a:lstStyle/>
+          <a:p>
+            <a:pPr algn="ctr"/>
+            <a:r>
+              <a:rPr lang="en-US" dirty="0"/>
+              <a:t>Datasets</a:t>
+            </a:r>
+          </a:p>
+        </p:txBody>
+      </p:sp>
+      <p:pic>
+        <p:nvPicPr>
+          <p:cNvPr id="16" name="Picture 15" descr="Text&#10;&#10;Description automatically generated">
+            <a:extLst>
+              <a:ext uri="{FF2B5EF4-FFF2-40B4-BE49-F238E27FC236}">
+                <a16:creationId xmlns:a16="http://schemas.microsoft.com/office/drawing/2014/main" id="{66EB742A-3DAB-5EAE-A049-E4613719E0E5}"/>
+              </a:ext>
+            </a:extLst>
+          </p:cNvPr>
+          <p:cNvPicPr>
+            <a:picLocks noChangeAspect="1"/>
+          </p:cNvPicPr>
+          <p:nvPr/>
+        </p:nvPicPr>
+        <p:blipFill>
+          <a:blip r:embed="rId2"/>
+          <a:stretch>
+            <a:fillRect/>
+          </a:stretch>
+        </p:blipFill>
+        <p:spPr>
+          <a:xfrm>
+            <a:off x="199725" y="6098726"/>
+            <a:ext cx="1138605" cy="540000"/>
+          </a:xfrm>
+          <a:prstGeom prst="rect">
+            <a:avLst/>
+          </a:prstGeom>
+        </p:spPr>
+      </p:pic>
+      <p:pic>
+        <p:nvPicPr>
+          <p:cNvPr id="19" name="Picture 18" descr="Text&#10;&#10;Description automatically generated">
+            <a:extLst>
+              <a:ext uri="{FF2B5EF4-FFF2-40B4-BE49-F238E27FC236}">
+                <a16:creationId xmlns:a16="http://schemas.microsoft.com/office/drawing/2014/main" id="{1CF06863-3422-0192-8A6D-52ABD539C933}"/>
+              </a:ext>
+            </a:extLst>
+          </p:cNvPr>
+          <p:cNvPicPr>
+            <a:picLocks noChangeAspect="1"/>
+          </p:cNvPicPr>
+          <p:nvPr/>
+        </p:nvPicPr>
+        <p:blipFill>
+          <a:blip r:embed="rId3"/>
+          <a:stretch>
+            <a:fillRect/>
+          </a:stretch>
+        </p:blipFill>
+        <p:spPr>
+          <a:xfrm>
+            <a:off x="1538864" y="6088313"/>
+            <a:ext cx="1317601" cy="540000"/>
+          </a:xfrm>
+          <a:prstGeom prst="rect">
+            <a:avLst/>
+          </a:prstGeom>
+        </p:spPr>
+      </p:pic>
+      <p:pic>
+        <p:nvPicPr>
+          <p:cNvPr id="21" name="Picture 20" descr="Text&#10;&#10;Description automatically generated">
+            <a:extLst>
+              <a:ext uri="{FF2B5EF4-FFF2-40B4-BE49-F238E27FC236}">
+                <a16:creationId xmlns:a16="http://schemas.microsoft.com/office/drawing/2014/main" id="{53FAB219-DC27-EF56-EA64-978D5C92334D}"/>
+              </a:ext>
+            </a:extLst>
+          </p:cNvPr>
+          <p:cNvPicPr>
+            <a:picLocks noChangeAspect="1"/>
+          </p:cNvPicPr>
+          <p:nvPr/>
+        </p:nvPicPr>
+        <p:blipFill>
+          <a:blip r:embed="rId4"/>
+          <a:stretch>
+            <a:fillRect/>
+          </a:stretch>
+        </p:blipFill>
+        <p:spPr>
+          <a:xfrm>
+            <a:off x="3056999" y="6098726"/>
+            <a:ext cx="775093" cy="540000"/>
+          </a:xfrm>
+          <a:prstGeom prst="rect">
+            <a:avLst/>
+          </a:prstGeom>
+        </p:spPr>
+      </p:pic>
+      <p:pic>
+        <p:nvPicPr>
+          <p:cNvPr id="23" name="Picture 22" descr="A picture containing text, screenshot, monitor&#10;&#10;Description automatically generated">
+            <a:extLst>
+              <a:ext uri="{FF2B5EF4-FFF2-40B4-BE49-F238E27FC236}">
+                <a16:creationId xmlns:a16="http://schemas.microsoft.com/office/drawing/2014/main" id="{77117484-BB41-EA91-72E0-904BEB3B61D2}"/>
+              </a:ext>
+            </a:extLst>
+          </p:cNvPr>
+          <p:cNvPicPr>
+            <a:picLocks noChangeAspect="1"/>
+          </p:cNvPicPr>
+          <p:nvPr/>
+        </p:nvPicPr>
+        <p:blipFill>
+          <a:blip r:embed="rId5"/>
+          <a:stretch>
+            <a:fillRect/>
+          </a:stretch>
+        </p:blipFill>
+        <p:spPr>
+          <a:xfrm>
+            <a:off x="4032626" y="6098726"/>
+            <a:ext cx="1025747" cy="540000"/>
+          </a:xfrm>
+          <a:prstGeom prst="rect">
+            <a:avLst/>
+          </a:prstGeom>
+        </p:spPr>
+      </p:pic>
+      <p:pic>
+        <p:nvPicPr>
+          <p:cNvPr id="25" name="Picture 24" descr="A picture containing text, monitor, black, screen&#10;&#10;Description automatically generated">
+            <a:extLst>
+              <a:ext uri="{FF2B5EF4-FFF2-40B4-BE49-F238E27FC236}">
+                <a16:creationId xmlns:a16="http://schemas.microsoft.com/office/drawing/2014/main" id="{00D9D7CD-BEA6-EE64-870F-24CE9A78FE63}"/>
+              </a:ext>
+            </a:extLst>
+          </p:cNvPr>
+          <p:cNvPicPr>
+            <a:picLocks noChangeAspect="1"/>
+          </p:cNvPicPr>
+          <p:nvPr/>
+        </p:nvPicPr>
+        <p:blipFill>
+          <a:blip r:embed="rId6"/>
+          <a:stretch>
+            <a:fillRect/>
+          </a:stretch>
+        </p:blipFill>
+        <p:spPr>
+          <a:xfrm>
+            <a:off x="5258907" y="6088313"/>
+            <a:ext cx="1189312" cy="540000"/>
+          </a:xfrm>
+          <a:prstGeom prst="rect">
+            <a:avLst/>
+          </a:prstGeom>
+        </p:spPr>
+      </p:pic>
+      <p:pic>
+        <p:nvPicPr>
+          <p:cNvPr id="38" name="Picture 37" descr="Graphical user interface, text, application, chat or text message&#10;&#10;Description automatically generated">
+            <a:extLst>
+              <a:ext uri="{FF2B5EF4-FFF2-40B4-BE49-F238E27FC236}">
+                <a16:creationId xmlns:a16="http://schemas.microsoft.com/office/drawing/2014/main" id="{48C69C16-0065-4E97-A6E4-F7E736D4DBB6}"/>
+              </a:ext>
+            </a:extLst>
+          </p:cNvPr>
+          <p:cNvPicPr>
+            <a:picLocks noChangeAspect="1"/>
+          </p:cNvPicPr>
+          <p:nvPr/>
+        </p:nvPicPr>
+        <p:blipFill>
+          <a:blip r:embed="rId7"/>
+          <a:stretch>
+            <a:fillRect/>
+          </a:stretch>
+        </p:blipFill>
+        <p:spPr>
+          <a:xfrm>
+            <a:off x="2044301" y="1383632"/>
+            <a:ext cx="8103398" cy="4216400"/>
+          </a:xfrm>
+          <a:prstGeom prst="rect">
+            <a:avLst/>
+          </a:prstGeom>
+        </p:spPr>
+      </p:pic>
+      <p:pic>
+        <p:nvPicPr>
+          <p:cNvPr id="40" name="Picture 39" descr="Text&#10;&#10;Description automatically generated">
+            <a:extLst>
+              <a:ext uri="{FF2B5EF4-FFF2-40B4-BE49-F238E27FC236}">
+                <a16:creationId xmlns:a16="http://schemas.microsoft.com/office/drawing/2014/main" id="{8310590B-0FC0-AE04-E083-EE76799C1D3E}"/>
+              </a:ext>
+            </a:extLst>
+          </p:cNvPr>
+          <p:cNvPicPr>
+            <a:picLocks noChangeAspect="1"/>
+          </p:cNvPicPr>
+          <p:nvPr/>
+        </p:nvPicPr>
+        <p:blipFill>
+          <a:blip r:embed="rId8"/>
+          <a:stretch>
+            <a:fillRect/>
+          </a:stretch>
+        </p:blipFill>
+        <p:spPr>
+          <a:xfrm>
+            <a:off x="7887100" y="6098726"/>
+            <a:ext cx="644211" cy="540000"/>
+          </a:xfrm>
+          <a:prstGeom prst="rect">
+            <a:avLst/>
+          </a:prstGeom>
+        </p:spPr>
+      </p:pic>
+      <p:pic>
+        <p:nvPicPr>
+          <p:cNvPr id="42" name="Picture 41" descr="Text&#10;&#10;Description automatically generated">
+            <a:extLst>
+              <a:ext uri="{FF2B5EF4-FFF2-40B4-BE49-F238E27FC236}">
+                <a16:creationId xmlns:a16="http://schemas.microsoft.com/office/drawing/2014/main" id="{A007B266-C578-6BDF-3148-7543D9B41931}"/>
+              </a:ext>
+            </a:extLst>
+          </p:cNvPr>
+          <p:cNvPicPr>
+            <a:picLocks noChangeAspect="1"/>
+          </p:cNvPicPr>
+          <p:nvPr/>
+        </p:nvPicPr>
+        <p:blipFill>
+          <a:blip r:embed="rId9"/>
+          <a:stretch>
+            <a:fillRect/>
+          </a:stretch>
+        </p:blipFill>
+        <p:spPr>
+          <a:xfrm>
+            <a:off x="8731845" y="6088313"/>
+            <a:ext cx="938530" cy="540000"/>
+          </a:xfrm>
+          <a:prstGeom prst="rect">
+            <a:avLst/>
+          </a:prstGeom>
+        </p:spPr>
+      </p:pic>
+      <p:pic>
+        <p:nvPicPr>
+          <p:cNvPr id="44" name="Picture 43" descr="Text&#10;&#10;Description automatically generated">
+            <a:extLst>
+              <a:ext uri="{FF2B5EF4-FFF2-40B4-BE49-F238E27FC236}">
+                <a16:creationId xmlns:a16="http://schemas.microsoft.com/office/drawing/2014/main" id="{7D0B74B1-764E-81BB-7424-9ECE26A72FC0}"/>
+              </a:ext>
+            </a:extLst>
+          </p:cNvPr>
+          <p:cNvPicPr>
+            <a:picLocks noChangeAspect="1"/>
+          </p:cNvPicPr>
+          <p:nvPr/>
+        </p:nvPicPr>
+        <p:blipFill>
+          <a:blip r:embed="rId10"/>
+          <a:stretch>
+            <a:fillRect/>
+          </a:stretch>
+        </p:blipFill>
+        <p:spPr>
+          <a:xfrm>
+            <a:off x="9870909" y="6088313"/>
+            <a:ext cx="1049143" cy="540000"/>
+          </a:xfrm>
+          <a:prstGeom prst="rect">
+            <a:avLst/>
+          </a:prstGeom>
+        </p:spPr>
+      </p:pic>
+      <p:pic>
+        <p:nvPicPr>
+          <p:cNvPr id="46" name="Picture 45" descr="A picture containing text, monitor, black, screenshot&#10;&#10;Description automatically generated">
+            <a:extLst>
+              <a:ext uri="{FF2B5EF4-FFF2-40B4-BE49-F238E27FC236}">
+                <a16:creationId xmlns:a16="http://schemas.microsoft.com/office/drawing/2014/main" id="{529B9667-0845-6708-67CA-DFF19A2881DA}"/>
+              </a:ext>
+            </a:extLst>
+          </p:cNvPr>
+          <p:cNvPicPr>
+            <a:picLocks noChangeAspect="1"/>
+          </p:cNvPicPr>
+          <p:nvPr/>
+        </p:nvPicPr>
+        <p:blipFill>
+          <a:blip r:embed="rId11"/>
+          <a:stretch>
+            <a:fillRect/>
+          </a:stretch>
+        </p:blipFill>
+        <p:spPr>
+          <a:xfrm>
+            <a:off x="11120583" y="6088313"/>
+            <a:ext cx="871691" cy="540000"/>
+          </a:xfrm>
+          <a:prstGeom prst="rect">
+            <a:avLst/>
+          </a:prstGeom>
+        </p:spPr>
+      </p:pic>
+    </p:spTree>
+    <p:extLst>
+      <p:ext uri="{BB962C8B-B14F-4D97-AF65-F5344CB8AC3E}">
+        <p14:creationId xmlns:p14="http://schemas.microsoft.com/office/powerpoint/2010/main" val="218069960"/>
+      </p:ext>
+    </p:extLst>
+  </p:cSld>
+  <p:clrMapOvr>
+    <a:masterClrMapping/>
+  </p:clrMapOvr>
+  <mc:AlternateContent xmlns:mc="http://schemas.openxmlformats.org/markup-compatibility/2006">
+    <mc:Choice xmlns:p159="http://schemas.microsoft.com/office/powerpoint/2015/09/main" Requires="p159">
+      <p:transition xmlns:p14="http://schemas.microsoft.com/office/powerpoint/2010/main" spd="slow" p14:dur="2000">
+        <p159:morph option="byObject"/>
+      </p:transition>
+    </mc:Choice>
+    <mc:Fallback>
+      <p:transition spd="slow">
+        <p:fade/>
+      </p:transition>
+    </mc:Fallback>
+  </mc:AlternateContent>
+</p:sld>
+</file>
+
+<file path=ppt/slides/slide11.xml><?xml version="1.0" encoding="utf-8"?>
+<p:sld xmlns:a="http://schemas.openxmlformats.org/drawingml/2006/main" xmlns:r="http://schemas.openxmlformats.org/officeDocument/2006/relationships" xmlns:p="http://schemas.openxmlformats.org/presentationml/2006/main">
+  <p:cSld>
+    <p:spTree>
+      <p:nvGrpSpPr>
+        <p:cNvPr id="1" name=""/>
+        <p:cNvGrpSpPr/>
+        <p:nvPr/>
+      </p:nvGrpSpPr>
+      <p:grpSpPr>
+        <a:xfrm>
+          <a:off x="0" y="0"/>
+          <a:ext cx="0" cy="0"/>
+          <a:chOff x="0" y="0"/>
+          <a:chExt cx="0" cy="0"/>
+        </a:xfrm>
+      </p:grpSpPr>
+      <p:sp>
+        <p:nvSpPr>
+          <p:cNvPr id="2" name="Title 1">
+            <a:extLst>
+              <a:ext uri="{FF2B5EF4-FFF2-40B4-BE49-F238E27FC236}">
+                <a16:creationId xmlns:a16="http://schemas.microsoft.com/office/drawing/2014/main" id="{B39AE56C-9377-265B-12C0-7473FC42E57E}"/>
+              </a:ext>
+            </a:extLst>
+          </p:cNvPr>
+          <p:cNvSpPr>
+            <a:spLocks noGrp="1"/>
+          </p:cNvSpPr>
+          <p:nvPr>
+            <p:ph type="title"/>
+          </p:nvPr>
+        </p:nvSpPr>
+        <p:spPr>
+          <a:xfrm>
+            <a:off x="838200" y="365125"/>
+            <a:ext cx="10515600" cy="1018507"/>
+          </a:xfrm>
+        </p:spPr>
+        <p:txBody>
+          <a:bodyPr/>
+          <a:lstStyle/>
+          <a:p>
+            <a:pPr algn="ctr"/>
+            <a:r>
+              <a:rPr lang="en-US" dirty="0"/>
+              <a:t>Datasets</a:t>
+            </a:r>
+          </a:p>
+        </p:txBody>
+      </p:sp>
+      <p:pic>
+        <p:nvPicPr>
+          <p:cNvPr id="16" name="Picture 15" descr="Text&#10;&#10;Description automatically generated">
+            <a:extLst>
+              <a:ext uri="{FF2B5EF4-FFF2-40B4-BE49-F238E27FC236}">
+                <a16:creationId xmlns:a16="http://schemas.microsoft.com/office/drawing/2014/main" id="{66EB742A-3DAB-5EAE-A049-E4613719E0E5}"/>
+              </a:ext>
+            </a:extLst>
+          </p:cNvPr>
+          <p:cNvPicPr>
+            <a:picLocks noChangeAspect="1"/>
+          </p:cNvPicPr>
+          <p:nvPr/>
+        </p:nvPicPr>
+        <p:blipFill>
+          <a:blip r:embed="rId2"/>
+          <a:stretch>
+            <a:fillRect/>
+          </a:stretch>
+        </p:blipFill>
+        <p:spPr>
+          <a:xfrm>
+            <a:off x="199725" y="6098726"/>
+            <a:ext cx="1138605" cy="540000"/>
+          </a:xfrm>
+          <a:prstGeom prst="rect">
+            <a:avLst/>
+          </a:prstGeom>
+        </p:spPr>
+      </p:pic>
+      <p:pic>
+        <p:nvPicPr>
+          <p:cNvPr id="19" name="Picture 18" descr="Text&#10;&#10;Description automatically generated">
+            <a:extLst>
+              <a:ext uri="{FF2B5EF4-FFF2-40B4-BE49-F238E27FC236}">
+                <a16:creationId xmlns:a16="http://schemas.microsoft.com/office/drawing/2014/main" id="{1CF06863-3422-0192-8A6D-52ABD539C933}"/>
+              </a:ext>
+            </a:extLst>
+          </p:cNvPr>
+          <p:cNvPicPr>
+            <a:picLocks noChangeAspect="1"/>
+          </p:cNvPicPr>
+          <p:nvPr/>
+        </p:nvPicPr>
+        <p:blipFill>
+          <a:blip r:embed="rId3"/>
+          <a:stretch>
+            <a:fillRect/>
+          </a:stretch>
+        </p:blipFill>
+        <p:spPr>
+          <a:xfrm>
+            <a:off x="1538864" y="6088313"/>
+            <a:ext cx="1317601" cy="540000"/>
+          </a:xfrm>
+          <a:prstGeom prst="rect">
+            <a:avLst/>
+          </a:prstGeom>
+        </p:spPr>
+      </p:pic>
+      <p:pic>
+        <p:nvPicPr>
+          <p:cNvPr id="21" name="Picture 20" descr="Text&#10;&#10;Description automatically generated">
+            <a:extLst>
+              <a:ext uri="{FF2B5EF4-FFF2-40B4-BE49-F238E27FC236}">
+                <a16:creationId xmlns:a16="http://schemas.microsoft.com/office/drawing/2014/main" id="{53FAB219-DC27-EF56-EA64-978D5C92334D}"/>
+              </a:ext>
+            </a:extLst>
+          </p:cNvPr>
+          <p:cNvPicPr>
+            <a:picLocks noChangeAspect="1"/>
+          </p:cNvPicPr>
+          <p:nvPr/>
+        </p:nvPicPr>
+        <p:blipFill>
+          <a:blip r:embed="rId4"/>
+          <a:stretch>
+            <a:fillRect/>
+          </a:stretch>
+        </p:blipFill>
+        <p:spPr>
+          <a:xfrm>
+            <a:off x="3056999" y="6098726"/>
+            <a:ext cx="775093" cy="540000"/>
+          </a:xfrm>
+          <a:prstGeom prst="rect">
+            <a:avLst/>
+          </a:prstGeom>
+        </p:spPr>
+      </p:pic>
+      <p:pic>
+        <p:nvPicPr>
+          <p:cNvPr id="23" name="Picture 22" descr="A picture containing text, screenshot, monitor&#10;&#10;Description automatically generated">
+            <a:extLst>
+              <a:ext uri="{FF2B5EF4-FFF2-40B4-BE49-F238E27FC236}">
+                <a16:creationId xmlns:a16="http://schemas.microsoft.com/office/drawing/2014/main" id="{77117484-BB41-EA91-72E0-904BEB3B61D2}"/>
+              </a:ext>
+            </a:extLst>
+          </p:cNvPr>
+          <p:cNvPicPr>
+            <a:picLocks noChangeAspect="1"/>
+          </p:cNvPicPr>
+          <p:nvPr/>
+        </p:nvPicPr>
+        <p:blipFill>
+          <a:blip r:embed="rId5"/>
+          <a:stretch>
+            <a:fillRect/>
+          </a:stretch>
+        </p:blipFill>
+        <p:spPr>
+          <a:xfrm>
+            <a:off x="4032626" y="6098726"/>
+            <a:ext cx="1025747" cy="540000"/>
+          </a:xfrm>
+          <a:prstGeom prst="rect">
+            <a:avLst/>
+          </a:prstGeom>
+        </p:spPr>
+      </p:pic>
+      <p:pic>
+        <p:nvPicPr>
+          <p:cNvPr id="25" name="Picture 24" descr="A picture containing text, monitor, black, screen&#10;&#10;Description automatically generated">
+            <a:extLst>
+              <a:ext uri="{FF2B5EF4-FFF2-40B4-BE49-F238E27FC236}">
+                <a16:creationId xmlns:a16="http://schemas.microsoft.com/office/drawing/2014/main" id="{00D9D7CD-BEA6-EE64-870F-24CE9A78FE63}"/>
+              </a:ext>
+            </a:extLst>
+          </p:cNvPr>
+          <p:cNvPicPr>
+            <a:picLocks noChangeAspect="1"/>
+          </p:cNvPicPr>
+          <p:nvPr/>
+        </p:nvPicPr>
+        <p:blipFill>
+          <a:blip r:embed="rId6"/>
+          <a:stretch>
+            <a:fillRect/>
+          </a:stretch>
+        </p:blipFill>
+        <p:spPr>
+          <a:xfrm>
+            <a:off x="5258907" y="6088313"/>
+            <a:ext cx="1189312" cy="540000"/>
+          </a:xfrm>
+          <a:prstGeom prst="rect">
+            <a:avLst/>
+          </a:prstGeom>
+        </p:spPr>
+      </p:pic>
+      <p:pic>
+        <p:nvPicPr>
+          <p:cNvPr id="38" name="Picture 37" descr="Graphical user interface, text, application, chat or text message&#10;&#10;Description automatically generated">
+            <a:extLst>
+              <a:ext uri="{FF2B5EF4-FFF2-40B4-BE49-F238E27FC236}">
+                <a16:creationId xmlns:a16="http://schemas.microsoft.com/office/drawing/2014/main" id="{48C69C16-0065-4E97-A6E4-F7E736D4DBB6}"/>
+              </a:ext>
+            </a:extLst>
+          </p:cNvPr>
+          <p:cNvPicPr>
+            <a:picLocks noChangeAspect="1"/>
+          </p:cNvPicPr>
+          <p:nvPr/>
+        </p:nvPicPr>
+        <p:blipFill>
+          <a:blip r:embed="rId7"/>
+          <a:stretch>
+            <a:fillRect/>
+          </a:stretch>
+        </p:blipFill>
+        <p:spPr>
+          <a:xfrm>
+            <a:off x="6648753" y="6088313"/>
+            <a:ext cx="1037813" cy="540000"/>
+          </a:xfrm>
+          <a:prstGeom prst="rect">
+            <a:avLst/>
+          </a:prstGeom>
+        </p:spPr>
+      </p:pic>
+      <p:pic>
+        <p:nvPicPr>
+          <p:cNvPr id="40" name="Picture 39" descr="Text&#10;&#10;Description automatically generated">
+            <a:extLst>
+              <a:ext uri="{FF2B5EF4-FFF2-40B4-BE49-F238E27FC236}">
+                <a16:creationId xmlns:a16="http://schemas.microsoft.com/office/drawing/2014/main" id="{8310590B-0FC0-AE04-E083-EE76799C1D3E}"/>
+              </a:ext>
+            </a:extLst>
+          </p:cNvPr>
+          <p:cNvPicPr>
+            <a:picLocks noChangeAspect="1"/>
+          </p:cNvPicPr>
+          <p:nvPr/>
+        </p:nvPicPr>
+        <p:blipFill>
+          <a:blip r:embed="rId8"/>
+          <a:stretch>
+            <a:fillRect/>
+          </a:stretch>
+        </p:blipFill>
+        <p:spPr>
+          <a:xfrm>
+            <a:off x="3362298" y="1243932"/>
+            <a:ext cx="5581666" cy="4678746"/>
+          </a:xfrm>
+          <a:prstGeom prst="rect">
+            <a:avLst/>
+          </a:prstGeom>
+        </p:spPr>
+      </p:pic>
+      <p:pic>
+        <p:nvPicPr>
+          <p:cNvPr id="42" name="Picture 41" descr="Text&#10;&#10;Description automatically generated">
+            <a:extLst>
+              <a:ext uri="{FF2B5EF4-FFF2-40B4-BE49-F238E27FC236}">
+                <a16:creationId xmlns:a16="http://schemas.microsoft.com/office/drawing/2014/main" id="{A007B266-C578-6BDF-3148-7543D9B41931}"/>
+              </a:ext>
+            </a:extLst>
+          </p:cNvPr>
+          <p:cNvPicPr>
+            <a:picLocks noChangeAspect="1"/>
+          </p:cNvPicPr>
+          <p:nvPr/>
+        </p:nvPicPr>
+        <p:blipFill>
+          <a:blip r:embed="rId9"/>
+          <a:stretch>
+            <a:fillRect/>
+          </a:stretch>
+        </p:blipFill>
+        <p:spPr>
+          <a:xfrm>
+            <a:off x="8731845" y="6088313"/>
+            <a:ext cx="938530" cy="540000"/>
+          </a:xfrm>
+          <a:prstGeom prst="rect">
+            <a:avLst/>
+          </a:prstGeom>
+        </p:spPr>
+      </p:pic>
+      <p:pic>
+        <p:nvPicPr>
+          <p:cNvPr id="44" name="Picture 43" descr="Text&#10;&#10;Description automatically generated">
+            <a:extLst>
+              <a:ext uri="{FF2B5EF4-FFF2-40B4-BE49-F238E27FC236}">
+                <a16:creationId xmlns:a16="http://schemas.microsoft.com/office/drawing/2014/main" id="{7D0B74B1-764E-81BB-7424-9ECE26A72FC0}"/>
+              </a:ext>
+            </a:extLst>
+          </p:cNvPr>
+          <p:cNvPicPr>
+            <a:picLocks noChangeAspect="1"/>
+          </p:cNvPicPr>
+          <p:nvPr/>
+        </p:nvPicPr>
+        <p:blipFill>
+          <a:blip r:embed="rId10"/>
+          <a:stretch>
+            <a:fillRect/>
+          </a:stretch>
+        </p:blipFill>
+        <p:spPr>
+          <a:xfrm>
+            <a:off x="9870909" y="6088313"/>
+            <a:ext cx="1049143" cy="540000"/>
+          </a:xfrm>
+          <a:prstGeom prst="rect">
+            <a:avLst/>
+          </a:prstGeom>
+        </p:spPr>
+      </p:pic>
+      <p:pic>
+        <p:nvPicPr>
+          <p:cNvPr id="46" name="Picture 45" descr="A picture containing text, monitor, black, screenshot&#10;&#10;Description automatically generated">
+            <a:extLst>
+              <a:ext uri="{FF2B5EF4-FFF2-40B4-BE49-F238E27FC236}">
+                <a16:creationId xmlns:a16="http://schemas.microsoft.com/office/drawing/2014/main" id="{529B9667-0845-6708-67CA-DFF19A2881DA}"/>
+              </a:ext>
+            </a:extLst>
+          </p:cNvPr>
+          <p:cNvPicPr>
+            <a:picLocks noChangeAspect="1"/>
+          </p:cNvPicPr>
+          <p:nvPr/>
+        </p:nvPicPr>
+        <p:blipFill>
+          <a:blip r:embed="rId11"/>
+          <a:stretch>
+            <a:fillRect/>
+          </a:stretch>
+        </p:blipFill>
+        <p:spPr>
+          <a:xfrm>
+            <a:off x="11120583" y="6088313"/>
+            <a:ext cx="871691" cy="540000"/>
+          </a:xfrm>
+          <a:prstGeom prst="rect">
+            <a:avLst/>
+          </a:prstGeom>
+        </p:spPr>
+      </p:pic>
+    </p:spTree>
+    <p:extLst>
+      <p:ext uri="{BB962C8B-B14F-4D97-AF65-F5344CB8AC3E}">
+        <p14:creationId xmlns:p14="http://schemas.microsoft.com/office/powerpoint/2010/main" val="958897879"/>
+      </p:ext>
+    </p:extLst>
+  </p:cSld>
+  <p:clrMapOvr>
+    <a:masterClrMapping/>
+  </p:clrMapOvr>
+  <mc:AlternateContent xmlns:mc="http://schemas.openxmlformats.org/markup-compatibility/2006">
+    <mc:Choice xmlns:p159="http://schemas.microsoft.com/office/powerpoint/2015/09/main" Requires="p159">
+      <p:transition xmlns:p14="http://schemas.microsoft.com/office/powerpoint/2010/main" spd="slow" p14:dur="2000">
+        <p159:morph option="byObject"/>
+      </p:transition>
+    </mc:Choice>
+    <mc:Fallback>
+      <p:transition spd="slow">
+        <p:fade/>
+      </p:transition>
+    </mc:Fallback>
+  </mc:AlternateContent>
+</p:sld>
+</file>
+
+<file path=ppt/slides/slide12.xml><?xml version="1.0" encoding="utf-8"?>
+<p:sld xmlns:a="http://schemas.openxmlformats.org/drawingml/2006/main" xmlns:r="http://schemas.openxmlformats.org/officeDocument/2006/relationships" xmlns:p="http://schemas.openxmlformats.org/presentationml/2006/main">
+  <p:cSld>
+    <p:spTree>
+      <p:nvGrpSpPr>
+        <p:cNvPr id="1" name=""/>
+        <p:cNvGrpSpPr/>
+        <p:nvPr/>
+      </p:nvGrpSpPr>
+      <p:grpSpPr>
+        <a:xfrm>
+          <a:off x="0" y="0"/>
+          <a:ext cx="0" cy="0"/>
+          <a:chOff x="0" y="0"/>
+          <a:chExt cx="0" cy="0"/>
+        </a:xfrm>
+      </p:grpSpPr>
+      <p:sp>
+        <p:nvSpPr>
+          <p:cNvPr id="2" name="Title 1">
+            <a:extLst>
+              <a:ext uri="{FF2B5EF4-FFF2-40B4-BE49-F238E27FC236}">
+                <a16:creationId xmlns:a16="http://schemas.microsoft.com/office/drawing/2014/main" id="{B39AE56C-9377-265B-12C0-7473FC42E57E}"/>
+              </a:ext>
+            </a:extLst>
+          </p:cNvPr>
+          <p:cNvSpPr>
+            <a:spLocks noGrp="1"/>
+          </p:cNvSpPr>
+          <p:nvPr>
+            <p:ph type="title"/>
+          </p:nvPr>
+        </p:nvSpPr>
+        <p:spPr>
+          <a:xfrm>
+            <a:off x="838200" y="365125"/>
+            <a:ext cx="10515600" cy="1018507"/>
+          </a:xfrm>
+        </p:spPr>
+        <p:txBody>
+          <a:bodyPr/>
+          <a:lstStyle/>
+          <a:p>
+            <a:pPr algn="ctr"/>
+            <a:r>
+              <a:rPr lang="en-US" dirty="0"/>
+              <a:t>Datasets</a:t>
+            </a:r>
+          </a:p>
+        </p:txBody>
+      </p:sp>
+      <p:pic>
+        <p:nvPicPr>
+          <p:cNvPr id="16" name="Picture 15" descr="Text&#10;&#10;Description automatically generated">
+            <a:extLst>
+              <a:ext uri="{FF2B5EF4-FFF2-40B4-BE49-F238E27FC236}">
+                <a16:creationId xmlns:a16="http://schemas.microsoft.com/office/drawing/2014/main" id="{66EB742A-3DAB-5EAE-A049-E4613719E0E5}"/>
+              </a:ext>
+            </a:extLst>
+          </p:cNvPr>
+          <p:cNvPicPr>
+            <a:picLocks noChangeAspect="1"/>
+          </p:cNvPicPr>
+          <p:nvPr/>
+        </p:nvPicPr>
+        <p:blipFill>
+          <a:blip r:embed="rId2"/>
+          <a:stretch>
+            <a:fillRect/>
+          </a:stretch>
+        </p:blipFill>
+        <p:spPr>
+          <a:xfrm>
+            <a:off x="199725" y="6098726"/>
+            <a:ext cx="1138605" cy="540000"/>
+          </a:xfrm>
+          <a:prstGeom prst="rect">
+            <a:avLst/>
+          </a:prstGeom>
+        </p:spPr>
+      </p:pic>
+      <p:pic>
+        <p:nvPicPr>
+          <p:cNvPr id="19" name="Picture 18" descr="Text&#10;&#10;Description automatically generated">
+            <a:extLst>
+              <a:ext uri="{FF2B5EF4-FFF2-40B4-BE49-F238E27FC236}">
+                <a16:creationId xmlns:a16="http://schemas.microsoft.com/office/drawing/2014/main" id="{1CF06863-3422-0192-8A6D-52ABD539C933}"/>
+              </a:ext>
+            </a:extLst>
+          </p:cNvPr>
+          <p:cNvPicPr>
+            <a:picLocks noChangeAspect="1"/>
+          </p:cNvPicPr>
+          <p:nvPr/>
+        </p:nvPicPr>
+        <p:blipFill>
+          <a:blip r:embed="rId3"/>
+          <a:stretch>
+            <a:fillRect/>
+          </a:stretch>
+        </p:blipFill>
+        <p:spPr>
+          <a:xfrm>
+            <a:off x="1538864" y="6088313"/>
+            <a:ext cx="1317601" cy="540000"/>
+          </a:xfrm>
+          <a:prstGeom prst="rect">
+            <a:avLst/>
+          </a:prstGeom>
+        </p:spPr>
+      </p:pic>
+      <p:pic>
+        <p:nvPicPr>
+          <p:cNvPr id="21" name="Picture 20" descr="Text&#10;&#10;Description automatically generated">
+            <a:extLst>
+              <a:ext uri="{FF2B5EF4-FFF2-40B4-BE49-F238E27FC236}">
+                <a16:creationId xmlns:a16="http://schemas.microsoft.com/office/drawing/2014/main" id="{53FAB219-DC27-EF56-EA64-978D5C92334D}"/>
+              </a:ext>
+            </a:extLst>
+          </p:cNvPr>
+          <p:cNvPicPr>
+            <a:picLocks noChangeAspect="1"/>
+          </p:cNvPicPr>
+          <p:nvPr/>
+        </p:nvPicPr>
+        <p:blipFill>
+          <a:blip r:embed="rId4"/>
+          <a:stretch>
+            <a:fillRect/>
+          </a:stretch>
+        </p:blipFill>
+        <p:spPr>
+          <a:xfrm>
+            <a:off x="3056999" y="6098726"/>
+            <a:ext cx="775093" cy="540000"/>
+          </a:xfrm>
+          <a:prstGeom prst="rect">
+            <a:avLst/>
+          </a:prstGeom>
+        </p:spPr>
+      </p:pic>
+      <p:pic>
+        <p:nvPicPr>
+          <p:cNvPr id="23" name="Picture 22" descr="A picture containing text, screenshot, monitor&#10;&#10;Description automatically generated">
+            <a:extLst>
+              <a:ext uri="{FF2B5EF4-FFF2-40B4-BE49-F238E27FC236}">
+                <a16:creationId xmlns:a16="http://schemas.microsoft.com/office/drawing/2014/main" id="{77117484-BB41-EA91-72E0-904BEB3B61D2}"/>
+              </a:ext>
+            </a:extLst>
+          </p:cNvPr>
+          <p:cNvPicPr>
+            <a:picLocks noChangeAspect="1"/>
+          </p:cNvPicPr>
+          <p:nvPr/>
+        </p:nvPicPr>
+        <p:blipFill>
+          <a:blip r:embed="rId5"/>
+          <a:stretch>
+            <a:fillRect/>
+          </a:stretch>
+        </p:blipFill>
+        <p:spPr>
+          <a:xfrm>
+            <a:off x="4032626" y="6098726"/>
+            <a:ext cx="1025747" cy="540000"/>
+          </a:xfrm>
+          <a:prstGeom prst="rect">
+            <a:avLst/>
+          </a:prstGeom>
+        </p:spPr>
+      </p:pic>
+      <p:pic>
+        <p:nvPicPr>
+          <p:cNvPr id="25" name="Picture 24" descr="A picture containing text, monitor, black, screen&#10;&#10;Description automatically generated">
+            <a:extLst>
+              <a:ext uri="{FF2B5EF4-FFF2-40B4-BE49-F238E27FC236}">
+                <a16:creationId xmlns:a16="http://schemas.microsoft.com/office/drawing/2014/main" id="{00D9D7CD-BEA6-EE64-870F-24CE9A78FE63}"/>
+              </a:ext>
+            </a:extLst>
+          </p:cNvPr>
+          <p:cNvPicPr>
+            <a:picLocks noChangeAspect="1"/>
+          </p:cNvPicPr>
+          <p:nvPr/>
+        </p:nvPicPr>
+        <p:blipFill>
+          <a:blip r:embed="rId6"/>
+          <a:stretch>
+            <a:fillRect/>
+          </a:stretch>
+        </p:blipFill>
+        <p:spPr>
+          <a:xfrm>
+            <a:off x="5258907" y="6088313"/>
+            <a:ext cx="1189312" cy="540000"/>
+          </a:xfrm>
+          <a:prstGeom prst="rect">
+            <a:avLst/>
+          </a:prstGeom>
+        </p:spPr>
+      </p:pic>
+      <p:pic>
+        <p:nvPicPr>
+          <p:cNvPr id="38" name="Picture 37" descr="Graphical user interface, text, application, chat or text message&#10;&#10;Description automatically generated">
+            <a:extLst>
+              <a:ext uri="{FF2B5EF4-FFF2-40B4-BE49-F238E27FC236}">
+                <a16:creationId xmlns:a16="http://schemas.microsoft.com/office/drawing/2014/main" id="{48C69C16-0065-4E97-A6E4-F7E736D4DBB6}"/>
+              </a:ext>
+            </a:extLst>
+          </p:cNvPr>
+          <p:cNvPicPr>
+            <a:picLocks noChangeAspect="1"/>
+          </p:cNvPicPr>
+          <p:nvPr/>
+        </p:nvPicPr>
+        <p:blipFill>
+          <a:blip r:embed="rId7"/>
+          <a:stretch>
+            <a:fillRect/>
+          </a:stretch>
+        </p:blipFill>
+        <p:spPr>
+          <a:xfrm>
+            <a:off x="6648753" y="6088313"/>
+            <a:ext cx="1037813" cy="540000"/>
+          </a:xfrm>
+          <a:prstGeom prst="rect">
+            <a:avLst/>
+          </a:prstGeom>
+        </p:spPr>
+      </p:pic>
+      <p:pic>
+        <p:nvPicPr>
+          <p:cNvPr id="40" name="Picture 39" descr="Text&#10;&#10;Description automatically generated">
+            <a:extLst>
+              <a:ext uri="{FF2B5EF4-FFF2-40B4-BE49-F238E27FC236}">
+                <a16:creationId xmlns:a16="http://schemas.microsoft.com/office/drawing/2014/main" id="{8310590B-0FC0-AE04-E083-EE76799C1D3E}"/>
+              </a:ext>
+            </a:extLst>
+          </p:cNvPr>
+          <p:cNvPicPr>
+            <a:picLocks noChangeAspect="1"/>
+          </p:cNvPicPr>
+          <p:nvPr/>
+        </p:nvPicPr>
+        <p:blipFill>
+          <a:blip r:embed="rId8"/>
+          <a:stretch>
+            <a:fillRect/>
+          </a:stretch>
+        </p:blipFill>
+        <p:spPr>
+          <a:xfrm>
+            <a:off x="7887100" y="6098726"/>
+            <a:ext cx="644211" cy="540000"/>
+          </a:xfrm>
+          <a:prstGeom prst="rect">
+            <a:avLst/>
+          </a:prstGeom>
+        </p:spPr>
+      </p:pic>
+      <p:pic>
+        <p:nvPicPr>
+          <p:cNvPr id="42" name="Picture 41" descr="Text&#10;&#10;Description automatically generated">
+            <a:extLst>
+              <a:ext uri="{FF2B5EF4-FFF2-40B4-BE49-F238E27FC236}">
+                <a16:creationId xmlns:a16="http://schemas.microsoft.com/office/drawing/2014/main" id="{A007B266-C578-6BDF-3148-7543D9B41931}"/>
+              </a:ext>
+            </a:extLst>
+          </p:cNvPr>
+          <p:cNvPicPr>
+            <a:picLocks noChangeAspect="1"/>
+          </p:cNvPicPr>
+          <p:nvPr/>
+        </p:nvPicPr>
+        <p:blipFill>
+          <a:blip r:embed="rId9"/>
+          <a:stretch>
+            <a:fillRect/>
+          </a:stretch>
+        </p:blipFill>
+        <p:spPr>
+          <a:xfrm>
+            <a:off x="2092907" y="1243931"/>
+            <a:ext cx="8006185" cy="4606501"/>
+          </a:xfrm>
+          <a:prstGeom prst="rect">
+            <a:avLst/>
+          </a:prstGeom>
+        </p:spPr>
+      </p:pic>
+      <p:pic>
+        <p:nvPicPr>
+          <p:cNvPr id="44" name="Picture 43" descr="Text&#10;&#10;Description automatically generated">
+            <a:extLst>
+              <a:ext uri="{FF2B5EF4-FFF2-40B4-BE49-F238E27FC236}">
+                <a16:creationId xmlns:a16="http://schemas.microsoft.com/office/drawing/2014/main" id="{7D0B74B1-764E-81BB-7424-9ECE26A72FC0}"/>
+              </a:ext>
+            </a:extLst>
+          </p:cNvPr>
+          <p:cNvPicPr>
+            <a:picLocks noChangeAspect="1"/>
+          </p:cNvPicPr>
+          <p:nvPr/>
+        </p:nvPicPr>
+        <p:blipFill>
+          <a:blip r:embed="rId10"/>
+          <a:stretch>
+            <a:fillRect/>
+          </a:stretch>
+        </p:blipFill>
+        <p:spPr>
+          <a:xfrm>
+            <a:off x="9870909" y="6088313"/>
+            <a:ext cx="1049143" cy="540000"/>
+          </a:xfrm>
+          <a:prstGeom prst="rect">
+            <a:avLst/>
+          </a:prstGeom>
+        </p:spPr>
+      </p:pic>
+      <p:pic>
+        <p:nvPicPr>
+          <p:cNvPr id="46" name="Picture 45" descr="A picture containing text, monitor, black, screenshot&#10;&#10;Description automatically generated">
+            <a:extLst>
+              <a:ext uri="{FF2B5EF4-FFF2-40B4-BE49-F238E27FC236}">
+                <a16:creationId xmlns:a16="http://schemas.microsoft.com/office/drawing/2014/main" id="{529B9667-0845-6708-67CA-DFF19A2881DA}"/>
+              </a:ext>
+            </a:extLst>
+          </p:cNvPr>
+          <p:cNvPicPr>
+            <a:picLocks noChangeAspect="1"/>
+          </p:cNvPicPr>
+          <p:nvPr/>
+        </p:nvPicPr>
+        <p:blipFill>
+          <a:blip r:embed="rId11"/>
+          <a:stretch>
+            <a:fillRect/>
+          </a:stretch>
+        </p:blipFill>
+        <p:spPr>
+          <a:xfrm>
+            <a:off x="11120583" y="6088313"/>
+            <a:ext cx="871691" cy="540000"/>
+          </a:xfrm>
+          <a:prstGeom prst="rect">
+            <a:avLst/>
+          </a:prstGeom>
+        </p:spPr>
+      </p:pic>
+    </p:spTree>
+    <p:extLst>
+      <p:ext uri="{BB962C8B-B14F-4D97-AF65-F5344CB8AC3E}">
+        <p14:creationId xmlns:p14="http://schemas.microsoft.com/office/powerpoint/2010/main" val="3054546401"/>
+      </p:ext>
+    </p:extLst>
+  </p:cSld>
+  <p:clrMapOvr>
+    <a:masterClrMapping/>
+  </p:clrMapOvr>
+  <mc:AlternateContent xmlns:mc="http://schemas.openxmlformats.org/markup-compatibility/2006">
+    <mc:Choice xmlns:p159="http://schemas.microsoft.com/office/powerpoint/2015/09/main" Requires="p159">
+      <p:transition xmlns:p14="http://schemas.microsoft.com/office/powerpoint/2010/main" spd="slow" p14:dur="2000">
+        <p159:morph option="byObject"/>
+      </p:transition>
+    </mc:Choice>
+    <mc:Fallback>
+      <p:transition spd="slow">
+        <p:fade/>
+      </p:transition>
+    </mc:Fallback>
+  </mc:AlternateContent>
+</p:sld>
+</file>
+
+<file path=ppt/slides/slide13.xml><?xml version="1.0" encoding="utf-8"?>
+<p:sld xmlns:a="http://schemas.openxmlformats.org/drawingml/2006/main" xmlns:r="http://schemas.openxmlformats.org/officeDocument/2006/relationships" xmlns:p="http://schemas.openxmlformats.org/presentationml/2006/main">
+  <p:cSld>
+    <p:spTree>
+      <p:nvGrpSpPr>
+        <p:cNvPr id="1" name=""/>
+        <p:cNvGrpSpPr/>
+        <p:nvPr/>
+      </p:nvGrpSpPr>
+      <p:grpSpPr>
+        <a:xfrm>
+          <a:off x="0" y="0"/>
+          <a:ext cx="0" cy="0"/>
+          <a:chOff x="0" y="0"/>
+          <a:chExt cx="0" cy="0"/>
+        </a:xfrm>
+      </p:grpSpPr>
+      <p:sp>
+        <p:nvSpPr>
+          <p:cNvPr id="2" name="Title 1">
+            <a:extLst>
+              <a:ext uri="{FF2B5EF4-FFF2-40B4-BE49-F238E27FC236}">
+                <a16:creationId xmlns:a16="http://schemas.microsoft.com/office/drawing/2014/main" id="{B39AE56C-9377-265B-12C0-7473FC42E57E}"/>
+              </a:ext>
+            </a:extLst>
+          </p:cNvPr>
+          <p:cNvSpPr>
+            <a:spLocks noGrp="1"/>
+          </p:cNvSpPr>
+          <p:nvPr>
+            <p:ph type="title"/>
+          </p:nvPr>
+        </p:nvSpPr>
+        <p:spPr>
+          <a:xfrm>
+            <a:off x="838200" y="365125"/>
+            <a:ext cx="10515600" cy="1018507"/>
+          </a:xfrm>
+        </p:spPr>
+        <p:txBody>
+          <a:bodyPr/>
+          <a:lstStyle/>
+          <a:p>
+            <a:pPr algn="ctr"/>
+            <a:r>
+              <a:rPr lang="en-US" dirty="0"/>
+              <a:t>Datasets</a:t>
+            </a:r>
+          </a:p>
+        </p:txBody>
+      </p:sp>
+      <p:pic>
+        <p:nvPicPr>
+          <p:cNvPr id="16" name="Picture 15" descr="Text&#10;&#10;Description automatically generated">
+            <a:extLst>
+              <a:ext uri="{FF2B5EF4-FFF2-40B4-BE49-F238E27FC236}">
+                <a16:creationId xmlns:a16="http://schemas.microsoft.com/office/drawing/2014/main" id="{66EB742A-3DAB-5EAE-A049-E4613719E0E5}"/>
+              </a:ext>
+            </a:extLst>
+          </p:cNvPr>
+          <p:cNvPicPr>
+            <a:picLocks noChangeAspect="1"/>
+          </p:cNvPicPr>
+          <p:nvPr/>
+        </p:nvPicPr>
+        <p:blipFill>
+          <a:blip r:embed="rId2"/>
+          <a:stretch>
+            <a:fillRect/>
+          </a:stretch>
+        </p:blipFill>
+        <p:spPr>
+          <a:xfrm>
+            <a:off x="199725" y="6098726"/>
+            <a:ext cx="1138605" cy="540000"/>
+          </a:xfrm>
+          <a:prstGeom prst="rect">
+            <a:avLst/>
+          </a:prstGeom>
+        </p:spPr>
+      </p:pic>
+      <p:pic>
+        <p:nvPicPr>
+          <p:cNvPr id="19" name="Picture 18" descr="Text&#10;&#10;Description automatically generated">
+            <a:extLst>
+              <a:ext uri="{FF2B5EF4-FFF2-40B4-BE49-F238E27FC236}">
+                <a16:creationId xmlns:a16="http://schemas.microsoft.com/office/drawing/2014/main" id="{1CF06863-3422-0192-8A6D-52ABD539C933}"/>
+              </a:ext>
+            </a:extLst>
+          </p:cNvPr>
+          <p:cNvPicPr>
+            <a:picLocks noChangeAspect="1"/>
+          </p:cNvPicPr>
+          <p:nvPr/>
+        </p:nvPicPr>
+        <p:blipFill>
+          <a:blip r:embed="rId3"/>
+          <a:stretch>
+            <a:fillRect/>
+          </a:stretch>
+        </p:blipFill>
+        <p:spPr>
+          <a:xfrm>
+            <a:off x="1538864" y="6088313"/>
+            <a:ext cx="1317601" cy="540000"/>
+          </a:xfrm>
+          <a:prstGeom prst="rect">
+            <a:avLst/>
+          </a:prstGeom>
+        </p:spPr>
+      </p:pic>
+      <p:pic>
+        <p:nvPicPr>
+          <p:cNvPr id="21" name="Picture 20" descr="Text&#10;&#10;Description automatically generated">
+            <a:extLst>
+              <a:ext uri="{FF2B5EF4-FFF2-40B4-BE49-F238E27FC236}">
+                <a16:creationId xmlns:a16="http://schemas.microsoft.com/office/drawing/2014/main" id="{53FAB219-DC27-EF56-EA64-978D5C92334D}"/>
+              </a:ext>
+            </a:extLst>
+          </p:cNvPr>
+          <p:cNvPicPr>
+            <a:picLocks noChangeAspect="1"/>
+          </p:cNvPicPr>
+          <p:nvPr/>
+        </p:nvPicPr>
+        <p:blipFill>
+          <a:blip r:embed="rId4"/>
+          <a:stretch>
+            <a:fillRect/>
+          </a:stretch>
+        </p:blipFill>
+        <p:spPr>
+          <a:xfrm>
+            <a:off x="3056999" y="6098726"/>
+            <a:ext cx="775093" cy="540000"/>
+          </a:xfrm>
+          <a:prstGeom prst="rect">
+            <a:avLst/>
+          </a:prstGeom>
+        </p:spPr>
+      </p:pic>
+      <p:pic>
+        <p:nvPicPr>
+          <p:cNvPr id="23" name="Picture 22" descr="A picture containing text, screenshot, monitor&#10;&#10;Description automatically generated">
+            <a:extLst>
+              <a:ext uri="{FF2B5EF4-FFF2-40B4-BE49-F238E27FC236}">
+                <a16:creationId xmlns:a16="http://schemas.microsoft.com/office/drawing/2014/main" id="{77117484-BB41-EA91-72E0-904BEB3B61D2}"/>
+              </a:ext>
+            </a:extLst>
+          </p:cNvPr>
+          <p:cNvPicPr>
+            <a:picLocks noChangeAspect="1"/>
+          </p:cNvPicPr>
+          <p:nvPr/>
+        </p:nvPicPr>
+        <p:blipFill>
+          <a:blip r:embed="rId5"/>
+          <a:stretch>
+            <a:fillRect/>
+          </a:stretch>
+        </p:blipFill>
+        <p:spPr>
+          <a:xfrm>
+            <a:off x="4032626" y="6098726"/>
+            <a:ext cx="1025747" cy="540000"/>
+          </a:xfrm>
+          <a:prstGeom prst="rect">
+            <a:avLst/>
+          </a:prstGeom>
+        </p:spPr>
+      </p:pic>
+      <p:pic>
+        <p:nvPicPr>
+          <p:cNvPr id="25" name="Picture 24" descr="A picture containing text, monitor, black, screen&#10;&#10;Description automatically generated">
+            <a:extLst>
+              <a:ext uri="{FF2B5EF4-FFF2-40B4-BE49-F238E27FC236}">
+                <a16:creationId xmlns:a16="http://schemas.microsoft.com/office/drawing/2014/main" id="{00D9D7CD-BEA6-EE64-870F-24CE9A78FE63}"/>
+              </a:ext>
+            </a:extLst>
+          </p:cNvPr>
+          <p:cNvPicPr>
+            <a:picLocks noChangeAspect="1"/>
+          </p:cNvPicPr>
+          <p:nvPr/>
+        </p:nvPicPr>
+        <p:blipFill>
+          <a:blip r:embed="rId6"/>
+          <a:stretch>
+            <a:fillRect/>
+          </a:stretch>
+        </p:blipFill>
+        <p:spPr>
+          <a:xfrm>
+            <a:off x="5258907" y="6088313"/>
+            <a:ext cx="1189312" cy="540000"/>
+          </a:xfrm>
+          <a:prstGeom prst="rect">
+            <a:avLst/>
+          </a:prstGeom>
+        </p:spPr>
+      </p:pic>
+      <p:pic>
+        <p:nvPicPr>
+          <p:cNvPr id="38" name="Picture 37" descr="Graphical user interface, text, application, chat or text message&#10;&#10;Description automatically generated">
+            <a:extLst>
+              <a:ext uri="{FF2B5EF4-FFF2-40B4-BE49-F238E27FC236}">
+                <a16:creationId xmlns:a16="http://schemas.microsoft.com/office/drawing/2014/main" id="{48C69C16-0065-4E97-A6E4-F7E736D4DBB6}"/>
+              </a:ext>
+            </a:extLst>
+          </p:cNvPr>
+          <p:cNvPicPr>
+            <a:picLocks noChangeAspect="1"/>
+          </p:cNvPicPr>
+          <p:nvPr/>
+        </p:nvPicPr>
+        <p:blipFill>
+          <a:blip r:embed="rId7"/>
+          <a:stretch>
+            <a:fillRect/>
+          </a:stretch>
+        </p:blipFill>
+        <p:spPr>
+          <a:xfrm>
+            <a:off x="6648753" y="6088313"/>
+            <a:ext cx="1037813" cy="540000"/>
+          </a:xfrm>
+          <a:prstGeom prst="rect">
+            <a:avLst/>
+          </a:prstGeom>
+        </p:spPr>
+      </p:pic>
+      <p:pic>
+        <p:nvPicPr>
+          <p:cNvPr id="40" name="Picture 39" descr="Text&#10;&#10;Description automatically generated">
+            <a:extLst>
+              <a:ext uri="{FF2B5EF4-FFF2-40B4-BE49-F238E27FC236}">
+                <a16:creationId xmlns:a16="http://schemas.microsoft.com/office/drawing/2014/main" id="{8310590B-0FC0-AE04-E083-EE76799C1D3E}"/>
+              </a:ext>
+            </a:extLst>
+          </p:cNvPr>
+          <p:cNvPicPr>
+            <a:picLocks noChangeAspect="1"/>
+          </p:cNvPicPr>
+          <p:nvPr/>
+        </p:nvPicPr>
+        <p:blipFill>
+          <a:blip r:embed="rId8"/>
+          <a:stretch>
+            <a:fillRect/>
+          </a:stretch>
+        </p:blipFill>
+        <p:spPr>
+          <a:xfrm>
+            <a:off x="7887100" y="6098726"/>
+            <a:ext cx="644211" cy="540000"/>
+          </a:xfrm>
+          <a:prstGeom prst="rect">
+            <a:avLst/>
+          </a:prstGeom>
+        </p:spPr>
+      </p:pic>
+      <p:pic>
+        <p:nvPicPr>
+          <p:cNvPr id="42" name="Picture 41" descr="Text&#10;&#10;Description automatically generated">
+            <a:extLst>
+              <a:ext uri="{FF2B5EF4-FFF2-40B4-BE49-F238E27FC236}">
+                <a16:creationId xmlns:a16="http://schemas.microsoft.com/office/drawing/2014/main" id="{A007B266-C578-6BDF-3148-7543D9B41931}"/>
+              </a:ext>
+            </a:extLst>
+          </p:cNvPr>
+          <p:cNvPicPr>
+            <a:picLocks noChangeAspect="1"/>
+          </p:cNvPicPr>
+          <p:nvPr/>
+        </p:nvPicPr>
+        <p:blipFill>
+          <a:blip r:embed="rId9"/>
+          <a:stretch>
+            <a:fillRect/>
+          </a:stretch>
+        </p:blipFill>
+        <p:spPr>
+          <a:xfrm>
+            <a:off x="8731845" y="6088313"/>
+            <a:ext cx="938530" cy="540000"/>
+          </a:xfrm>
+          <a:prstGeom prst="rect">
+            <a:avLst/>
+          </a:prstGeom>
+        </p:spPr>
+      </p:pic>
+      <p:pic>
+        <p:nvPicPr>
+          <p:cNvPr id="44" name="Picture 43" descr="Text&#10;&#10;Description automatically generated">
+            <a:extLst>
+              <a:ext uri="{FF2B5EF4-FFF2-40B4-BE49-F238E27FC236}">
+                <a16:creationId xmlns:a16="http://schemas.microsoft.com/office/drawing/2014/main" id="{7D0B74B1-764E-81BB-7424-9ECE26A72FC0}"/>
+              </a:ext>
+            </a:extLst>
+          </p:cNvPr>
+          <p:cNvPicPr>
+            <a:picLocks noChangeAspect="1"/>
+          </p:cNvPicPr>
+          <p:nvPr/>
+        </p:nvPicPr>
+        <p:blipFill>
+          <a:blip r:embed="rId10"/>
+          <a:stretch>
+            <a:fillRect/>
+          </a:stretch>
+        </p:blipFill>
+        <p:spPr>
+          <a:xfrm>
+            <a:off x="1659497" y="1275012"/>
+            <a:ext cx="8873005" cy="4566987"/>
+          </a:xfrm>
+          <a:prstGeom prst="rect">
+            <a:avLst/>
+          </a:prstGeom>
+        </p:spPr>
+      </p:pic>
+      <p:pic>
+        <p:nvPicPr>
+          <p:cNvPr id="46" name="Picture 45" descr="A picture containing text, monitor, black, screenshot&#10;&#10;Description automatically generated">
+            <a:extLst>
+              <a:ext uri="{FF2B5EF4-FFF2-40B4-BE49-F238E27FC236}">
+                <a16:creationId xmlns:a16="http://schemas.microsoft.com/office/drawing/2014/main" id="{529B9667-0845-6708-67CA-DFF19A2881DA}"/>
+              </a:ext>
+            </a:extLst>
+          </p:cNvPr>
+          <p:cNvPicPr>
+            <a:picLocks noChangeAspect="1"/>
+          </p:cNvPicPr>
+          <p:nvPr/>
+        </p:nvPicPr>
+        <p:blipFill>
+          <a:blip r:embed="rId11"/>
+          <a:stretch>
+            <a:fillRect/>
+          </a:stretch>
+        </p:blipFill>
+        <p:spPr>
+          <a:xfrm>
+            <a:off x="11120583" y="6088313"/>
+            <a:ext cx="871691" cy="540000"/>
+          </a:xfrm>
+          <a:prstGeom prst="rect">
+            <a:avLst/>
+          </a:prstGeom>
+        </p:spPr>
+      </p:pic>
+    </p:spTree>
+    <p:extLst>
+      <p:ext uri="{BB962C8B-B14F-4D97-AF65-F5344CB8AC3E}">
+        <p14:creationId xmlns:p14="http://schemas.microsoft.com/office/powerpoint/2010/main" val="2904403"/>
+      </p:ext>
+    </p:extLst>
+  </p:cSld>
+  <p:clrMapOvr>
+    <a:masterClrMapping/>
+  </p:clrMapOvr>
+  <mc:AlternateContent xmlns:mc="http://schemas.openxmlformats.org/markup-compatibility/2006">
+    <mc:Choice xmlns:p159="http://schemas.microsoft.com/office/powerpoint/2015/09/main" Requires="p159">
+      <p:transition xmlns:p14="http://schemas.microsoft.com/office/powerpoint/2010/main" spd="slow" p14:dur="2000">
+        <p159:morph option="byObject"/>
+      </p:transition>
+    </mc:Choice>
+    <mc:Fallback>
+      <p:transition spd="slow">
+        <p:fade/>
+      </p:transition>
+    </mc:Fallback>
+  </mc:AlternateContent>
+</p:sld>
+</file>
+
+<file path=ppt/slides/slide14.xml><?xml version="1.0" encoding="utf-8"?>
+<p:sld xmlns:a="http://schemas.openxmlformats.org/drawingml/2006/main" xmlns:r="http://schemas.openxmlformats.org/officeDocument/2006/relationships" xmlns:p="http://schemas.openxmlformats.org/presentationml/2006/main">
+  <p:cSld>
+    <p:spTree>
+      <p:nvGrpSpPr>
+        <p:cNvPr id="1" name=""/>
+        <p:cNvGrpSpPr/>
+        <p:nvPr/>
+      </p:nvGrpSpPr>
+      <p:grpSpPr>
+        <a:xfrm>
+          <a:off x="0" y="0"/>
+          <a:ext cx="0" cy="0"/>
+          <a:chOff x="0" y="0"/>
+          <a:chExt cx="0" cy="0"/>
+        </a:xfrm>
+      </p:grpSpPr>
+      <p:sp>
+        <p:nvSpPr>
+          <p:cNvPr id="2" name="Title 1">
+            <a:extLst>
+              <a:ext uri="{FF2B5EF4-FFF2-40B4-BE49-F238E27FC236}">
+                <a16:creationId xmlns:a16="http://schemas.microsoft.com/office/drawing/2014/main" id="{B39AE56C-9377-265B-12C0-7473FC42E57E}"/>
+              </a:ext>
+            </a:extLst>
+          </p:cNvPr>
+          <p:cNvSpPr>
+            <a:spLocks noGrp="1"/>
+          </p:cNvSpPr>
+          <p:nvPr>
+            <p:ph type="title"/>
+          </p:nvPr>
+        </p:nvSpPr>
+        <p:spPr>
+          <a:xfrm>
+            <a:off x="838200" y="365125"/>
+            <a:ext cx="10515600" cy="1018507"/>
+          </a:xfrm>
+        </p:spPr>
+        <p:txBody>
+          <a:bodyPr/>
+          <a:lstStyle/>
+          <a:p>
+            <a:pPr algn="ctr"/>
+            <a:r>
+              <a:rPr lang="en-US" dirty="0"/>
+              <a:t>Datasets</a:t>
+            </a:r>
+          </a:p>
+        </p:txBody>
+      </p:sp>
+      <p:pic>
+        <p:nvPicPr>
+          <p:cNvPr id="16" name="Picture 15" descr="Text&#10;&#10;Description automatically generated">
+            <a:extLst>
+              <a:ext uri="{FF2B5EF4-FFF2-40B4-BE49-F238E27FC236}">
+                <a16:creationId xmlns:a16="http://schemas.microsoft.com/office/drawing/2014/main" id="{66EB742A-3DAB-5EAE-A049-E4613719E0E5}"/>
+              </a:ext>
+            </a:extLst>
+          </p:cNvPr>
+          <p:cNvPicPr>
+            <a:picLocks noChangeAspect="1"/>
+          </p:cNvPicPr>
+          <p:nvPr/>
+        </p:nvPicPr>
+        <p:blipFill>
+          <a:blip r:embed="rId2"/>
+          <a:stretch>
+            <a:fillRect/>
+          </a:stretch>
+        </p:blipFill>
+        <p:spPr>
+          <a:xfrm>
+            <a:off x="199725" y="6098726"/>
+            <a:ext cx="1138605" cy="540000"/>
+          </a:xfrm>
+          <a:prstGeom prst="rect">
+            <a:avLst/>
+          </a:prstGeom>
+        </p:spPr>
+      </p:pic>
+      <p:pic>
+        <p:nvPicPr>
+          <p:cNvPr id="19" name="Picture 18" descr="Text&#10;&#10;Description automatically generated">
+            <a:extLst>
+              <a:ext uri="{FF2B5EF4-FFF2-40B4-BE49-F238E27FC236}">
+                <a16:creationId xmlns:a16="http://schemas.microsoft.com/office/drawing/2014/main" id="{1CF06863-3422-0192-8A6D-52ABD539C933}"/>
+              </a:ext>
+            </a:extLst>
+          </p:cNvPr>
+          <p:cNvPicPr>
+            <a:picLocks noChangeAspect="1"/>
+          </p:cNvPicPr>
+          <p:nvPr/>
+        </p:nvPicPr>
+        <p:blipFill>
+          <a:blip r:embed="rId3"/>
+          <a:stretch>
+            <a:fillRect/>
+          </a:stretch>
+        </p:blipFill>
+        <p:spPr>
+          <a:xfrm>
+            <a:off x="1538864" y="6088313"/>
+            <a:ext cx="1317601" cy="540000"/>
+          </a:xfrm>
+          <a:prstGeom prst="rect">
+            <a:avLst/>
+          </a:prstGeom>
+        </p:spPr>
+      </p:pic>
+      <p:pic>
+        <p:nvPicPr>
+          <p:cNvPr id="21" name="Picture 20" descr="Text&#10;&#10;Description automatically generated">
+            <a:extLst>
+              <a:ext uri="{FF2B5EF4-FFF2-40B4-BE49-F238E27FC236}">
+                <a16:creationId xmlns:a16="http://schemas.microsoft.com/office/drawing/2014/main" id="{53FAB219-DC27-EF56-EA64-978D5C92334D}"/>
+              </a:ext>
+            </a:extLst>
+          </p:cNvPr>
+          <p:cNvPicPr>
+            <a:picLocks noChangeAspect="1"/>
+          </p:cNvPicPr>
+          <p:nvPr/>
+        </p:nvPicPr>
+        <p:blipFill>
+          <a:blip r:embed="rId4"/>
+          <a:stretch>
+            <a:fillRect/>
+          </a:stretch>
+        </p:blipFill>
+        <p:spPr>
+          <a:xfrm>
+            <a:off x="3056999" y="6098726"/>
+            <a:ext cx="775093" cy="540000"/>
+          </a:xfrm>
+          <a:prstGeom prst="rect">
+            <a:avLst/>
+          </a:prstGeom>
+        </p:spPr>
+      </p:pic>
+      <p:pic>
+        <p:nvPicPr>
+          <p:cNvPr id="23" name="Picture 22" descr="A picture containing text, screenshot, monitor&#10;&#10;Description automatically generated">
+            <a:extLst>
+              <a:ext uri="{FF2B5EF4-FFF2-40B4-BE49-F238E27FC236}">
+                <a16:creationId xmlns:a16="http://schemas.microsoft.com/office/drawing/2014/main" id="{77117484-BB41-EA91-72E0-904BEB3B61D2}"/>
+              </a:ext>
+            </a:extLst>
+          </p:cNvPr>
+          <p:cNvPicPr>
+            <a:picLocks noChangeAspect="1"/>
+          </p:cNvPicPr>
+          <p:nvPr/>
+        </p:nvPicPr>
+        <p:blipFill>
+          <a:blip r:embed="rId5"/>
+          <a:stretch>
+            <a:fillRect/>
+          </a:stretch>
+        </p:blipFill>
+        <p:spPr>
+          <a:xfrm>
+            <a:off x="4032626" y="6098726"/>
+            <a:ext cx="1025747" cy="540000"/>
+          </a:xfrm>
+          <a:prstGeom prst="rect">
+            <a:avLst/>
+          </a:prstGeom>
+        </p:spPr>
+      </p:pic>
+      <p:pic>
+        <p:nvPicPr>
+          <p:cNvPr id="25" name="Picture 24" descr="A picture containing text, monitor, black, screen&#10;&#10;Description automatically generated">
+            <a:extLst>
+              <a:ext uri="{FF2B5EF4-FFF2-40B4-BE49-F238E27FC236}">
+                <a16:creationId xmlns:a16="http://schemas.microsoft.com/office/drawing/2014/main" id="{00D9D7CD-BEA6-EE64-870F-24CE9A78FE63}"/>
+              </a:ext>
+            </a:extLst>
+          </p:cNvPr>
+          <p:cNvPicPr>
+            <a:picLocks noChangeAspect="1"/>
+          </p:cNvPicPr>
+          <p:nvPr/>
+        </p:nvPicPr>
+        <p:blipFill>
+          <a:blip r:embed="rId6"/>
+          <a:stretch>
+            <a:fillRect/>
+          </a:stretch>
+        </p:blipFill>
+        <p:spPr>
+          <a:xfrm>
+            <a:off x="5258907" y="6088313"/>
+            <a:ext cx="1189312" cy="540000"/>
+          </a:xfrm>
+          <a:prstGeom prst="rect">
+            <a:avLst/>
+          </a:prstGeom>
+        </p:spPr>
+      </p:pic>
+      <p:pic>
+        <p:nvPicPr>
+          <p:cNvPr id="38" name="Picture 37" descr="Graphical user interface, text, application, chat or text message&#10;&#10;Description automatically generated">
+            <a:extLst>
+              <a:ext uri="{FF2B5EF4-FFF2-40B4-BE49-F238E27FC236}">
+                <a16:creationId xmlns:a16="http://schemas.microsoft.com/office/drawing/2014/main" id="{48C69C16-0065-4E97-A6E4-F7E736D4DBB6}"/>
+              </a:ext>
+            </a:extLst>
+          </p:cNvPr>
+          <p:cNvPicPr>
+            <a:picLocks noChangeAspect="1"/>
+          </p:cNvPicPr>
+          <p:nvPr/>
+        </p:nvPicPr>
+        <p:blipFill>
+          <a:blip r:embed="rId7"/>
+          <a:stretch>
+            <a:fillRect/>
+          </a:stretch>
+        </p:blipFill>
+        <p:spPr>
+          <a:xfrm>
+            <a:off x="6648753" y="6088313"/>
+            <a:ext cx="1037813" cy="540000"/>
+          </a:xfrm>
+          <a:prstGeom prst="rect">
+            <a:avLst/>
+          </a:prstGeom>
+        </p:spPr>
+      </p:pic>
+      <p:pic>
+        <p:nvPicPr>
+          <p:cNvPr id="40" name="Picture 39" descr="Text&#10;&#10;Description automatically generated">
+            <a:extLst>
+              <a:ext uri="{FF2B5EF4-FFF2-40B4-BE49-F238E27FC236}">
+                <a16:creationId xmlns:a16="http://schemas.microsoft.com/office/drawing/2014/main" id="{8310590B-0FC0-AE04-E083-EE76799C1D3E}"/>
+              </a:ext>
+            </a:extLst>
+          </p:cNvPr>
+          <p:cNvPicPr>
+            <a:picLocks noChangeAspect="1"/>
+          </p:cNvPicPr>
+          <p:nvPr/>
+        </p:nvPicPr>
+        <p:blipFill>
+          <a:blip r:embed="rId8"/>
+          <a:stretch>
+            <a:fillRect/>
+          </a:stretch>
+        </p:blipFill>
+        <p:spPr>
+          <a:xfrm>
+            <a:off x="7887100" y="6098726"/>
+            <a:ext cx="644211" cy="540000"/>
+          </a:xfrm>
+          <a:prstGeom prst="rect">
+            <a:avLst/>
+          </a:prstGeom>
+        </p:spPr>
+      </p:pic>
+      <p:pic>
+        <p:nvPicPr>
+          <p:cNvPr id="42" name="Picture 41" descr="Text&#10;&#10;Description automatically generated">
+            <a:extLst>
+              <a:ext uri="{FF2B5EF4-FFF2-40B4-BE49-F238E27FC236}">
+                <a16:creationId xmlns:a16="http://schemas.microsoft.com/office/drawing/2014/main" id="{A007B266-C578-6BDF-3148-7543D9B41931}"/>
+              </a:ext>
+            </a:extLst>
+          </p:cNvPr>
+          <p:cNvPicPr>
+            <a:picLocks noChangeAspect="1"/>
+          </p:cNvPicPr>
+          <p:nvPr/>
+        </p:nvPicPr>
+        <p:blipFill>
+          <a:blip r:embed="rId9"/>
+          <a:stretch>
+            <a:fillRect/>
+          </a:stretch>
+        </p:blipFill>
+        <p:spPr>
+          <a:xfrm>
+            <a:off x="8731845" y="6088313"/>
+            <a:ext cx="938530" cy="540000"/>
+          </a:xfrm>
+          <a:prstGeom prst="rect">
+            <a:avLst/>
+          </a:prstGeom>
+        </p:spPr>
+      </p:pic>
+      <p:pic>
+        <p:nvPicPr>
+          <p:cNvPr id="44" name="Picture 43" descr="Text&#10;&#10;Description automatically generated">
+            <a:extLst>
+              <a:ext uri="{FF2B5EF4-FFF2-40B4-BE49-F238E27FC236}">
+                <a16:creationId xmlns:a16="http://schemas.microsoft.com/office/drawing/2014/main" id="{7D0B74B1-764E-81BB-7424-9ECE26A72FC0}"/>
+              </a:ext>
+            </a:extLst>
+          </p:cNvPr>
+          <p:cNvPicPr>
+            <a:picLocks noChangeAspect="1"/>
+          </p:cNvPicPr>
+          <p:nvPr/>
+        </p:nvPicPr>
+        <p:blipFill>
+          <a:blip r:embed="rId10"/>
+          <a:stretch>
+            <a:fillRect/>
+          </a:stretch>
+        </p:blipFill>
+        <p:spPr>
+          <a:xfrm>
+            <a:off x="9870909" y="6088313"/>
+            <a:ext cx="1049143" cy="540000"/>
+          </a:xfrm>
+          <a:prstGeom prst="rect">
+            <a:avLst/>
+          </a:prstGeom>
+        </p:spPr>
+      </p:pic>
+      <p:pic>
+        <p:nvPicPr>
+          <p:cNvPr id="46" name="Picture 45" descr="A picture containing text, monitor, black, screenshot&#10;&#10;Description automatically generated">
+            <a:extLst>
+              <a:ext uri="{FF2B5EF4-FFF2-40B4-BE49-F238E27FC236}">
+                <a16:creationId xmlns:a16="http://schemas.microsoft.com/office/drawing/2014/main" id="{529B9667-0845-6708-67CA-DFF19A2881DA}"/>
+              </a:ext>
+            </a:extLst>
+          </p:cNvPr>
+          <p:cNvPicPr>
+            <a:picLocks noChangeAspect="1"/>
+          </p:cNvPicPr>
+          <p:nvPr/>
+        </p:nvPicPr>
+        <p:blipFill>
+          <a:blip r:embed="rId11"/>
+          <a:stretch>
+            <a:fillRect/>
+          </a:stretch>
+        </p:blipFill>
+        <p:spPr>
+          <a:xfrm>
+            <a:off x="2484666" y="1383632"/>
+            <a:ext cx="7222667" cy="4474338"/>
+          </a:xfrm>
+          <a:prstGeom prst="rect">
+            <a:avLst/>
+          </a:prstGeom>
+        </p:spPr>
+      </p:pic>
+    </p:spTree>
+    <p:extLst>
+      <p:ext uri="{BB962C8B-B14F-4D97-AF65-F5344CB8AC3E}">
+        <p14:creationId xmlns:p14="http://schemas.microsoft.com/office/powerpoint/2010/main" val="1009603332"/>
+      </p:ext>
+    </p:extLst>
+  </p:cSld>
+  <p:clrMapOvr>
+    <a:masterClrMapping/>
+  </p:clrMapOvr>
+  <mc:AlternateContent xmlns:mc="http://schemas.openxmlformats.org/markup-compatibility/2006">
+    <mc:Choice xmlns:p159="http://schemas.microsoft.com/office/powerpoint/2015/09/main" Requires="p159">
+      <p:transition xmlns:p14="http://schemas.microsoft.com/office/powerpoint/2010/main" spd="slow" p14:dur="2000">
+        <p159:morph option="byObject"/>
+      </p:transition>
+    </mc:Choice>
+    <mc:Fallback>
+      <p:transition spd="slow">
+        <p:fade/>
+      </p:transition>
+    </mc:Fallback>
+  </mc:AlternateContent>
+</p:sld>
+</file>
+
+<file path=ppt/slides/slide15.xml><?xml version="1.0" encoding="utf-8"?>
+<p:sld xmlns:a="http://schemas.openxmlformats.org/drawingml/2006/main" xmlns:r="http://schemas.openxmlformats.org/officeDocument/2006/relationships" xmlns:p="http://schemas.openxmlformats.org/presentationml/2006/main">
+  <p:cSld>
+    <p:spTree>
+      <p:nvGrpSpPr>
+        <p:cNvPr id="1" name=""/>
+        <p:cNvGrpSpPr/>
+        <p:nvPr/>
+      </p:nvGrpSpPr>
+      <p:grpSpPr>
+        <a:xfrm>
+          <a:off x="0" y="0"/>
+          <a:ext cx="0" cy="0"/>
+          <a:chOff x="0" y="0"/>
+          <a:chExt cx="0" cy="0"/>
+        </a:xfrm>
+      </p:grpSpPr>
+      <p:sp>
+        <p:nvSpPr>
+          <p:cNvPr id="2" name="Title 1">
+            <a:extLst>
+              <a:ext uri="{FF2B5EF4-FFF2-40B4-BE49-F238E27FC236}">
+                <a16:creationId xmlns:a16="http://schemas.microsoft.com/office/drawing/2014/main" id="{B0A035A3-09E3-5840-9AC9-3DC69AA347A6}"/>
+              </a:ext>
+            </a:extLst>
+          </p:cNvPr>
+          <p:cNvSpPr>
+            <a:spLocks noGrp="1"/>
+          </p:cNvSpPr>
+          <p:nvPr>
+            <p:ph type="title"/>
+          </p:nvPr>
+        </p:nvSpPr>
+        <p:spPr/>
+        <p:txBody>
+          <a:bodyPr/>
+          <a:lstStyle/>
+          <a:p>
+            <a:pPr algn="ctr"/>
+            <a:r>
+              <a:rPr lang="en-US" dirty="0"/>
+              <a:t>Mean yearly data</a:t>
+            </a:r>
+          </a:p>
+        </p:txBody>
+      </p:sp>
+      <p:sp>
+        <p:nvSpPr>
+          <p:cNvPr id="3" name="Content Placeholder 2">
+            <a:extLst>
+              <a:ext uri="{FF2B5EF4-FFF2-40B4-BE49-F238E27FC236}">
+                <a16:creationId xmlns:a16="http://schemas.microsoft.com/office/drawing/2014/main" id="{47F90F68-53C3-49D8-0E11-39E762219C91}"/>
+              </a:ext>
+            </a:extLst>
+          </p:cNvPr>
+          <p:cNvSpPr>
+            <a:spLocks noGrp="1"/>
+          </p:cNvSpPr>
+          <p:nvPr>
+            <p:ph idx="1"/>
+          </p:nvPr>
+        </p:nvSpPr>
+        <p:spPr>
+          <a:xfrm>
+            <a:off x="838200" y="1825625"/>
+            <a:ext cx="5435600" cy="4351338"/>
+          </a:xfrm>
+        </p:spPr>
+        <p:txBody>
+          <a:bodyPr/>
+          <a:lstStyle/>
+          <a:p>
+            <a:endParaRPr lang="en-US" dirty="0"/>
+          </a:p>
+        </p:txBody>
+      </p:sp>
+      <p:pic>
+        <p:nvPicPr>
+          <p:cNvPr id="4" name="Picture 3">
+            <a:extLst>
+              <a:ext uri="{FF2B5EF4-FFF2-40B4-BE49-F238E27FC236}">
+                <a16:creationId xmlns:a16="http://schemas.microsoft.com/office/drawing/2014/main" id="{1174B26C-B515-67F8-D6FD-58B7C44E771C}"/>
+              </a:ext>
+            </a:extLst>
+          </p:cNvPr>
+          <p:cNvPicPr>
+            <a:picLocks noChangeAspect="1"/>
+          </p:cNvPicPr>
+          <p:nvPr/>
+        </p:nvPicPr>
+        <p:blipFill>
+          <a:blip r:embed="rId2"/>
+          <a:stretch>
+            <a:fillRect/>
+          </a:stretch>
+        </p:blipFill>
+        <p:spPr>
+          <a:xfrm>
+            <a:off x="6381560" y="2216150"/>
+            <a:ext cx="5613589" cy="3575050"/>
+          </a:xfrm>
+          <a:prstGeom prst="rect">
+            <a:avLst/>
+          </a:prstGeom>
+        </p:spPr>
+      </p:pic>
+    </p:spTree>
+    <p:extLst>
+      <p:ext uri="{BB962C8B-B14F-4D97-AF65-F5344CB8AC3E}">
+        <p14:creationId xmlns:p14="http://schemas.microsoft.com/office/powerpoint/2010/main" val="1970105383"/>
+      </p:ext>
+    </p:extLst>
+  </p:cSld>
+  <p:clrMapOvr>
+    <a:masterClrMapping/>
+  </p:clrMapOvr>
+</p:sld>
+</file>
+
+<file path=ppt/slides/slide2.xml><?xml version="1.0" encoding="utf-8"?>
+<p:sld xmlns:a="http://schemas.openxmlformats.org/drawingml/2006/main" xmlns:r="http://schemas.openxmlformats.org/officeDocument/2006/relationships" xmlns:p="http://schemas.openxmlformats.org/presentationml/2006/main">
+  <p:cSld>
+    <p:spTree>
+      <p:nvGrpSpPr>
+        <p:cNvPr id="1" name=""/>
+        <p:cNvGrpSpPr/>
+        <p:nvPr/>
+      </p:nvGrpSpPr>
+      <p:grpSpPr>
+        <a:xfrm>
+          <a:off x="0" y="0"/>
+          <a:ext cx="0" cy="0"/>
+          <a:chOff x="0" y="0"/>
+          <a:chExt cx="0" cy="0"/>
+        </a:xfrm>
+      </p:grpSpPr>
+      <p:sp>
+        <p:nvSpPr>
+          <p:cNvPr id="2" name="Title 1">
+            <a:extLst>
+              <a:ext uri="{FF2B5EF4-FFF2-40B4-BE49-F238E27FC236}">
+                <a16:creationId xmlns:a16="http://schemas.microsoft.com/office/drawing/2014/main" id="{B39AE56C-9377-265B-12C0-7473FC42E57E}"/>
+              </a:ext>
+            </a:extLst>
+          </p:cNvPr>
+          <p:cNvSpPr>
+            <a:spLocks noGrp="1"/>
+          </p:cNvSpPr>
+          <p:nvPr>
+            <p:ph type="title"/>
+          </p:nvPr>
+        </p:nvSpPr>
+        <p:spPr>
+          <a:xfrm>
+            <a:off x="838200" y="365125"/>
+            <a:ext cx="10515600" cy="1018507"/>
+          </a:xfrm>
+        </p:spPr>
+        <p:txBody>
+          <a:bodyPr/>
+          <a:lstStyle/>
+          <a:p>
+            <a:pPr algn="ctr"/>
+            <a:r>
+              <a:rPr lang="en-US" dirty="0"/>
+              <a:t>Datasets</a:t>
+            </a:r>
+          </a:p>
+        </p:txBody>
+      </p:sp>
+      <p:sp>
+        <p:nvSpPr>
+          <p:cNvPr id="7" name="Rectangle 6">
+            <a:extLst>
+              <a:ext uri="{FF2B5EF4-FFF2-40B4-BE49-F238E27FC236}">
+                <a16:creationId xmlns:a16="http://schemas.microsoft.com/office/drawing/2014/main" id="{9833B81C-C03B-96D7-162C-75EE2B09F442}"/>
+              </a:ext>
+            </a:extLst>
+          </p:cNvPr>
+          <p:cNvSpPr/>
+          <p:nvPr/>
+        </p:nvSpPr>
+        <p:spPr>
+          <a:xfrm>
+            <a:off x="1074821" y="1690688"/>
+            <a:ext cx="2145632" cy="2189747"/>
+          </a:xfrm>
+          <a:prstGeom prst="rect">
+            <a:avLst/>
+          </a:prstGeom>
+          <a:noFill/>
+          <a:ln>
+            <a:noFill/>
+          </a:ln>
+        </p:spPr>
+        <p:style>
+          <a:lnRef idx="2">
+            <a:schemeClr val="accent1">
+              <a:shade val="50000"/>
+            </a:schemeClr>
+          </a:lnRef>
+          <a:fillRef idx="1">
+            <a:schemeClr val="accent1"/>
+          </a:fillRef>
+          <a:effectRef idx="0">
+            <a:schemeClr val="accent1"/>
+          </a:effectRef>
+          <a:fontRef idx="minor">
+            <a:schemeClr val="lt1"/>
+          </a:fontRef>
+        </p:style>
+        <p:txBody>
+          <a:bodyPr rtlCol="0" anchor="ctr"/>
+          <a:lstStyle/>
+          <a:p>
+            <a:pPr algn="ctr"/>
+            <a:r>
+              <a:rPr lang="en-US" sz="2400" dirty="0">
+                <a:solidFill>
+                  <a:schemeClr val="bg1"/>
+                </a:solidFill>
+                <a:latin typeface="Futura Medium" panose="020B0602020204020303" pitchFamily="34" charset="-79"/>
+                <a:cs typeface="Futura Medium" panose="020B0602020204020303" pitchFamily="34" charset="-79"/>
+                <a:hlinkClick r:id="rId2">
+                  <a:extLst>
+                    <a:ext uri="{A12FA001-AC4F-418D-AE19-62706E023703}">
+                      <ahyp:hlinkClr xmlns:ahyp="http://schemas.microsoft.com/office/drawing/2018/hyperlinkcolor" val="tx"/>
+                    </a:ext>
+                  </a:extLst>
+                </a:hlinkClick>
+              </a:rPr>
+              <a:t>Job Vacancy </a:t>
+            </a:r>
+            <a:r>
+              <a:rPr lang="en-US" sz="2400" dirty="0">
+                <a:solidFill>
+                  <a:schemeClr val="bg1"/>
+                </a:solidFill>
+                <a:latin typeface="Futura Medium" panose="020B0602020204020303" pitchFamily="34" charset="-79"/>
+                <a:cs typeface="Futura Medium" panose="020B0602020204020303" pitchFamily="34" charset="-79"/>
+                <a:hlinkClick r:id="rId3">
+                  <a:extLst>
+                    <a:ext uri="{A12FA001-AC4F-418D-AE19-62706E023703}">
+                      <ahyp:hlinkClr xmlns:ahyp="http://schemas.microsoft.com/office/drawing/2018/hyperlinkcolor" val="tx"/>
+                    </a:ext>
+                  </a:extLst>
+                </a:hlinkClick>
+              </a:rPr>
+              <a:t>Rates</a:t>
+            </a:r>
+            <a:endParaRPr lang="en-US" sz="2400" dirty="0">
+              <a:solidFill>
+                <a:schemeClr val="bg1"/>
+              </a:solidFill>
+              <a:latin typeface="Futura Medium" panose="020B0602020204020303" pitchFamily="34" charset="-79"/>
+              <a:cs typeface="Futura Medium" panose="020B0602020204020303" pitchFamily="34" charset="-79"/>
+            </a:endParaRPr>
+          </a:p>
+        </p:txBody>
+      </p:sp>
+      <p:sp>
+        <p:nvSpPr>
+          <p:cNvPr id="8" name="Rectangle 7">
+            <a:extLst>
+              <a:ext uri="{FF2B5EF4-FFF2-40B4-BE49-F238E27FC236}">
+                <a16:creationId xmlns:a16="http://schemas.microsoft.com/office/drawing/2014/main" id="{393AC1E1-0184-296D-6D73-00ACBD9F063D}"/>
+              </a:ext>
+            </a:extLst>
+          </p:cNvPr>
+          <p:cNvSpPr/>
+          <p:nvPr/>
+        </p:nvSpPr>
+        <p:spPr>
+          <a:xfrm>
+            <a:off x="1074820" y="4303128"/>
+            <a:ext cx="2145632" cy="2189747"/>
+          </a:xfrm>
+          <a:prstGeom prst="rect">
+            <a:avLst/>
+          </a:prstGeom>
+          <a:noFill/>
+          <a:ln>
+            <a:noFill/>
+          </a:ln>
+        </p:spPr>
+        <p:style>
+          <a:lnRef idx="2">
+            <a:schemeClr val="accent1">
+              <a:shade val="50000"/>
+            </a:schemeClr>
+          </a:lnRef>
+          <a:fillRef idx="1">
+            <a:schemeClr val="accent1"/>
+          </a:fillRef>
+          <a:effectRef idx="0">
+            <a:schemeClr val="accent1"/>
+          </a:effectRef>
+          <a:fontRef idx="minor">
+            <a:schemeClr val="lt1"/>
+          </a:fontRef>
+        </p:style>
+        <p:txBody>
+          <a:bodyPr rtlCol="0" anchor="ctr"/>
+          <a:lstStyle/>
+          <a:p>
+            <a:pPr algn="ctr"/>
+            <a:r>
+              <a:rPr lang="en-US" sz="2400" dirty="0">
+                <a:solidFill>
+                  <a:schemeClr val="bg1"/>
+                </a:solidFill>
+                <a:latin typeface="Futura Medium" panose="020B0602020204020303" pitchFamily="34" charset="-79"/>
+                <a:cs typeface="Futura Medium" panose="020B0602020204020303" pitchFamily="34" charset="-79"/>
+                <a:hlinkClick r:id="rId4">
+                  <a:extLst>
+                    <a:ext uri="{A12FA001-AC4F-418D-AE19-62706E023703}">
+                      <ahyp:hlinkClr xmlns:ahyp="http://schemas.microsoft.com/office/drawing/2018/hyperlinkcolor" val="tx"/>
+                    </a:ext>
+                  </a:extLst>
+                </a:hlinkClick>
+              </a:rPr>
+              <a:t>Total Paid Hours</a:t>
+            </a:r>
+            <a:endParaRPr lang="en-US" dirty="0">
+              <a:solidFill>
+                <a:schemeClr val="bg1"/>
+              </a:solidFill>
+              <a:latin typeface="Futura Medium" panose="020B0602020204020303" pitchFamily="34" charset="-79"/>
+              <a:cs typeface="Futura Medium" panose="020B0602020204020303" pitchFamily="34" charset="-79"/>
+            </a:endParaRPr>
+          </a:p>
+        </p:txBody>
+      </p:sp>
+      <p:sp>
+        <p:nvSpPr>
+          <p:cNvPr id="9" name="Rectangle 8">
+            <a:extLst>
+              <a:ext uri="{FF2B5EF4-FFF2-40B4-BE49-F238E27FC236}">
+                <a16:creationId xmlns:a16="http://schemas.microsoft.com/office/drawing/2014/main" id="{FD21CA11-8640-26A1-D3FC-3C37EE2AFB47}"/>
+              </a:ext>
+            </a:extLst>
+          </p:cNvPr>
+          <p:cNvSpPr/>
+          <p:nvPr/>
+        </p:nvSpPr>
+        <p:spPr>
+          <a:xfrm>
+            <a:off x="3707063" y="1690688"/>
+            <a:ext cx="2145632" cy="2189747"/>
+          </a:xfrm>
+          <a:prstGeom prst="rect">
+            <a:avLst/>
+          </a:prstGeom>
+          <a:noFill/>
+          <a:ln>
+            <a:noFill/>
+          </a:ln>
+        </p:spPr>
+        <p:style>
+          <a:lnRef idx="2">
+            <a:schemeClr val="accent1">
+              <a:shade val="50000"/>
+            </a:schemeClr>
+          </a:lnRef>
+          <a:fillRef idx="1">
+            <a:schemeClr val="accent1"/>
+          </a:fillRef>
+          <a:effectRef idx="0">
+            <a:schemeClr val="accent1"/>
+          </a:effectRef>
+          <a:fontRef idx="minor">
+            <a:schemeClr val="lt1"/>
+          </a:fontRef>
+        </p:style>
+        <p:txBody>
+          <a:bodyPr rtlCol="0" anchor="ctr"/>
+          <a:lstStyle/>
+          <a:p>
+            <a:pPr algn="ctr"/>
+            <a:r>
+              <a:rPr lang="en-US" sz="2400" dirty="0">
+                <a:solidFill>
+                  <a:schemeClr val="bg1"/>
+                </a:solidFill>
+                <a:latin typeface="Futura Medium" panose="020B0602020204020303" pitchFamily="34" charset="-79"/>
+                <a:cs typeface="Futura Medium" panose="020B0602020204020303" pitchFamily="34" charset="-79"/>
+                <a:hlinkClick r:id="rId5">
+                  <a:extLst>
+                    <a:ext uri="{A12FA001-AC4F-418D-AE19-62706E023703}">
+                      <ahyp:hlinkClr xmlns:ahyp="http://schemas.microsoft.com/office/drawing/2018/hyperlinkcolor" val="tx"/>
+                    </a:ext>
+                  </a:extLst>
+                </a:hlinkClick>
+              </a:rPr>
+              <a:t>Recruitment Rates</a:t>
+            </a:r>
+            <a:endParaRPr lang="en-US" sz="2400" dirty="0">
+              <a:solidFill>
+                <a:schemeClr val="bg1"/>
+              </a:solidFill>
+              <a:latin typeface="Futura Medium" panose="020B0602020204020303" pitchFamily="34" charset="-79"/>
+              <a:cs typeface="Futura Medium" panose="020B0602020204020303" pitchFamily="34" charset="-79"/>
+            </a:endParaRPr>
+          </a:p>
+        </p:txBody>
+      </p:sp>
+      <p:sp>
+        <p:nvSpPr>
+          <p:cNvPr id="10" name="Rectangle 9">
+            <a:extLst>
+              <a:ext uri="{FF2B5EF4-FFF2-40B4-BE49-F238E27FC236}">
+                <a16:creationId xmlns:a16="http://schemas.microsoft.com/office/drawing/2014/main" id="{895AAD90-6CC2-F3B1-79F8-0302F9A86CD6}"/>
+              </a:ext>
+            </a:extLst>
+          </p:cNvPr>
+          <p:cNvSpPr/>
+          <p:nvPr/>
+        </p:nvSpPr>
+        <p:spPr>
+          <a:xfrm>
+            <a:off x="3693693" y="4303128"/>
+            <a:ext cx="2145632" cy="2189747"/>
+          </a:xfrm>
+          <a:prstGeom prst="rect">
+            <a:avLst/>
+          </a:prstGeom>
+          <a:noFill/>
+          <a:ln>
+            <a:noFill/>
+          </a:ln>
+        </p:spPr>
+        <p:style>
+          <a:lnRef idx="2">
+            <a:schemeClr val="accent1">
+              <a:shade val="50000"/>
+            </a:schemeClr>
+          </a:lnRef>
+          <a:fillRef idx="1">
+            <a:schemeClr val="accent1"/>
+          </a:fillRef>
+          <a:effectRef idx="0">
+            <a:schemeClr val="accent1"/>
+          </a:effectRef>
+          <a:fontRef idx="minor">
+            <a:schemeClr val="lt1"/>
+          </a:fontRef>
+        </p:style>
+        <p:txBody>
+          <a:bodyPr rtlCol="0" anchor="ctr"/>
+          <a:lstStyle/>
+          <a:p>
+            <a:pPr algn="ctr"/>
+            <a:r>
+              <a:rPr lang="en-US" sz="2400" dirty="0">
+                <a:solidFill>
+                  <a:schemeClr val="bg1"/>
+                </a:solidFill>
+                <a:latin typeface="Futura Medium" panose="020B0602020204020303" pitchFamily="34" charset="-79"/>
+                <a:cs typeface="Futura Medium" panose="020B0602020204020303" pitchFamily="34" charset="-79"/>
+                <a:hlinkClick r:id="rId6">
+                  <a:extLst>
+                    <a:ext uri="{A12FA001-AC4F-418D-AE19-62706E023703}">
+                      <ahyp:hlinkClr xmlns:ahyp="http://schemas.microsoft.com/office/drawing/2018/hyperlinkcolor" val="tx"/>
+                    </a:ext>
+                  </a:extLst>
+                </a:hlinkClick>
+              </a:rPr>
+              <a:t>Incidence of Retrenchment</a:t>
+            </a:r>
+            <a:endParaRPr lang="en-US" dirty="0">
+              <a:solidFill>
+                <a:schemeClr val="bg1"/>
+              </a:solidFill>
+              <a:latin typeface="Futura Medium" panose="020B0602020204020303" pitchFamily="34" charset="-79"/>
+              <a:cs typeface="Futura Medium" panose="020B0602020204020303" pitchFamily="34" charset="-79"/>
+            </a:endParaRPr>
+          </a:p>
+        </p:txBody>
+      </p:sp>
+      <p:sp>
+        <p:nvSpPr>
+          <p:cNvPr id="11" name="Rectangle 10">
+            <a:extLst>
+              <a:ext uri="{FF2B5EF4-FFF2-40B4-BE49-F238E27FC236}">
+                <a16:creationId xmlns:a16="http://schemas.microsoft.com/office/drawing/2014/main" id="{D4A80713-D25C-381D-F04D-27F2F286EADE}"/>
+              </a:ext>
+            </a:extLst>
+          </p:cNvPr>
+          <p:cNvSpPr/>
+          <p:nvPr/>
+        </p:nvSpPr>
+        <p:spPr>
+          <a:xfrm>
+            <a:off x="6339305" y="1690688"/>
+            <a:ext cx="2145632" cy="2189747"/>
+          </a:xfrm>
+          <a:prstGeom prst="rect">
+            <a:avLst/>
+          </a:prstGeom>
+          <a:noFill/>
+          <a:ln>
+            <a:noFill/>
+          </a:ln>
+        </p:spPr>
+        <p:style>
+          <a:lnRef idx="2">
+            <a:schemeClr val="accent1">
+              <a:shade val="50000"/>
+            </a:schemeClr>
+          </a:lnRef>
+          <a:fillRef idx="1">
+            <a:schemeClr val="accent1"/>
+          </a:fillRef>
+          <a:effectRef idx="0">
+            <a:schemeClr val="accent1"/>
+          </a:effectRef>
+          <a:fontRef idx="minor">
+            <a:schemeClr val="lt1"/>
+          </a:fontRef>
+        </p:style>
+        <p:txBody>
+          <a:bodyPr rtlCol="0" anchor="ctr"/>
+          <a:lstStyle/>
+          <a:p>
+            <a:pPr algn="ctr"/>
+            <a:r>
+              <a:rPr lang="en-US" sz="2400" dirty="0">
+                <a:solidFill>
+                  <a:schemeClr val="bg1"/>
+                </a:solidFill>
+                <a:latin typeface="Futura Medium" panose="020B0602020204020303" pitchFamily="34" charset="-79"/>
+                <a:cs typeface="Futura Medium" panose="020B0602020204020303" pitchFamily="34" charset="-79"/>
+                <a:hlinkClick r:id="rId5">
+                  <a:extLst>
+                    <a:ext uri="{A12FA001-AC4F-418D-AE19-62706E023703}">
+                      <ahyp:hlinkClr xmlns:ahyp="http://schemas.microsoft.com/office/drawing/2018/hyperlinkcolor" val="tx"/>
+                    </a:ext>
+                  </a:extLst>
+                </a:hlinkClick>
+              </a:rPr>
+              <a:t>Resignation Rates</a:t>
+            </a:r>
+            <a:endParaRPr lang="en-US" sz="2400" dirty="0">
+              <a:solidFill>
+                <a:schemeClr val="bg1"/>
+              </a:solidFill>
+              <a:latin typeface="Futura Medium" panose="020B0602020204020303" pitchFamily="34" charset="-79"/>
+              <a:cs typeface="Futura Medium" panose="020B0602020204020303" pitchFamily="34" charset="-79"/>
+            </a:endParaRPr>
+          </a:p>
+        </p:txBody>
+      </p:sp>
+      <p:sp>
+        <p:nvSpPr>
+          <p:cNvPr id="12" name="Rectangle 11">
+            <a:extLst>
+              <a:ext uri="{FF2B5EF4-FFF2-40B4-BE49-F238E27FC236}">
+                <a16:creationId xmlns:a16="http://schemas.microsoft.com/office/drawing/2014/main" id="{602FC23A-D7B6-C2EF-8C62-C73D55D22528}"/>
+              </a:ext>
+            </a:extLst>
+          </p:cNvPr>
+          <p:cNvSpPr/>
+          <p:nvPr/>
+        </p:nvSpPr>
+        <p:spPr>
+          <a:xfrm>
+            <a:off x="6332620" y="4303128"/>
+            <a:ext cx="2145632" cy="2189747"/>
+          </a:xfrm>
+          <a:prstGeom prst="rect">
+            <a:avLst/>
+          </a:prstGeom>
+          <a:noFill/>
+          <a:ln>
+            <a:noFill/>
+          </a:ln>
+        </p:spPr>
+        <p:style>
+          <a:lnRef idx="2">
+            <a:schemeClr val="accent1">
+              <a:shade val="50000"/>
+            </a:schemeClr>
+          </a:lnRef>
+          <a:fillRef idx="1">
+            <a:schemeClr val="accent1"/>
+          </a:fillRef>
+          <a:effectRef idx="0">
+            <a:schemeClr val="accent1"/>
+          </a:effectRef>
+          <a:fontRef idx="minor">
+            <a:schemeClr val="lt1"/>
+          </a:fontRef>
+        </p:style>
+        <p:txBody>
+          <a:bodyPr rtlCol="0" anchor="ctr"/>
+          <a:lstStyle/>
+          <a:p>
+            <a:pPr algn="ctr"/>
+            <a:r>
+              <a:rPr lang="en-US" sz="2400" dirty="0">
+                <a:solidFill>
+                  <a:schemeClr val="bg1"/>
+                </a:solidFill>
+                <a:latin typeface="Futura Medium" panose="020B0602020204020303" pitchFamily="34" charset="-79"/>
+                <a:cs typeface="Futura Medium" panose="020B0602020204020303" pitchFamily="34" charset="-79"/>
+                <a:hlinkClick r:id="rId7">
+                  <a:extLst>
+                    <a:ext uri="{A12FA001-AC4F-418D-AE19-62706E023703}">
+                      <ahyp:hlinkClr xmlns:ahyp="http://schemas.microsoft.com/office/drawing/2018/hyperlinkcolor" val="tx"/>
+                    </a:ext>
+                  </a:extLst>
+                </a:hlinkClick>
+              </a:rPr>
+              <a:t>Polytechnic Intake</a:t>
+            </a:r>
+            <a:endParaRPr lang="en-US" dirty="0">
+              <a:solidFill>
+                <a:schemeClr val="bg1"/>
+              </a:solidFill>
+              <a:latin typeface="Futura Medium" panose="020B0602020204020303" pitchFamily="34" charset="-79"/>
+              <a:cs typeface="Futura Medium" panose="020B0602020204020303" pitchFamily="34" charset="-79"/>
+            </a:endParaRPr>
+          </a:p>
+        </p:txBody>
+      </p:sp>
+      <p:sp>
+        <p:nvSpPr>
+          <p:cNvPr id="13" name="Rectangle 12">
+            <a:extLst>
+              <a:ext uri="{FF2B5EF4-FFF2-40B4-BE49-F238E27FC236}">
+                <a16:creationId xmlns:a16="http://schemas.microsoft.com/office/drawing/2014/main" id="{998CBADB-304B-A76D-CFAB-F2C777F1D166}"/>
+              </a:ext>
+            </a:extLst>
+          </p:cNvPr>
+          <p:cNvSpPr/>
+          <p:nvPr/>
+        </p:nvSpPr>
+        <p:spPr>
+          <a:xfrm>
+            <a:off x="8971548" y="1690688"/>
+            <a:ext cx="2145632" cy="2189747"/>
+          </a:xfrm>
+          <a:prstGeom prst="rect">
+            <a:avLst/>
+          </a:prstGeom>
+          <a:noFill/>
+          <a:ln>
+            <a:noFill/>
+          </a:ln>
+        </p:spPr>
+        <p:style>
+          <a:lnRef idx="2">
+            <a:schemeClr val="accent1">
+              <a:shade val="50000"/>
+            </a:schemeClr>
+          </a:lnRef>
+          <a:fillRef idx="1">
+            <a:schemeClr val="accent1"/>
+          </a:fillRef>
+          <a:effectRef idx="0">
+            <a:schemeClr val="accent1"/>
+          </a:effectRef>
+          <a:fontRef idx="minor">
+            <a:schemeClr val="lt1"/>
+          </a:fontRef>
+        </p:style>
+        <p:txBody>
+          <a:bodyPr rtlCol="0" anchor="ctr"/>
+          <a:lstStyle/>
+          <a:p>
+            <a:pPr algn="ctr"/>
+            <a:r>
+              <a:rPr lang="en-US" sz="2400" dirty="0">
+                <a:solidFill>
+                  <a:schemeClr val="bg1"/>
+                </a:solidFill>
+                <a:latin typeface="Futura Medium" panose="020B0602020204020303" pitchFamily="34" charset="-79"/>
+                <a:cs typeface="Futura Medium" panose="020B0602020204020303" pitchFamily="34" charset="-79"/>
+                <a:hlinkClick r:id="rId8">
+                  <a:extLst>
+                    <a:ext uri="{A12FA001-AC4F-418D-AE19-62706E023703}">
+                      <ahyp:hlinkClr xmlns:ahyp="http://schemas.microsoft.com/office/drawing/2018/hyperlinkcolor" val="tx"/>
+                    </a:ext>
+                  </a:extLst>
+                </a:hlinkClick>
+              </a:rPr>
+              <a:t>Paid Overtime Hours</a:t>
+            </a:r>
+            <a:endParaRPr lang="en-US" sz="2400" dirty="0">
+              <a:solidFill>
+                <a:schemeClr val="bg1"/>
+              </a:solidFill>
+              <a:latin typeface="Futura Medium" panose="020B0602020204020303" pitchFamily="34" charset="-79"/>
+              <a:cs typeface="Futura Medium" panose="020B0602020204020303" pitchFamily="34" charset="-79"/>
+            </a:endParaRPr>
+          </a:p>
+        </p:txBody>
+      </p:sp>
+      <p:sp>
+        <p:nvSpPr>
+          <p:cNvPr id="14" name="Rectangle 13">
+            <a:extLst>
+              <a:ext uri="{FF2B5EF4-FFF2-40B4-BE49-F238E27FC236}">
+                <a16:creationId xmlns:a16="http://schemas.microsoft.com/office/drawing/2014/main" id="{48740787-B405-F5B8-BBEF-859E89728CF1}"/>
+              </a:ext>
+            </a:extLst>
+          </p:cNvPr>
+          <p:cNvSpPr/>
+          <p:nvPr/>
+        </p:nvSpPr>
+        <p:spPr>
+          <a:xfrm>
+            <a:off x="8971547" y="4303128"/>
+            <a:ext cx="2145632" cy="2189747"/>
+          </a:xfrm>
+          <a:prstGeom prst="rect">
+            <a:avLst/>
+          </a:prstGeom>
+          <a:noFill/>
+          <a:ln>
+            <a:noFill/>
+          </a:ln>
+        </p:spPr>
+        <p:style>
+          <a:lnRef idx="2">
+            <a:schemeClr val="accent1">
+              <a:shade val="50000"/>
+            </a:schemeClr>
+          </a:lnRef>
+          <a:fillRef idx="1">
+            <a:schemeClr val="accent1"/>
+          </a:fillRef>
+          <a:effectRef idx="0">
+            <a:schemeClr val="accent1"/>
+          </a:effectRef>
+          <a:fontRef idx="minor">
+            <a:schemeClr val="lt1"/>
+          </a:fontRef>
+        </p:style>
+        <p:txBody>
+          <a:bodyPr rtlCol="0" anchor="ctr"/>
+          <a:lstStyle/>
+          <a:p>
+            <a:pPr algn="ctr"/>
+            <a:r>
+              <a:rPr lang="en-US" sz="2400" dirty="0">
+                <a:solidFill>
+                  <a:schemeClr val="bg1"/>
+                </a:solidFill>
+                <a:latin typeface="Futura Medium" panose="020B0602020204020303" pitchFamily="34" charset="-79"/>
+                <a:cs typeface="Futura Medium" panose="020B0602020204020303" pitchFamily="34" charset="-79"/>
+                <a:hlinkClick r:id="rId9">
+                  <a:extLst>
+                    <a:ext uri="{A12FA001-AC4F-418D-AE19-62706E023703}">
+                      <ahyp:hlinkClr xmlns:ahyp="http://schemas.microsoft.com/office/drawing/2018/hyperlinkcolor" val="tx"/>
+                    </a:ext>
+                  </a:extLst>
+                </a:hlinkClick>
+              </a:rPr>
+              <a:t>University Intake</a:t>
+            </a:r>
+            <a:endParaRPr lang="en-US" dirty="0">
+              <a:solidFill>
+                <a:schemeClr val="bg1"/>
+              </a:solidFill>
+              <a:latin typeface="Futura Medium" panose="020B0602020204020303" pitchFamily="34" charset="-79"/>
+              <a:cs typeface="Futura Medium" panose="020B0602020204020303" pitchFamily="34" charset="-79"/>
+            </a:endParaRPr>
+          </a:p>
+        </p:txBody>
+      </p:sp>
+      <p:cxnSp>
+        <p:nvCxnSpPr>
+          <p:cNvPr id="18" name="Straight Connector 17">
+            <a:extLst>
+              <a:ext uri="{FF2B5EF4-FFF2-40B4-BE49-F238E27FC236}">
+                <a16:creationId xmlns:a16="http://schemas.microsoft.com/office/drawing/2014/main" id="{6FA7B6FC-AC5A-D4FF-508F-D45107C6E6DF}"/>
+              </a:ext>
+            </a:extLst>
+          </p:cNvPr>
+          <p:cNvCxnSpPr>
+            <a:cxnSpLocks/>
+          </p:cNvCxnSpPr>
+          <p:nvPr/>
+        </p:nvCxnSpPr>
+        <p:spPr>
+          <a:xfrm>
+            <a:off x="3453063" y="1762880"/>
+            <a:ext cx="0" cy="2027070"/>
+          </a:xfrm>
+          <a:prstGeom prst="line">
+            <a:avLst/>
+          </a:prstGeom>
+          <a:ln w="38100">
+            <a:solidFill>
+              <a:schemeClr val="bg1"/>
+            </a:solidFill>
+          </a:ln>
+        </p:spPr>
+        <p:style>
+          <a:lnRef idx="1">
+            <a:schemeClr val="accent1"/>
+          </a:lnRef>
+          <a:fillRef idx="0">
+            <a:schemeClr val="accent1"/>
+          </a:fillRef>
+          <a:effectRef idx="0">
+            <a:schemeClr val="accent1"/>
+          </a:effectRef>
+          <a:fontRef idx="minor">
+            <a:schemeClr val="tx1"/>
+          </a:fontRef>
+        </p:style>
+      </p:cxnSp>
+      <p:cxnSp>
+        <p:nvCxnSpPr>
+          <p:cNvPr id="28" name="Straight Connector 27">
+            <a:extLst>
+              <a:ext uri="{FF2B5EF4-FFF2-40B4-BE49-F238E27FC236}">
+                <a16:creationId xmlns:a16="http://schemas.microsoft.com/office/drawing/2014/main" id="{7F5BD9B5-165E-1E82-5BB8-256DABA7EC7C}"/>
+              </a:ext>
+            </a:extLst>
+          </p:cNvPr>
+          <p:cNvCxnSpPr>
+            <a:cxnSpLocks/>
+          </p:cNvCxnSpPr>
+          <p:nvPr/>
+        </p:nvCxnSpPr>
+        <p:spPr>
+          <a:xfrm>
+            <a:off x="3453063" y="4465805"/>
+            <a:ext cx="0" cy="2027070"/>
+          </a:xfrm>
+          <a:prstGeom prst="line">
+            <a:avLst/>
+          </a:prstGeom>
+          <a:ln w="38100">
+            <a:solidFill>
+              <a:schemeClr val="bg1"/>
+            </a:solidFill>
+          </a:ln>
+        </p:spPr>
+        <p:style>
+          <a:lnRef idx="1">
+            <a:schemeClr val="accent1"/>
+          </a:lnRef>
+          <a:fillRef idx="0">
+            <a:schemeClr val="accent1"/>
+          </a:fillRef>
+          <a:effectRef idx="0">
+            <a:schemeClr val="accent1"/>
+          </a:effectRef>
+          <a:fontRef idx="minor">
+            <a:schemeClr val="tx1"/>
+          </a:fontRef>
+        </p:style>
+      </p:cxnSp>
+      <p:cxnSp>
+        <p:nvCxnSpPr>
+          <p:cNvPr id="29" name="Straight Connector 28">
+            <a:extLst>
+              <a:ext uri="{FF2B5EF4-FFF2-40B4-BE49-F238E27FC236}">
+                <a16:creationId xmlns:a16="http://schemas.microsoft.com/office/drawing/2014/main" id="{C7417A65-FA6C-C25C-65B6-02FCDBF9A7A8}"/>
+              </a:ext>
+            </a:extLst>
+          </p:cNvPr>
+          <p:cNvCxnSpPr>
+            <a:cxnSpLocks/>
+          </p:cNvCxnSpPr>
+          <p:nvPr/>
+        </p:nvCxnSpPr>
+        <p:spPr>
+          <a:xfrm>
+            <a:off x="6079958" y="1690688"/>
+            <a:ext cx="0" cy="2027070"/>
+          </a:xfrm>
+          <a:prstGeom prst="line">
+            <a:avLst/>
+          </a:prstGeom>
+          <a:ln w="38100">
+            <a:solidFill>
+              <a:schemeClr val="bg1"/>
+            </a:solidFill>
+          </a:ln>
+        </p:spPr>
+        <p:style>
+          <a:lnRef idx="1">
+            <a:schemeClr val="accent1"/>
+          </a:lnRef>
+          <a:fillRef idx="0">
+            <a:schemeClr val="accent1"/>
+          </a:fillRef>
+          <a:effectRef idx="0">
+            <a:schemeClr val="accent1"/>
+          </a:effectRef>
+          <a:fontRef idx="minor">
+            <a:schemeClr val="tx1"/>
+          </a:fontRef>
+        </p:style>
+      </p:cxnSp>
+      <p:cxnSp>
+        <p:nvCxnSpPr>
+          <p:cNvPr id="30" name="Straight Connector 29">
+            <a:extLst>
+              <a:ext uri="{FF2B5EF4-FFF2-40B4-BE49-F238E27FC236}">
+                <a16:creationId xmlns:a16="http://schemas.microsoft.com/office/drawing/2014/main" id="{90C7145B-2891-A432-CF94-26AF8A3138C5}"/>
+              </a:ext>
+            </a:extLst>
+          </p:cNvPr>
+          <p:cNvCxnSpPr>
+            <a:cxnSpLocks/>
+          </p:cNvCxnSpPr>
+          <p:nvPr/>
+        </p:nvCxnSpPr>
+        <p:spPr>
+          <a:xfrm>
+            <a:off x="6079958" y="4393613"/>
+            <a:ext cx="0" cy="2027070"/>
+          </a:xfrm>
+          <a:prstGeom prst="line">
+            <a:avLst/>
+          </a:prstGeom>
+          <a:ln w="38100">
+            <a:solidFill>
+              <a:schemeClr val="bg1"/>
+            </a:solidFill>
+          </a:ln>
+        </p:spPr>
+        <p:style>
+          <a:lnRef idx="1">
+            <a:schemeClr val="accent1"/>
+          </a:lnRef>
+          <a:fillRef idx="0">
+            <a:schemeClr val="accent1"/>
+          </a:fillRef>
+          <a:effectRef idx="0">
+            <a:schemeClr val="accent1"/>
+          </a:effectRef>
+          <a:fontRef idx="minor">
+            <a:schemeClr val="tx1"/>
+          </a:fontRef>
+        </p:style>
+      </p:cxnSp>
+      <p:cxnSp>
+        <p:nvCxnSpPr>
+          <p:cNvPr id="31" name="Straight Connector 30">
+            <a:extLst>
+              <a:ext uri="{FF2B5EF4-FFF2-40B4-BE49-F238E27FC236}">
+                <a16:creationId xmlns:a16="http://schemas.microsoft.com/office/drawing/2014/main" id="{1D09FD1B-BE56-C048-359E-7E1ECD727863}"/>
+              </a:ext>
+            </a:extLst>
+          </p:cNvPr>
+          <p:cNvCxnSpPr>
+            <a:cxnSpLocks/>
+          </p:cNvCxnSpPr>
+          <p:nvPr/>
+        </p:nvCxnSpPr>
+        <p:spPr>
+          <a:xfrm>
+            <a:off x="8718884" y="1762880"/>
+            <a:ext cx="0" cy="2027070"/>
+          </a:xfrm>
+          <a:prstGeom prst="line">
+            <a:avLst/>
+          </a:prstGeom>
+          <a:ln w="38100">
+            <a:solidFill>
+              <a:schemeClr val="bg1"/>
+            </a:solidFill>
+          </a:ln>
+        </p:spPr>
+        <p:style>
+          <a:lnRef idx="1">
+            <a:schemeClr val="accent1"/>
+          </a:lnRef>
+          <a:fillRef idx="0">
+            <a:schemeClr val="accent1"/>
+          </a:fillRef>
+          <a:effectRef idx="0">
+            <a:schemeClr val="accent1"/>
+          </a:effectRef>
+          <a:fontRef idx="minor">
+            <a:schemeClr val="tx1"/>
+          </a:fontRef>
+        </p:style>
+      </p:cxnSp>
+      <p:cxnSp>
+        <p:nvCxnSpPr>
+          <p:cNvPr id="32" name="Straight Connector 31">
+            <a:extLst>
+              <a:ext uri="{FF2B5EF4-FFF2-40B4-BE49-F238E27FC236}">
+                <a16:creationId xmlns:a16="http://schemas.microsoft.com/office/drawing/2014/main" id="{B6BBD13A-D87C-E20E-D1B3-DC029EDE95EA}"/>
+              </a:ext>
+            </a:extLst>
+          </p:cNvPr>
+          <p:cNvCxnSpPr>
+            <a:cxnSpLocks/>
+          </p:cNvCxnSpPr>
+          <p:nvPr/>
+        </p:nvCxnSpPr>
+        <p:spPr>
+          <a:xfrm>
+            <a:off x="8718884" y="4465805"/>
+            <a:ext cx="0" cy="2027070"/>
+          </a:xfrm>
+          <a:prstGeom prst="line">
+            <a:avLst/>
+          </a:prstGeom>
+          <a:ln w="38100">
+            <a:solidFill>
+              <a:schemeClr val="bg1"/>
+            </a:solidFill>
+          </a:ln>
+        </p:spPr>
+        <p:style>
+          <a:lnRef idx="1">
+            <a:schemeClr val="accent1"/>
+          </a:lnRef>
+          <a:fillRef idx="0">
+            <a:schemeClr val="accent1"/>
+          </a:fillRef>
+          <a:effectRef idx="0">
+            <a:schemeClr val="accent1"/>
+          </a:effectRef>
+          <a:fontRef idx="minor">
+            <a:schemeClr val="tx1"/>
+          </a:fontRef>
+        </p:style>
+      </p:cxnSp>
+      <p:cxnSp>
+        <p:nvCxnSpPr>
+          <p:cNvPr id="34" name="Straight Connector 33">
+            <a:extLst>
+              <a:ext uri="{FF2B5EF4-FFF2-40B4-BE49-F238E27FC236}">
+                <a16:creationId xmlns:a16="http://schemas.microsoft.com/office/drawing/2014/main" id="{8122784C-1FA3-2A4D-7155-8FBDD2675006}"/>
+              </a:ext>
+            </a:extLst>
+          </p:cNvPr>
+          <p:cNvCxnSpPr>
+            <a:cxnSpLocks/>
+          </p:cNvCxnSpPr>
+          <p:nvPr/>
+        </p:nvCxnSpPr>
+        <p:spPr>
+          <a:xfrm rot="5400000">
+            <a:off x="2088355" y="3059408"/>
+            <a:ext cx="0" cy="2027070"/>
+          </a:xfrm>
+          <a:prstGeom prst="line">
+            <a:avLst/>
+          </a:prstGeom>
+          <a:ln w="38100">
+            <a:solidFill>
+              <a:schemeClr val="bg1"/>
+            </a:solidFill>
+          </a:ln>
+        </p:spPr>
+        <p:style>
+          <a:lnRef idx="1">
+            <a:schemeClr val="accent1"/>
+          </a:lnRef>
+          <a:fillRef idx="0">
+            <a:schemeClr val="accent1"/>
+          </a:fillRef>
+          <a:effectRef idx="0">
+            <a:schemeClr val="accent1"/>
+          </a:effectRef>
+          <a:fontRef idx="minor">
+            <a:schemeClr val="tx1"/>
+          </a:fontRef>
+        </p:style>
+      </p:cxnSp>
+      <p:cxnSp>
+        <p:nvCxnSpPr>
+          <p:cNvPr id="35" name="Straight Connector 34">
+            <a:extLst>
+              <a:ext uri="{FF2B5EF4-FFF2-40B4-BE49-F238E27FC236}">
+                <a16:creationId xmlns:a16="http://schemas.microsoft.com/office/drawing/2014/main" id="{545ABE91-8869-5E68-05A6-37AEF2A2FDFF}"/>
+              </a:ext>
+            </a:extLst>
+          </p:cNvPr>
+          <p:cNvCxnSpPr>
+            <a:cxnSpLocks/>
+          </p:cNvCxnSpPr>
+          <p:nvPr/>
+        </p:nvCxnSpPr>
+        <p:spPr>
+          <a:xfrm rot="5400000">
+            <a:off x="4720598" y="3059408"/>
+            <a:ext cx="0" cy="2027070"/>
+          </a:xfrm>
+          <a:prstGeom prst="line">
+            <a:avLst/>
+          </a:prstGeom>
+          <a:ln w="38100">
+            <a:solidFill>
+              <a:schemeClr val="bg1"/>
+            </a:solidFill>
+          </a:ln>
+        </p:spPr>
+        <p:style>
+          <a:lnRef idx="1">
+            <a:schemeClr val="accent1"/>
+          </a:lnRef>
+          <a:fillRef idx="0">
+            <a:schemeClr val="accent1"/>
+          </a:fillRef>
+          <a:effectRef idx="0">
+            <a:schemeClr val="accent1"/>
+          </a:effectRef>
+          <a:fontRef idx="minor">
+            <a:schemeClr val="tx1"/>
+          </a:fontRef>
+        </p:style>
+      </p:cxnSp>
+      <p:cxnSp>
+        <p:nvCxnSpPr>
+          <p:cNvPr id="36" name="Straight Connector 35">
+            <a:extLst>
+              <a:ext uri="{FF2B5EF4-FFF2-40B4-BE49-F238E27FC236}">
+                <a16:creationId xmlns:a16="http://schemas.microsoft.com/office/drawing/2014/main" id="{D019974B-00CC-8103-900B-79FDB8BCB795}"/>
+              </a:ext>
+            </a:extLst>
+          </p:cNvPr>
+          <p:cNvCxnSpPr>
+            <a:cxnSpLocks/>
+          </p:cNvCxnSpPr>
+          <p:nvPr/>
+        </p:nvCxnSpPr>
+        <p:spPr>
+          <a:xfrm rot="5400000">
+            <a:off x="7352840" y="3079967"/>
+            <a:ext cx="0" cy="2027070"/>
+          </a:xfrm>
+          <a:prstGeom prst="line">
+            <a:avLst/>
+          </a:prstGeom>
+          <a:ln w="38100">
+            <a:solidFill>
+              <a:schemeClr val="bg1"/>
+            </a:solidFill>
+          </a:ln>
+        </p:spPr>
+        <p:style>
+          <a:lnRef idx="1">
+            <a:schemeClr val="accent1"/>
+          </a:lnRef>
+          <a:fillRef idx="0">
+            <a:schemeClr val="accent1"/>
+          </a:fillRef>
+          <a:effectRef idx="0">
+            <a:schemeClr val="accent1"/>
+          </a:effectRef>
+          <a:fontRef idx="minor">
+            <a:schemeClr val="tx1"/>
+          </a:fontRef>
+        </p:style>
+      </p:cxnSp>
+      <p:cxnSp>
+        <p:nvCxnSpPr>
+          <p:cNvPr id="37" name="Straight Connector 36">
+            <a:extLst>
+              <a:ext uri="{FF2B5EF4-FFF2-40B4-BE49-F238E27FC236}">
+                <a16:creationId xmlns:a16="http://schemas.microsoft.com/office/drawing/2014/main" id="{3AF8BC1C-5CC3-41CC-EA13-AD33B68C8F29}"/>
+              </a:ext>
+            </a:extLst>
+          </p:cNvPr>
+          <p:cNvCxnSpPr>
+            <a:cxnSpLocks/>
+          </p:cNvCxnSpPr>
+          <p:nvPr/>
+        </p:nvCxnSpPr>
+        <p:spPr>
+          <a:xfrm rot="5400000">
+            <a:off x="10103644" y="3079967"/>
+            <a:ext cx="0" cy="2027070"/>
+          </a:xfrm>
+          <a:prstGeom prst="line">
+            <a:avLst/>
+          </a:prstGeom>
+          <a:ln w="38100">
+            <a:solidFill>
+              <a:schemeClr val="bg1"/>
+            </a:solidFill>
+          </a:ln>
+        </p:spPr>
+        <p:style>
+          <a:lnRef idx="1">
+            <a:schemeClr val="accent1"/>
+          </a:lnRef>
+          <a:fillRef idx="0">
+            <a:schemeClr val="accent1"/>
+          </a:fillRef>
+          <a:effectRef idx="0">
+            <a:schemeClr val="accent1"/>
+          </a:effectRef>
+          <a:fontRef idx="minor">
+            <a:schemeClr val="tx1"/>
+          </a:fontRef>
+        </p:style>
+      </p:cxnSp>
+    </p:spTree>
+    <p:extLst>
+      <p:ext uri="{BB962C8B-B14F-4D97-AF65-F5344CB8AC3E}">
+        <p14:creationId xmlns:p14="http://schemas.microsoft.com/office/powerpoint/2010/main" val="2557700483"/>
+      </p:ext>
+    </p:extLst>
+  </p:cSld>
+  <p:clrMapOvr>
+    <a:masterClrMapping/>
+  </p:clrMapOvr>
+</p:sld>
+</file>
+
+<file path=ppt/slides/slide3.xml><?xml version="1.0" encoding="utf-8"?>
+<p:sld xmlns:a="http://schemas.openxmlformats.org/drawingml/2006/main" xmlns:r="http://schemas.openxmlformats.org/officeDocument/2006/relationships" xmlns:p="http://schemas.openxmlformats.org/presentationml/2006/main">
+  <p:cSld>
+    <p:spTree>
+      <p:nvGrpSpPr>
+        <p:cNvPr id="1" name=""/>
+        <p:cNvGrpSpPr/>
+        <p:nvPr/>
+      </p:nvGrpSpPr>
+      <p:grpSpPr>
+        <a:xfrm>
+          <a:off x="0" y="0"/>
+          <a:ext cx="0" cy="0"/>
+          <a:chOff x="0" y="0"/>
+          <a:chExt cx="0" cy="0"/>
+        </a:xfrm>
+      </p:grpSpPr>
+      <p:sp>
+        <p:nvSpPr>
+          <p:cNvPr id="2" name="Title 1">
+            <a:extLst>
+              <a:ext uri="{FF2B5EF4-FFF2-40B4-BE49-F238E27FC236}">
+                <a16:creationId xmlns:a16="http://schemas.microsoft.com/office/drawing/2014/main" id="{B39AE56C-9377-265B-12C0-7473FC42E57E}"/>
+              </a:ext>
+            </a:extLst>
+          </p:cNvPr>
+          <p:cNvSpPr>
+            <a:spLocks noGrp="1"/>
+          </p:cNvSpPr>
+          <p:nvPr>
+            <p:ph type="title"/>
+          </p:nvPr>
+        </p:nvSpPr>
+        <p:spPr>
+          <a:xfrm>
+            <a:off x="838200" y="365125"/>
+            <a:ext cx="10515600" cy="1018507"/>
+          </a:xfrm>
+        </p:spPr>
+        <p:txBody>
+          <a:bodyPr/>
+          <a:lstStyle/>
+          <a:p>
+            <a:pPr algn="ctr"/>
+            <a:r>
+              <a:rPr lang="en-US" dirty="0"/>
+              <a:t>Datasets</a:t>
+            </a:r>
+          </a:p>
+        </p:txBody>
+      </p:sp>
+      <p:sp>
+        <p:nvSpPr>
+          <p:cNvPr id="7" name="Rectangle 6">
+            <a:extLst>
+              <a:ext uri="{FF2B5EF4-FFF2-40B4-BE49-F238E27FC236}">
+                <a16:creationId xmlns:a16="http://schemas.microsoft.com/office/drawing/2014/main" id="{9833B81C-C03B-96D7-162C-75EE2B09F442}"/>
+              </a:ext>
+            </a:extLst>
+          </p:cNvPr>
+          <p:cNvSpPr/>
+          <p:nvPr/>
+        </p:nvSpPr>
+        <p:spPr>
+          <a:xfrm>
+            <a:off x="1074820" y="1690688"/>
+            <a:ext cx="4720389" cy="2189747"/>
+          </a:xfrm>
+          <a:prstGeom prst="rect">
+            <a:avLst/>
+          </a:prstGeom>
+          <a:noFill/>
+          <a:ln>
+            <a:noFill/>
+          </a:ln>
+        </p:spPr>
+        <p:style>
+          <a:lnRef idx="2">
+            <a:schemeClr val="accent1">
+              <a:shade val="50000"/>
+            </a:schemeClr>
+          </a:lnRef>
+          <a:fillRef idx="1">
+            <a:schemeClr val="accent1"/>
+          </a:fillRef>
+          <a:effectRef idx="0">
+            <a:schemeClr val="accent1"/>
+          </a:effectRef>
+          <a:fontRef idx="minor">
+            <a:schemeClr val="lt1"/>
+          </a:fontRef>
+        </p:style>
+        <p:txBody>
+          <a:bodyPr rtlCol="0" anchor="ctr"/>
+          <a:lstStyle/>
+          <a:p>
+            <a:pPr algn="ctr"/>
+            <a:r>
+              <a:rPr lang="en-US" sz="2400" dirty="0">
+                <a:latin typeface="Futura Medium" panose="020B0602020204020303" pitchFamily="34" charset="-79"/>
+                <a:cs typeface="Futura Medium" panose="020B0602020204020303" pitchFamily="34" charset="-79"/>
+              </a:rPr>
+              <a:t>Filtered to Information, Communications and Technology industry data</a:t>
+            </a:r>
+          </a:p>
+        </p:txBody>
+      </p:sp>
+      <p:cxnSp>
+        <p:nvCxnSpPr>
+          <p:cNvPr id="18" name="Straight Connector 17">
+            <a:extLst>
+              <a:ext uri="{FF2B5EF4-FFF2-40B4-BE49-F238E27FC236}">
+                <a16:creationId xmlns:a16="http://schemas.microsoft.com/office/drawing/2014/main" id="{6FA7B6FC-AC5A-D4FF-508F-D45107C6E6DF}"/>
+              </a:ext>
+            </a:extLst>
+          </p:cNvPr>
+          <p:cNvCxnSpPr>
+            <a:cxnSpLocks/>
+          </p:cNvCxnSpPr>
+          <p:nvPr/>
+        </p:nvCxnSpPr>
+        <p:spPr>
+          <a:xfrm flipH="1">
+            <a:off x="956511" y="4051763"/>
+            <a:ext cx="10278979" cy="0"/>
+          </a:xfrm>
+          <a:prstGeom prst="line">
+            <a:avLst/>
+          </a:prstGeom>
+          <a:ln w="38100">
+            <a:solidFill>
+              <a:schemeClr val="bg1"/>
+            </a:solidFill>
+          </a:ln>
+        </p:spPr>
+        <p:style>
+          <a:lnRef idx="1">
+            <a:schemeClr val="accent1"/>
+          </a:lnRef>
+          <a:fillRef idx="0">
+            <a:schemeClr val="accent1"/>
+          </a:fillRef>
+          <a:effectRef idx="0">
+            <a:schemeClr val="accent1"/>
+          </a:effectRef>
+          <a:fontRef idx="minor">
+            <a:schemeClr val="tx1"/>
+          </a:fontRef>
+        </p:style>
+      </p:cxnSp>
+      <p:cxnSp>
+        <p:nvCxnSpPr>
+          <p:cNvPr id="29" name="Straight Connector 28">
+            <a:extLst>
+              <a:ext uri="{FF2B5EF4-FFF2-40B4-BE49-F238E27FC236}">
+                <a16:creationId xmlns:a16="http://schemas.microsoft.com/office/drawing/2014/main" id="{C7417A65-FA6C-C25C-65B6-02FCDBF9A7A8}"/>
+              </a:ext>
+            </a:extLst>
+          </p:cNvPr>
+          <p:cNvCxnSpPr>
+            <a:cxnSpLocks/>
+          </p:cNvCxnSpPr>
+          <p:nvPr/>
+        </p:nvCxnSpPr>
+        <p:spPr>
+          <a:xfrm>
+            <a:off x="6079958" y="1690688"/>
+            <a:ext cx="8021" cy="4661986"/>
+          </a:xfrm>
+          <a:prstGeom prst="line">
+            <a:avLst/>
+          </a:prstGeom>
+          <a:ln w="38100">
+            <a:solidFill>
+              <a:schemeClr val="bg1"/>
+            </a:solidFill>
+          </a:ln>
+        </p:spPr>
+        <p:style>
+          <a:lnRef idx="1">
+            <a:schemeClr val="accent1"/>
+          </a:lnRef>
+          <a:fillRef idx="0">
+            <a:schemeClr val="accent1"/>
+          </a:fillRef>
+          <a:effectRef idx="0">
+            <a:schemeClr val="accent1"/>
+          </a:effectRef>
+          <a:fontRef idx="minor">
+            <a:schemeClr val="tx1"/>
+          </a:fontRef>
+        </p:style>
+      </p:cxnSp>
+      <p:sp>
+        <p:nvSpPr>
+          <p:cNvPr id="15" name="Rectangle 14">
+            <a:extLst>
+              <a:ext uri="{FF2B5EF4-FFF2-40B4-BE49-F238E27FC236}">
+                <a16:creationId xmlns:a16="http://schemas.microsoft.com/office/drawing/2014/main" id="{6E4585F0-D5B0-302E-8372-87D5CF8D1C98}"/>
+              </a:ext>
+            </a:extLst>
+          </p:cNvPr>
+          <p:cNvSpPr/>
+          <p:nvPr/>
+        </p:nvSpPr>
+        <p:spPr>
+          <a:xfrm>
+            <a:off x="6372728" y="1690688"/>
+            <a:ext cx="4720389" cy="2189747"/>
+          </a:xfrm>
+          <a:prstGeom prst="rect">
+            <a:avLst/>
+          </a:prstGeom>
+          <a:noFill/>
+          <a:ln>
+            <a:noFill/>
+          </a:ln>
+        </p:spPr>
+        <p:style>
+          <a:lnRef idx="2">
+            <a:schemeClr val="accent1">
+              <a:shade val="50000"/>
+            </a:schemeClr>
+          </a:lnRef>
+          <a:fillRef idx="1">
+            <a:schemeClr val="accent1"/>
+          </a:fillRef>
+          <a:effectRef idx="0">
+            <a:schemeClr val="accent1"/>
+          </a:effectRef>
+          <a:fontRef idx="minor">
+            <a:schemeClr val="lt1"/>
+          </a:fontRef>
+        </p:style>
+        <p:txBody>
+          <a:bodyPr rtlCol="0" anchor="ctr"/>
+          <a:lstStyle/>
+          <a:p>
+            <a:pPr algn="ctr"/>
+            <a:r>
+              <a:rPr lang="en-US" sz="2400" dirty="0">
+                <a:latin typeface="Futura Medium" panose="020B0602020204020303" pitchFamily="34" charset="-79"/>
+                <a:cs typeface="Futura Medium" panose="020B0602020204020303" pitchFamily="34" charset="-79"/>
+              </a:rPr>
+              <a:t>Data with quarter column was split into year and quarter columns using </a:t>
+            </a:r>
+            <a:r>
+              <a:rPr lang="en-US" sz="2400" dirty="0" err="1">
+                <a:latin typeface="Futura Medium" panose="020B0602020204020303" pitchFamily="34" charset="-79"/>
+                <a:cs typeface="Futura Medium" panose="020B0602020204020303" pitchFamily="34" charset="-79"/>
+              </a:rPr>
+              <a:t>pd.str.split</a:t>
+            </a:r>
+            <a:r>
+              <a:rPr lang="en-US" sz="2400" dirty="0">
+                <a:latin typeface="Futura Medium" panose="020B0602020204020303" pitchFamily="34" charset="-79"/>
+                <a:cs typeface="Futura Medium" panose="020B0602020204020303" pitchFamily="34" charset="-79"/>
+              </a:rPr>
+              <a:t>()</a:t>
+            </a:r>
+          </a:p>
+        </p:txBody>
+      </p:sp>
+      <p:sp>
+        <p:nvSpPr>
+          <p:cNvPr id="16" name="Rectangle 15">
+            <a:extLst>
+              <a:ext uri="{FF2B5EF4-FFF2-40B4-BE49-F238E27FC236}">
+                <a16:creationId xmlns:a16="http://schemas.microsoft.com/office/drawing/2014/main" id="{6D4DCC91-1E8E-4F73-47E4-65296C41D9A1}"/>
+              </a:ext>
+            </a:extLst>
+          </p:cNvPr>
+          <p:cNvSpPr/>
+          <p:nvPr/>
+        </p:nvSpPr>
+        <p:spPr>
+          <a:xfrm>
+            <a:off x="1074820" y="4223092"/>
+            <a:ext cx="4720389" cy="2189747"/>
+          </a:xfrm>
+          <a:prstGeom prst="rect">
+            <a:avLst/>
+          </a:prstGeom>
+          <a:noFill/>
+          <a:ln>
+            <a:noFill/>
+          </a:ln>
+        </p:spPr>
+        <p:style>
+          <a:lnRef idx="2">
+            <a:schemeClr val="accent1">
+              <a:shade val="50000"/>
+            </a:schemeClr>
+          </a:lnRef>
+          <a:fillRef idx="1">
+            <a:schemeClr val="accent1"/>
+          </a:fillRef>
+          <a:effectRef idx="0">
+            <a:schemeClr val="accent1"/>
+          </a:effectRef>
+          <a:fontRef idx="minor">
+            <a:schemeClr val="lt1"/>
+          </a:fontRef>
+        </p:style>
+        <p:txBody>
+          <a:bodyPr rtlCol="0" anchor="ctr"/>
+          <a:lstStyle/>
+          <a:p>
+            <a:pPr algn="ctr"/>
+            <a:r>
+              <a:rPr lang="en-US" sz="2400" dirty="0">
+                <a:latin typeface="Futura Medium" panose="020B0602020204020303" pitchFamily="34" charset="-79"/>
+                <a:cs typeface="Futura Medium" panose="020B0602020204020303" pitchFamily="34" charset="-79"/>
+              </a:rPr>
+              <a:t>Data was merged using inner join by year and/or quarter columns using </a:t>
+            </a:r>
+            <a:r>
+              <a:rPr lang="en-US" sz="2400" dirty="0" err="1">
+                <a:latin typeface="Futura Medium" panose="020B0602020204020303" pitchFamily="34" charset="-79"/>
+                <a:cs typeface="Futura Medium" panose="020B0602020204020303" pitchFamily="34" charset="-79"/>
+              </a:rPr>
+              <a:t>pd.join</a:t>
+            </a:r>
+            <a:r>
+              <a:rPr lang="en-US" sz="2400" dirty="0">
+                <a:latin typeface="Futura Medium" panose="020B0602020204020303" pitchFamily="34" charset="-79"/>
+                <a:cs typeface="Futura Medium" panose="020B0602020204020303" pitchFamily="34" charset="-79"/>
+              </a:rPr>
+              <a:t>()</a:t>
+            </a:r>
+          </a:p>
+        </p:txBody>
+      </p:sp>
+      <p:sp>
+        <p:nvSpPr>
+          <p:cNvPr id="19" name="Rectangle 18">
+            <a:extLst>
+              <a:ext uri="{FF2B5EF4-FFF2-40B4-BE49-F238E27FC236}">
+                <a16:creationId xmlns:a16="http://schemas.microsoft.com/office/drawing/2014/main" id="{A03DA300-E878-27EC-C4EA-EEB27E6C570B}"/>
+              </a:ext>
+            </a:extLst>
+          </p:cNvPr>
+          <p:cNvSpPr/>
+          <p:nvPr/>
+        </p:nvSpPr>
+        <p:spPr>
+          <a:xfrm>
+            <a:off x="6372727" y="4223092"/>
+            <a:ext cx="4720389" cy="2189747"/>
+          </a:xfrm>
+          <a:prstGeom prst="rect">
+            <a:avLst/>
+          </a:prstGeom>
+          <a:noFill/>
+          <a:ln>
+            <a:noFill/>
+          </a:ln>
+        </p:spPr>
+        <p:style>
+          <a:lnRef idx="2">
+            <a:schemeClr val="accent1">
+              <a:shade val="50000"/>
+            </a:schemeClr>
+          </a:lnRef>
+          <a:fillRef idx="1">
+            <a:schemeClr val="accent1"/>
+          </a:fillRef>
+          <a:effectRef idx="0">
+            <a:schemeClr val="accent1"/>
+          </a:effectRef>
+          <a:fontRef idx="minor">
+            <a:schemeClr val="lt1"/>
+          </a:fontRef>
+        </p:style>
+        <p:txBody>
+          <a:bodyPr rtlCol="0" anchor="ctr"/>
+          <a:lstStyle/>
+          <a:p>
+            <a:pPr algn="ctr"/>
+            <a:r>
+              <a:rPr lang="en-US" sz="2400" dirty="0">
+                <a:latin typeface="Futura Medium" panose="020B0602020204020303" pitchFamily="34" charset="-79"/>
+                <a:cs typeface="Futura Medium" panose="020B0602020204020303" pitchFamily="34" charset="-79"/>
+              </a:rPr>
+              <a:t>‘-’ values were converted to 0</a:t>
+            </a:r>
+          </a:p>
+        </p:txBody>
+      </p:sp>
+    </p:spTree>
+    <p:extLst>
+      <p:ext uri="{BB962C8B-B14F-4D97-AF65-F5344CB8AC3E}">
+        <p14:creationId xmlns:p14="http://schemas.microsoft.com/office/powerpoint/2010/main" val="2496818191"/>
+      </p:ext>
+    </p:extLst>
+  </p:cSld>
+  <p:clrMapOvr>
+    <a:masterClrMapping/>
+  </p:clrMapOvr>
+  <mc:AlternateContent xmlns:mc="http://schemas.openxmlformats.org/markup-compatibility/2006">
+    <mc:Choice xmlns:p159="http://schemas.microsoft.com/office/powerpoint/2015/09/main" Requires="p159">
+      <p:transition xmlns:p14="http://schemas.microsoft.com/office/powerpoint/2010/main" spd="slow" p14:dur="2000">
+        <p159:morph option="byObject"/>
+      </p:transition>
+    </mc:Choice>
+    <mc:Fallback>
+      <p:transition spd="slow">
+        <p:fade/>
+      </p:transition>
+    </mc:Fallback>
+  </mc:AlternateContent>
+</p:sld>
+</file>
+
+<file path=ppt/slides/slide4.xml><?xml version="1.0" encoding="utf-8"?>
+<p:sld xmlns:a="http://schemas.openxmlformats.org/drawingml/2006/main" xmlns:r="http://schemas.openxmlformats.org/officeDocument/2006/relationships" xmlns:p="http://schemas.openxmlformats.org/presentationml/2006/main">
+  <p:cSld>
+    <p:spTree>
+      <p:nvGrpSpPr>
+        <p:cNvPr id="1" name=""/>
+        <p:cNvGrpSpPr/>
+        <p:nvPr/>
+      </p:nvGrpSpPr>
+      <p:grpSpPr>
+        <a:xfrm>
+          <a:off x="0" y="0"/>
+          <a:ext cx="0" cy="0"/>
+          <a:chOff x="0" y="0"/>
+          <a:chExt cx="0" cy="0"/>
+        </a:xfrm>
+      </p:grpSpPr>
+      <p:sp>
+        <p:nvSpPr>
+          <p:cNvPr id="2" name="Title 1">
+            <a:extLst>
+              <a:ext uri="{FF2B5EF4-FFF2-40B4-BE49-F238E27FC236}">
+                <a16:creationId xmlns:a16="http://schemas.microsoft.com/office/drawing/2014/main" id="{B39AE56C-9377-265B-12C0-7473FC42E57E}"/>
+              </a:ext>
+            </a:extLst>
+          </p:cNvPr>
+          <p:cNvSpPr>
+            <a:spLocks noGrp="1"/>
+          </p:cNvSpPr>
+          <p:nvPr>
+            <p:ph type="title"/>
+          </p:nvPr>
+        </p:nvSpPr>
+        <p:spPr>
+          <a:xfrm>
+            <a:off x="838200" y="365125"/>
+            <a:ext cx="10515600" cy="1018507"/>
+          </a:xfrm>
+        </p:spPr>
+        <p:txBody>
+          <a:bodyPr/>
+          <a:lstStyle/>
+          <a:p>
+            <a:pPr algn="ctr"/>
+            <a:r>
+              <a:rPr lang="en-US" dirty="0"/>
+              <a:t>Datasets</a:t>
+            </a:r>
+          </a:p>
+        </p:txBody>
+      </p:sp>
+      <p:pic>
+        <p:nvPicPr>
+          <p:cNvPr id="6" name="Picture 5" descr="A screenshot of a computer&#10;&#10;Description automatically generated with medium confidence">
+            <a:extLst>
+              <a:ext uri="{FF2B5EF4-FFF2-40B4-BE49-F238E27FC236}">
+                <a16:creationId xmlns:a16="http://schemas.microsoft.com/office/drawing/2014/main" id="{5EDF5434-6C3F-C6D3-CCD7-3FAAF88BFA22}"/>
+              </a:ext>
+            </a:extLst>
+          </p:cNvPr>
+          <p:cNvPicPr>
+            <a:picLocks noChangeAspect="1"/>
+          </p:cNvPicPr>
+          <p:nvPr/>
+        </p:nvPicPr>
+        <p:blipFill>
+          <a:blip r:embed="rId2"/>
+          <a:stretch>
+            <a:fillRect/>
+          </a:stretch>
+        </p:blipFill>
+        <p:spPr>
+          <a:xfrm>
+            <a:off x="2209800" y="1383632"/>
+            <a:ext cx="7772400" cy="3686174"/>
+          </a:xfrm>
+          <a:prstGeom prst="rect">
+            <a:avLst/>
+          </a:prstGeom>
+        </p:spPr>
+      </p:pic>
+      <p:pic>
+        <p:nvPicPr>
+          <p:cNvPr id="16" name="Picture 15" descr="Text&#10;&#10;Description automatically generated">
+            <a:extLst>
+              <a:ext uri="{FF2B5EF4-FFF2-40B4-BE49-F238E27FC236}">
+                <a16:creationId xmlns:a16="http://schemas.microsoft.com/office/drawing/2014/main" id="{66EB742A-3DAB-5EAE-A049-E4613719E0E5}"/>
+              </a:ext>
+            </a:extLst>
+          </p:cNvPr>
+          <p:cNvPicPr>
+            <a:picLocks noChangeAspect="1"/>
+          </p:cNvPicPr>
+          <p:nvPr/>
+        </p:nvPicPr>
+        <p:blipFill>
+          <a:blip r:embed="rId3"/>
+          <a:stretch>
+            <a:fillRect/>
+          </a:stretch>
+        </p:blipFill>
+        <p:spPr>
+          <a:xfrm>
+            <a:off x="199725" y="6098726"/>
+            <a:ext cx="1138605" cy="540000"/>
+          </a:xfrm>
+          <a:prstGeom prst="rect">
+            <a:avLst/>
+          </a:prstGeom>
+        </p:spPr>
+      </p:pic>
+      <p:pic>
+        <p:nvPicPr>
+          <p:cNvPr id="19" name="Picture 18" descr="Text&#10;&#10;Description automatically generated">
+            <a:extLst>
+              <a:ext uri="{FF2B5EF4-FFF2-40B4-BE49-F238E27FC236}">
+                <a16:creationId xmlns:a16="http://schemas.microsoft.com/office/drawing/2014/main" id="{1CF06863-3422-0192-8A6D-52ABD539C933}"/>
+              </a:ext>
+            </a:extLst>
+          </p:cNvPr>
+          <p:cNvPicPr>
+            <a:picLocks noChangeAspect="1"/>
+          </p:cNvPicPr>
+          <p:nvPr/>
+        </p:nvPicPr>
+        <p:blipFill>
+          <a:blip r:embed="rId4"/>
+          <a:stretch>
+            <a:fillRect/>
+          </a:stretch>
+        </p:blipFill>
+        <p:spPr>
+          <a:xfrm>
+            <a:off x="1538864" y="6088313"/>
+            <a:ext cx="1317601" cy="540000"/>
+          </a:xfrm>
+          <a:prstGeom prst="rect">
+            <a:avLst/>
+          </a:prstGeom>
+        </p:spPr>
+      </p:pic>
+      <p:pic>
+        <p:nvPicPr>
+          <p:cNvPr id="21" name="Picture 20" descr="Text&#10;&#10;Description automatically generated">
+            <a:extLst>
+              <a:ext uri="{FF2B5EF4-FFF2-40B4-BE49-F238E27FC236}">
+                <a16:creationId xmlns:a16="http://schemas.microsoft.com/office/drawing/2014/main" id="{53FAB219-DC27-EF56-EA64-978D5C92334D}"/>
+              </a:ext>
+            </a:extLst>
+          </p:cNvPr>
+          <p:cNvPicPr>
+            <a:picLocks noChangeAspect="1"/>
+          </p:cNvPicPr>
+          <p:nvPr/>
+        </p:nvPicPr>
+        <p:blipFill>
+          <a:blip r:embed="rId5"/>
+          <a:stretch>
+            <a:fillRect/>
+          </a:stretch>
+        </p:blipFill>
+        <p:spPr>
+          <a:xfrm>
+            <a:off x="3056999" y="6098726"/>
+            <a:ext cx="775093" cy="540000"/>
+          </a:xfrm>
+          <a:prstGeom prst="rect">
+            <a:avLst/>
+          </a:prstGeom>
+        </p:spPr>
+      </p:pic>
+      <p:pic>
+        <p:nvPicPr>
+          <p:cNvPr id="23" name="Picture 22" descr="A picture containing text, screenshot, monitor&#10;&#10;Description automatically generated">
+            <a:extLst>
+              <a:ext uri="{FF2B5EF4-FFF2-40B4-BE49-F238E27FC236}">
+                <a16:creationId xmlns:a16="http://schemas.microsoft.com/office/drawing/2014/main" id="{77117484-BB41-EA91-72E0-904BEB3B61D2}"/>
+              </a:ext>
+            </a:extLst>
+          </p:cNvPr>
+          <p:cNvPicPr>
+            <a:picLocks noChangeAspect="1"/>
+          </p:cNvPicPr>
+          <p:nvPr/>
+        </p:nvPicPr>
+        <p:blipFill>
+          <a:blip r:embed="rId6"/>
+          <a:stretch>
+            <a:fillRect/>
+          </a:stretch>
+        </p:blipFill>
+        <p:spPr>
+          <a:xfrm>
+            <a:off x="4032626" y="6098726"/>
+            <a:ext cx="1025747" cy="540000"/>
+          </a:xfrm>
+          <a:prstGeom prst="rect">
+            <a:avLst/>
+          </a:prstGeom>
+        </p:spPr>
+      </p:pic>
+      <p:pic>
+        <p:nvPicPr>
+          <p:cNvPr id="25" name="Picture 24" descr="A picture containing text, monitor, black, screen&#10;&#10;Description automatically generated">
+            <a:extLst>
+              <a:ext uri="{FF2B5EF4-FFF2-40B4-BE49-F238E27FC236}">
+                <a16:creationId xmlns:a16="http://schemas.microsoft.com/office/drawing/2014/main" id="{00D9D7CD-BEA6-EE64-870F-24CE9A78FE63}"/>
+              </a:ext>
+            </a:extLst>
+          </p:cNvPr>
+          <p:cNvPicPr>
+            <a:picLocks noChangeAspect="1"/>
+          </p:cNvPicPr>
+          <p:nvPr/>
+        </p:nvPicPr>
+        <p:blipFill>
+          <a:blip r:embed="rId7"/>
+          <a:stretch>
+            <a:fillRect/>
+          </a:stretch>
+        </p:blipFill>
+        <p:spPr>
+          <a:xfrm>
+            <a:off x="5258907" y="6088313"/>
+            <a:ext cx="1189312" cy="540000"/>
+          </a:xfrm>
+          <a:prstGeom prst="rect">
+            <a:avLst/>
+          </a:prstGeom>
+        </p:spPr>
+      </p:pic>
+      <p:pic>
+        <p:nvPicPr>
+          <p:cNvPr id="38" name="Picture 37" descr="Graphical user interface, text, application, chat or text message&#10;&#10;Description automatically generated">
+            <a:extLst>
+              <a:ext uri="{FF2B5EF4-FFF2-40B4-BE49-F238E27FC236}">
+                <a16:creationId xmlns:a16="http://schemas.microsoft.com/office/drawing/2014/main" id="{48C69C16-0065-4E97-A6E4-F7E736D4DBB6}"/>
+              </a:ext>
+            </a:extLst>
+          </p:cNvPr>
+          <p:cNvPicPr>
+            <a:picLocks noChangeAspect="1"/>
+          </p:cNvPicPr>
+          <p:nvPr/>
+        </p:nvPicPr>
+        <p:blipFill>
+          <a:blip r:embed="rId8"/>
+          <a:stretch>
+            <a:fillRect/>
+          </a:stretch>
+        </p:blipFill>
+        <p:spPr>
+          <a:xfrm>
+            <a:off x="6648753" y="6088313"/>
+            <a:ext cx="1037813" cy="540000"/>
+          </a:xfrm>
+          <a:prstGeom prst="rect">
+            <a:avLst/>
+          </a:prstGeom>
+        </p:spPr>
+      </p:pic>
+      <p:pic>
+        <p:nvPicPr>
+          <p:cNvPr id="40" name="Picture 39" descr="Text&#10;&#10;Description automatically generated">
+            <a:extLst>
+              <a:ext uri="{FF2B5EF4-FFF2-40B4-BE49-F238E27FC236}">
+                <a16:creationId xmlns:a16="http://schemas.microsoft.com/office/drawing/2014/main" id="{8310590B-0FC0-AE04-E083-EE76799C1D3E}"/>
+              </a:ext>
+            </a:extLst>
+          </p:cNvPr>
+          <p:cNvPicPr>
+            <a:picLocks noChangeAspect="1"/>
+          </p:cNvPicPr>
+          <p:nvPr/>
+        </p:nvPicPr>
+        <p:blipFill>
+          <a:blip r:embed="rId9"/>
+          <a:stretch>
+            <a:fillRect/>
+          </a:stretch>
+        </p:blipFill>
+        <p:spPr>
+          <a:xfrm>
+            <a:off x="7887100" y="6098726"/>
+            <a:ext cx="644211" cy="540000"/>
+          </a:xfrm>
+          <a:prstGeom prst="rect">
+            <a:avLst/>
+          </a:prstGeom>
+        </p:spPr>
+      </p:pic>
+      <p:pic>
+        <p:nvPicPr>
+          <p:cNvPr id="42" name="Picture 41" descr="Text&#10;&#10;Description automatically generated">
+            <a:extLst>
+              <a:ext uri="{FF2B5EF4-FFF2-40B4-BE49-F238E27FC236}">
+                <a16:creationId xmlns:a16="http://schemas.microsoft.com/office/drawing/2014/main" id="{A007B266-C578-6BDF-3148-7543D9B41931}"/>
+              </a:ext>
+            </a:extLst>
+          </p:cNvPr>
+          <p:cNvPicPr>
+            <a:picLocks noChangeAspect="1"/>
+          </p:cNvPicPr>
+          <p:nvPr/>
+        </p:nvPicPr>
+        <p:blipFill>
+          <a:blip r:embed="rId10"/>
+          <a:stretch>
+            <a:fillRect/>
+          </a:stretch>
+        </p:blipFill>
+        <p:spPr>
+          <a:xfrm>
+            <a:off x="8731845" y="6088313"/>
+            <a:ext cx="938530" cy="540000"/>
+          </a:xfrm>
+          <a:prstGeom prst="rect">
+            <a:avLst/>
+          </a:prstGeom>
+        </p:spPr>
+      </p:pic>
+      <p:pic>
+        <p:nvPicPr>
+          <p:cNvPr id="44" name="Picture 43" descr="Text&#10;&#10;Description automatically generated">
+            <a:extLst>
+              <a:ext uri="{FF2B5EF4-FFF2-40B4-BE49-F238E27FC236}">
+                <a16:creationId xmlns:a16="http://schemas.microsoft.com/office/drawing/2014/main" id="{7D0B74B1-764E-81BB-7424-9ECE26A72FC0}"/>
+              </a:ext>
+            </a:extLst>
+          </p:cNvPr>
+          <p:cNvPicPr>
+            <a:picLocks noChangeAspect="1"/>
+          </p:cNvPicPr>
+          <p:nvPr/>
+        </p:nvPicPr>
+        <p:blipFill>
+          <a:blip r:embed="rId11"/>
+          <a:stretch>
+            <a:fillRect/>
+          </a:stretch>
+        </p:blipFill>
+        <p:spPr>
+          <a:xfrm>
+            <a:off x="9870909" y="6088313"/>
+            <a:ext cx="1049143" cy="540000"/>
+          </a:xfrm>
+          <a:prstGeom prst="rect">
+            <a:avLst/>
+          </a:prstGeom>
+        </p:spPr>
+      </p:pic>
+      <p:pic>
+        <p:nvPicPr>
+          <p:cNvPr id="46" name="Picture 45" descr="A picture containing text, monitor, black, screenshot&#10;&#10;Description automatically generated">
+            <a:extLst>
+              <a:ext uri="{FF2B5EF4-FFF2-40B4-BE49-F238E27FC236}">
+                <a16:creationId xmlns:a16="http://schemas.microsoft.com/office/drawing/2014/main" id="{529B9667-0845-6708-67CA-DFF19A2881DA}"/>
+              </a:ext>
+            </a:extLst>
+          </p:cNvPr>
+          <p:cNvPicPr>
+            <a:picLocks noChangeAspect="1"/>
+          </p:cNvPicPr>
+          <p:nvPr/>
+        </p:nvPicPr>
+        <p:blipFill>
+          <a:blip r:embed="rId12"/>
+          <a:stretch>
+            <a:fillRect/>
+          </a:stretch>
+        </p:blipFill>
+        <p:spPr>
+          <a:xfrm>
+            <a:off x="11120583" y="6088313"/>
+            <a:ext cx="871691" cy="540000"/>
+          </a:xfrm>
+          <a:prstGeom prst="rect">
+            <a:avLst/>
+          </a:prstGeom>
+        </p:spPr>
+      </p:pic>
+    </p:spTree>
+    <p:extLst>
+      <p:ext uri="{BB962C8B-B14F-4D97-AF65-F5344CB8AC3E}">
+        <p14:creationId xmlns:p14="http://schemas.microsoft.com/office/powerpoint/2010/main" val="624006959"/>
+      </p:ext>
+    </p:extLst>
+  </p:cSld>
+  <p:clrMapOvr>
+    <a:masterClrMapping/>
+  </p:clrMapOvr>
+  <mc:AlternateContent xmlns:mc="http://schemas.openxmlformats.org/markup-compatibility/2006">
+    <mc:Choice xmlns:p159="http://schemas.microsoft.com/office/powerpoint/2015/09/main" Requires="p159">
+      <p:transition xmlns:p14="http://schemas.microsoft.com/office/powerpoint/2010/main" spd="slow" p14:dur="2000">
+        <p159:morph option="byObject"/>
+      </p:transition>
+    </mc:Choice>
+    <mc:Fallback>
+      <p:transition spd="slow">
+        <p:fade/>
+      </p:transition>
+    </mc:Fallback>
+  </mc:AlternateContent>
+</p:sld>
+</file>
+
+<file path=ppt/slides/slide5.xml><?xml version="1.0" encoding="utf-8"?>
+<p:sld xmlns:a="http://schemas.openxmlformats.org/drawingml/2006/main" xmlns:r="http://schemas.openxmlformats.org/officeDocument/2006/relationships" xmlns:p="http://schemas.openxmlformats.org/presentationml/2006/main">
+  <p:cSld>
+    <p:spTree>
+      <p:nvGrpSpPr>
+        <p:cNvPr id="1" name=""/>
+        <p:cNvGrpSpPr/>
+        <p:nvPr/>
+      </p:nvGrpSpPr>
+      <p:grpSpPr>
+        <a:xfrm>
+          <a:off x="0" y="0"/>
+          <a:ext cx="0" cy="0"/>
+          <a:chOff x="0" y="0"/>
+          <a:chExt cx="0" cy="0"/>
+        </a:xfrm>
+      </p:grpSpPr>
+      <p:sp>
+        <p:nvSpPr>
+          <p:cNvPr id="2" name="Title 1">
+            <a:extLst>
+              <a:ext uri="{FF2B5EF4-FFF2-40B4-BE49-F238E27FC236}">
+                <a16:creationId xmlns:a16="http://schemas.microsoft.com/office/drawing/2014/main" id="{B39AE56C-9377-265B-12C0-7473FC42E57E}"/>
+              </a:ext>
+            </a:extLst>
+          </p:cNvPr>
+          <p:cNvSpPr>
+            <a:spLocks noGrp="1"/>
+          </p:cNvSpPr>
+          <p:nvPr>
+            <p:ph type="title"/>
+          </p:nvPr>
+        </p:nvSpPr>
+        <p:spPr>
+          <a:xfrm>
+            <a:off x="838200" y="365125"/>
+            <a:ext cx="10515600" cy="1018507"/>
+          </a:xfrm>
+        </p:spPr>
+        <p:txBody>
+          <a:bodyPr/>
+          <a:lstStyle/>
+          <a:p>
+            <a:pPr algn="ctr"/>
+            <a:r>
+              <a:rPr lang="en-US" dirty="0"/>
+              <a:t>Datasets</a:t>
+            </a:r>
+          </a:p>
+        </p:txBody>
+      </p:sp>
+      <p:pic>
+        <p:nvPicPr>
+          <p:cNvPr id="16" name="Picture 15" descr="Text&#10;&#10;Description automatically generated">
+            <a:extLst>
+              <a:ext uri="{FF2B5EF4-FFF2-40B4-BE49-F238E27FC236}">
+                <a16:creationId xmlns:a16="http://schemas.microsoft.com/office/drawing/2014/main" id="{66EB742A-3DAB-5EAE-A049-E4613719E0E5}"/>
+              </a:ext>
+            </a:extLst>
+          </p:cNvPr>
+          <p:cNvPicPr>
+            <a:picLocks noChangeAspect="1"/>
+          </p:cNvPicPr>
+          <p:nvPr/>
+        </p:nvPicPr>
+        <p:blipFill>
+          <a:blip r:embed="rId2"/>
+          <a:stretch>
+            <a:fillRect/>
+          </a:stretch>
+        </p:blipFill>
+        <p:spPr>
+          <a:xfrm>
+            <a:off x="1554012" y="1274896"/>
+            <a:ext cx="9083975" cy="4308207"/>
+          </a:xfrm>
+          <a:prstGeom prst="rect">
+            <a:avLst/>
+          </a:prstGeom>
+        </p:spPr>
+      </p:pic>
+      <p:pic>
+        <p:nvPicPr>
+          <p:cNvPr id="19" name="Picture 18" descr="Text&#10;&#10;Description automatically generated">
+            <a:extLst>
+              <a:ext uri="{FF2B5EF4-FFF2-40B4-BE49-F238E27FC236}">
+                <a16:creationId xmlns:a16="http://schemas.microsoft.com/office/drawing/2014/main" id="{1CF06863-3422-0192-8A6D-52ABD539C933}"/>
+              </a:ext>
+            </a:extLst>
+          </p:cNvPr>
+          <p:cNvPicPr>
+            <a:picLocks noChangeAspect="1"/>
+          </p:cNvPicPr>
+          <p:nvPr/>
+        </p:nvPicPr>
+        <p:blipFill>
+          <a:blip r:embed="rId3"/>
+          <a:stretch>
+            <a:fillRect/>
+          </a:stretch>
+        </p:blipFill>
+        <p:spPr>
+          <a:xfrm>
+            <a:off x="1538864" y="6088313"/>
+            <a:ext cx="1317601" cy="540000"/>
+          </a:xfrm>
+          <a:prstGeom prst="rect">
+            <a:avLst/>
+          </a:prstGeom>
+        </p:spPr>
+      </p:pic>
+      <p:pic>
+        <p:nvPicPr>
+          <p:cNvPr id="21" name="Picture 20" descr="Text&#10;&#10;Description automatically generated">
+            <a:extLst>
+              <a:ext uri="{FF2B5EF4-FFF2-40B4-BE49-F238E27FC236}">
+                <a16:creationId xmlns:a16="http://schemas.microsoft.com/office/drawing/2014/main" id="{53FAB219-DC27-EF56-EA64-978D5C92334D}"/>
+              </a:ext>
+            </a:extLst>
+          </p:cNvPr>
+          <p:cNvPicPr>
+            <a:picLocks noChangeAspect="1"/>
+          </p:cNvPicPr>
+          <p:nvPr/>
+        </p:nvPicPr>
+        <p:blipFill>
+          <a:blip r:embed="rId4"/>
+          <a:stretch>
+            <a:fillRect/>
+          </a:stretch>
+        </p:blipFill>
+        <p:spPr>
+          <a:xfrm>
+            <a:off x="3056999" y="6098726"/>
+            <a:ext cx="775093" cy="540000"/>
+          </a:xfrm>
+          <a:prstGeom prst="rect">
+            <a:avLst/>
+          </a:prstGeom>
+        </p:spPr>
+      </p:pic>
+      <p:pic>
+        <p:nvPicPr>
+          <p:cNvPr id="23" name="Picture 22" descr="A picture containing text, screenshot, monitor&#10;&#10;Description automatically generated">
+            <a:extLst>
+              <a:ext uri="{FF2B5EF4-FFF2-40B4-BE49-F238E27FC236}">
+                <a16:creationId xmlns:a16="http://schemas.microsoft.com/office/drawing/2014/main" id="{77117484-BB41-EA91-72E0-904BEB3B61D2}"/>
+              </a:ext>
+            </a:extLst>
+          </p:cNvPr>
+          <p:cNvPicPr>
+            <a:picLocks noChangeAspect="1"/>
+          </p:cNvPicPr>
+          <p:nvPr/>
+        </p:nvPicPr>
+        <p:blipFill>
+          <a:blip r:embed="rId5"/>
+          <a:stretch>
+            <a:fillRect/>
+          </a:stretch>
+        </p:blipFill>
+        <p:spPr>
+          <a:xfrm>
+            <a:off x="4032626" y="6098726"/>
+            <a:ext cx="1025747" cy="540000"/>
+          </a:xfrm>
+          <a:prstGeom prst="rect">
+            <a:avLst/>
+          </a:prstGeom>
+        </p:spPr>
+      </p:pic>
+      <p:pic>
+        <p:nvPicPr>
+          <p:cNvPr id="25" name="Picture 24" descr="A picture containing text, monitor, black, screen&#10;&#10;Description automatically generated">
+            <a:extLst>
+              <a:ext uri="{FF2B5EF4-FFF2-40B4-BE49-F238E27FC236}">
+                <a16:creationId xmlns:a16="http://schemas.microsoft.com/office/drawing/2014/main" id="{00D9D7CD-BEA6-EE64-870F-24CE9A78FE63}"/>
+              </a:ext>
+            </a:extLst>
+          </p:cNvPr>
+          <p:cNvPicPr>
+            <a:picLocks noChangeAspect="1"/>
+          </p:cNvPicPr>
+          <p:nvPr/>
+        </p:nvPicPr>
+        <p:blipFill>
+          <a:blip r:embed="rId6"/>
+          <a:stretch>
+            <a:fillRect/>
+          </a:stretch>
+        </p:blipFill>
+        <p:spPr>
+          <a:xfrm>
+            <a:off x="5258907" y="6088313"/>
+            <a:ext cx="1189312" cy="540000"/>
+          </a:xfrm>
+          <a:prstGeom prst="rect">
+            <a:avLst/>
+          </a:prstGeom>
+        </p:spPr>
+      </p:pic>
+      <p:pic>
+        <p:nvPicPr>
+          <p:cNvPr id="38" name="Picture 37" descr="Graphical user interface, text, application, chat or text message&#10;&#10;Description automatically generated">
+            <a:extLst>
+              <a:ext uri="{FF2B5EF4-FFF2-40B4-BE49-F238E27FC236}">
+                <a16:creationId xmlns:a16="http://schemas.microsoft.com/office/drawing/2014/main" id="{48C69C16-0065-4E97-A6E4-F7E736D4DBB6}"/>
+              </a:ext>
+            </a:extLst>
+          </p:cNvPr>
+          <p:cNvPicPr>
+            <a:picLocks noChangeAspect="1"/>
+          </p:cNvPicPr>
+          <p:nvPr/>
+        </p:nvPicPr>
+        <p:blipFill>
+          <a:blip r:embed="rId7"/>
+          <a:stretch>
+            <a:fillRect/>
+          </a:stretch>
+        </p:blipFill>
+        <p:spPr>
+          <a:xfrm>
+            <a:off x="6648753" y="6088313"/>
+            <a:ext cx="1037813" cy="540000"/>
+          </a:xfrm>
+          <a:prstGeom prst="rect">
+            <a:avLst/>
+          </a:prstGeom>
+        </p:spPr>
+      </p:pic>
+      <p:pic>
+        <p:nvPicPr>
+          <p:cNvPr id="40" name="Picture 39" descr="Text&#10;&#10;Description automatically generated">
+            <a:extLst>
+              <a:ext uri="{FF2B5EF4-FFF2-40B4-BE49-F238E27FC236}">
+                <a16:creationId xmlns:a16="http://schemas.microsoft.com/office/drawing/2014/main" id="{8310590B-0FC0-AE04-E083-EE76799C1D3E}"/>
+              </a:ext>
+            </a:extLst>
+          </p:cNvPr>
+          <p:cNvPicPr>
+            <a:picLocks noChangeAspect="1"/>
+          </p:cNvPicPr>
+          <p:nvPr/>
+        </p:nvPicPr>
+        <p:blipFill>
+          <a:blip r:embed="rId8"/>
+          <a:stretch>
+            <a:fillRect/>
+          </a:stretch>
+        </p:blipFill>
+        <p:spPr>
+          <a:xfrm>
+            <a:off x="7887100" y="6098726"/>
+            <a:ext cx="644211" cy="540000"/>
+          </a:xfrm>
+          <a:prstGeom prst="rect">
+            <a:avLst/>
+          </a:prstGeom>
+        </p:spPr>
+      </p:pic>
+      <p:pic>
+        <p:nvPicPr>
+          <p:cNvPr id="42" name="Picture 41" descr="Text&#10;&#10;Description automatically generated">
+            <a:extLst>
+              <a:ext uri="{FF2B5EF4-FFF2-40B4-BE49-F238E27FC236}">
+                <a16:creationId xmlns:a16="http://schemas.microsoft.com/office/drawing/2014/main" id="{A007B266-C578-6BDF-3148-7543D9B41931}"/>
+              </a:ext>
+            </a:extLst>
+          </p:cNvPr>
+          <p:cNvPicPr>
+            <a:picLocks noChangeAspect="1"/>
+          </p:cNvPicPr>
+          <p:nvPr/>
+        </p:nvPicPr>
+        <p:blipFill>
+          <a:blip r:embed="rId9"/>
+          <a:stretch>
+            <a:fillRect/>
+          </a:stretch>
+        </p:blipFill>
+        <p:spPr>
+          <a:xfrm>
+            <a:off x="8731845" y="6088313"/>
+            <a:ext cx="938530" cy="540000"/>
+          </a:xfrm>
+          <a:prstGeom prst="rect">
+            <a:avLst/>
+          </a:prstGeom>
+        </p:spPr>
+      </p:pic>
+      <p:pic>
+        <p:nvPicPr>
+          <p:cNvPr id="44" name="Picture 43" descr="Text&#10;&#10;Description automatically generated">
+            <a:extLst>
+              <a:ext uri="{FF2B5EF4-FFF2-40B4-BE49-F238E27FC236}">
+                <a16:creationId xmlns:a16="http://schemas.microsoft.com/office/drawing/2014/main" id="{7D0B74B1-764E-81BB-7424-9ECE26A72FC0}"/>
+              </a:ext>
+            </a:extLst>
+          </p:cNvPr>
+          <p:cNvPicPr>
+            <a:picLocks noChangeAspect="1"/>
+          </p:cNvPicPr>
+          <p:nvPr/>
+        </p:nvPicPr>
+        <p:blipFill>
+          <a:blip r:embed="rId10"/>
+          <a:stretch>
+            <a:fillRect/>
+          </a:stretch>
+        </p:blipFill>
+        <p:spPr>
+          <a:xfrm>
+            <a:off x="9870909" y="6088313"/>
+            <a:ext cx="1049143" cy="540000"/>
+          </a:xfrm>
+          <a:prstGeom prst="rect">
+            <a:avLst/>
+          </a:prstGeom>
+        </p:spPr>
+      </p:pic>
+      <p:pic>
+        <p:nvPicPr>
+          <p:cNvPr id="46" name="Picture 45" descr="A picture containing text, monitor, black, screenshot&#10;&#10;Description automatically generated">
+            <a:extLst>
+              <a:ext uri="{FF2B5EF4-FFF2-40B4-BE49-F238E27FC236}">
+                <a16:creationId xmlns:a16="http://schemas.microsoft.com/office/drawing/2014/main" id="{529B9667-0845-6708-67CA-DFF19A2881DA}"/>
+              </a:ext>
+            </a:extLst>
+          </p:cNvPr>
+          <p:cNvPicPr>
+            <a:picLocks noChangeAspect="1"/>
+          </p:cNvPicPr>
+          <p:nvPr/>
+        </p:nvPicPr>
+        <p:blipFill>
+          <a:blip r:embed="rId11"/>
+          <a:stretch>
+            <a:fillRect/>
+          </a:stretch>
+        </p:blipFill>
+        <p:spPr>
+          <a:xfrm>
+            <a:off x="11120583" y="6088313"/>
+            <a:ext cx="871691" cy="540000"/>
+          </a:xfrm>
+          <a:prstGeom prst="rect">
+            <a:avLst/>
+          </a:prstGeom>
+        </p:spPr>
+      </p:pic>
+    </p:spTree>
+    <p:extLst>
+      <p:ext uri="{BB962C8B-B14F-4D97-AF65-F5344CB8AC3E}">
+        <p14:creationId xmlns:p14="http://schemas.microsoft.com/office/powerpoint/2010/main" val="164981956"/>
+      </p:ext>
+    </p:extLst>
+  </p:cSld>
+  <p:clrMapOvr>
+    <a:masterClrMapping/>
+  </p:clrMapOvr>
+  <mc:AlternateContent xmlns:mc="http://schemas.openxmlformats.org/markup-compatibility/2006">
+    <mc:Choice xmlns:p159="http://schemas.microsoft.com/office/powerpoint/2015/09/main" Requires="p159">
+      <p:transition xmlns:p14="http://schemas.microsoft.com/office/powerpoint/2010/main" spd="slow" p14:dur="2000">
+        <p159:morph option="byObject"/>
+      </p:transition>
+    </mc:Choice>
+    <mc:Fallback>
+      <p:transition spd="slow">
+        <p:fade/>
+      </p:transition>
+    </mc:Fallback>
+  </mc:AlternateContent>
+</p:sld>
+</file>
+
+<file path=ppt/slides/slide6.xml><?xml version="1.0" encoding="utf-8"?>
+<p:sld xmlns:a="http://schemas.openxmlformats.org/drawingml/2006/main" xmlns:r="http://schemas.openxmlformats.org/officeDocument/2006/relationships" xmlns:p="http://schemas.openxmlformats.org/presentationml/2006/main">
+  <p:cSld>
+    <p:spTree>
+      <p:nvGrpSpPr>
+        <p:cNvPr id="1" name=""/>
+        <p:cNvGrpSpPr/>
+        <p:nvPr/>
+      </p:nvGrpSpPr>
+      <p:grpSpPr>
+        <a:xfrm>
+          <a:off x="0" y="0"/>
+          <a:ext cx="0" cy="0"/>
+          <a:chOff x="0" y="0"/>
+          <a:chExt cx="0" cy="0"/>
+        </a:xfrm>
+      </p:grpSpPr>
+      <p:sp>
+        <p:nvSpPr>
+          <p:cNvPr id="2" name="Title 1">
+            <a:extLst>
+              <a:ext uri="{FF2B5EF4-FFF2-40B4-BE49-F238E27FC236}">
+                <a16:creationId xmlns:a16="http://schemas.microsoft.com/office/drawing/2014/main" id="{B39AE56C-9377-265B-12C0-7473FC42E57E}"/>
+              </a:ext>
+            </a:extLst>
+          </p:cNvPr>
+          <p:cNvSpPr>
+            <a:spLocks noGrp="1"/>
+          </p:cNvSpPr>
+          <p:nvPr>
+            <p:ph type="title"/>
+          </p:nvPr>
+        </p:nvSpPr>
+        <p:spPr>
+          <a:xfrm>
+            <a:off x="838200" y="365125"/>
+            <a:ext cx="10515600" cy="1018507"/>
+          </a:xfrm>
+        </p:spPr>
+        <p:txBody>
+          <a:bodyPr/>
+          <a:lstStyle/>
+          <a:p>
+            <a:pPr algn="ctr"/>
+            <a:r>
+              <a:rPr lang="en-US" dirty="0"/>
+              <a:t>Datasets</a:t>
+            </a:r>
+          </a:p>
+        </p:txBody>
+      </p:sp>
+      <p:pic>
+        <p:nvPicPr>
+          <p:cNvPr id="16" name="Picture 15" descr="Text&#10;&#10;Description automatically generated">
+            <a:extLst>
+              <a:ext uri="{FF2B5EF4-FFF2-40B4-BE49-F238E27FC236}">
+                <a16:creationId xmlns:a16="http://schemas.microsoft.com/office/drawing/2014/main" id="{66EB742A-3DAB-5EAE-A049-E4613719E0E5}"/>
+              </a:ext>
+            </a:extLst>
+          </p:cNvPr>
+          <p:cNvPicPr>
+            <a:picLocks noChangeAspect="1"/>
+          </p:cNvPicPr>
+          <p:nvPr/>
+        </p:nvPicPr>
+        <p:blipFill>
+          <a:blip r:embed="rId2"/>
+          <a:stretch>
+            <a:fillRect/>
+          </a:stretch>
+        </p:blipFill>
+        <p:spPr>
+          <a:xfrm>
+            <a:off x="199725" y="6098726"/>
+            <a:ext cx="1138605" cy="540000"/>
+          </a:xfrm>
+          <a:prstGeom prst="rect">
+            <a:avLst/>
+          </a:prstGeom>
+        </p:spPr>
+      </p:pic>
+      <p:pic>
+        <p:nvPicPr>
+          <p:cNvPr id="19" name="Picture 18" descr="Text&#10;&#10;Description automatically generated">
+            <a:extLst>
+              <a:ext uri="{FF2B5EF4-FFF2-40B4-BE49-F238E27FC236}">
+                <a16:creationId xmlns:a16="http://schemas.microsoft.com/office/drawing/2014/main" id="{1CF06863-3422-0192-8A6D-52ABD539C933}"/>
+              </a:ext>
+            </a:extLst>
+          </p:cNvPr>
+          <p:cNvPicPr>
+            <a:picLocks noChangeAspect="1"/>
+          </p:cNvPicPr>
+          <p:nvPr/>
+        </p:nvPicPr>
+        <p:blipFill>
+          <a:blip r:embed="rId3"/>
+          <a:stretch>
+            <a:fillRect/>
+          </a:stretch>
+        </p:blipFill>
+        <p:spPr>
+          <a:xfrm>
+            <a:off x="1577864" y="1577306"/>
+            <a:ext cx="9036271" cy="3703387"/>
+          </a:xfrm>
+          <a:prstGeom prst="rect">
+            <a:avLst/>
+          </a:prstGeom>
+        </p:spPr>
+      </p:pic>
+      <p:pic>
+        <p:nvPicPr>
+          <p:cNvPr id="21" name="Picture 20" descr="Text&#10;&#10;Description automatically generated">
+            <a:extLst>
+              <a:ext uri="{FF2B5EF4-FFF2-40B4-BE49-F238E27FC236}">
+                <a16:creationId xmlns:a16="http://schemas.microsoft.com/office/drawing/2014/main" id="{53FAB219-DC27-EF56-EA64-978D5C92334D}"/>
+              </a:ext>
+            </a:extLst>
+          </p:cNvPr>
+          <p:cNvPicPr>
+            <a:picLocks noChangeAspect="1"/>
+          </p:cNvPicPr>
+          <p:nvPr/>
+        </p:nvPicPr>
+        <p:blipFill>
+          <a:blip r:embed="rId4"/>
+          <a:stretch>
+            <a:fillRect/>
+          </a:stretch>
+        </p:blipFill>
+        <p:spPr>
+          <a:xfrm>
+            <a:off x="3056999" y="6098726"/>
+            <a:ext cx="775093" cy="540000"/>
+          </a:xfrm>
+          <a:prstGeom prst="rect">
+            <a:avLst/>
+          </a:prstGeom>
+        </p:spPr>
+      </p:pic>
+      <p:pic>
+        <p:nvPicPr>
+          <p:cNvPr id="23" name="Picture 22" descr="A picture containing text, screenshot, monitor&#10;&#10;Description automatically generated">
+            <a:extLst>
+              <a:ext uri="{FF2B5EF4-FFF2-40B4-BE49-F238E27FC236}">
+                <a16:creationId xmlns:a16="http://schemas.microsoft.com/office/drawing/2014/main" id="{77117484-BB41-EA91-72E0-904BEB3B61D2}"/>
+              </a:ext>
+            </a:extLst>
+          </p:cNvPr>
+          <p:cNvPicPr>
+            <a:picLocks noChangeAspect="1"/>
+          </p:cNvPicPr>
+          <p:nvPr/>
+        </p:nvPicPr>
+        <p:blipFill>
+          <a:blip r:embed="rId5"/>
+          <a:stretch>
+            <a:fillRect/>
+          </a:stretch>
+        </p:blipFill>
+        <p:spPr>
+          <a:xfrm>
+            <a:off x="4032626" y="6098726"/>
+            <a:ext cx="1025747" cy="540000"/>
+          </a:xfrm>
+          <a:prstGeom prst="rect">
+            <a:avLst/>
+          </a:prstGeom>
+        </p:spPr>
+      </p:pic>
+      <p:pic>
+        <p:nvPicPr>
+          <p:cNvPr id="25" name="Picture 24" descr="A picture containing text, monitor, black, screen&#10;&#10;Description automatically generated">
+            <a:extLst>
+              <a:ext uri="{FF2B5EF4-FFF2-40B4-BE49-F238E27FC236}">
+                <a16:creationId xmlns:a16="http://schemas.microsoft.com/office/drawing/2014/main" id="{00D9D7CD-BEA6-EE64-870F-24CE9A78FE63}"/>
+              </a:ext>
+            </a:extLst>
+          </p:cNvPr>
+          <p:cNvPicPr>
+            <a:picLocks noChangeAspect="1"/>
+          </p:cNvPicPr>
+          <p:nvPr/>
+        </p:nvPicPr>
+        <p:blipFill>
+          <a:blip r:embed="rId6"/>
+          <a:stretch>
+            <a:fillRect/>
+          </a:stretch>
+        </p:blipFill>
+        <p:spPr>
+          <a:xfrm>
+            <a:off x="5258907" y="6088313"/>
+            <a:ext cx="1189312" cy="540000"/>
+          </a:xfrm>
+          <a:prstGeom prst="rect">
+            <a:avLst/>
+          </a:prstGeom>
+        </p:spPr>
+      </p:pic>
+      <p:pic>
+        <p:nvPicPr>
+          <p:cNvPr id="38" name="Picture 37" descr="Graphical user interface, text, application, chat or text message&#10;&#10;Description automatically generated">
+            <a:extLst>
+              <a:ext uri="{FF2B5EF4-FFF2-40B4-BE49-F238E27FC236}">
+                <a16:creationId xmlns:a16="http://schemas.microsoft.com/office/drawing/2014/main" id="{48C69C16-0065-4E97-A6E4-F7E736D4DBB6}"/>
+              </a:ext>
+            </a:extLst>
+          </p:cNvPr>
+          <p:cNvPicPr>
+            <a:picLocks noChangeAspect="1"/>
+          </p:cNvPicPr>
+          <p:nvPr/>
+        </p:nvPicPr>
+        <p:blipFill>
+          <a:blip r:embed="rId7"/>
+          <a:stretch>
+            <a:fillRect/>
+          </a:stretch>
+        </p:blipFill>
+        <p:spPr>
+          <a:xfrm>
+            <a:off x="6648753" y="6088313"/>
+            <a:ext cx="1037813" cy="540000"/>
+          </a:xfrm>
+          <a:prstGeom prst="rect">
+            <a:avLst/>
+          </a:prstGeom>
+        </p:spPr>
+      </p:pic>
+      <p:pic>
+        <p:nvPicPr>
+          <p:cNvPr id="40" name="Picture 39" descr="Text&#10;&#10;Description automatically generated">
+            <a:extLst>
+              <a:ext uri="{FF2B5EF4-FFF2-40B4-BE49-F238E27FC236}">
+                <a16:creationId xmlns:a16="http://schemas.microsoft.com/office/drawing/2014/main" id="{8310590B-0FC0-AE04-E083-EE76799C1D3E}"/>
+              </a:ext>
+            </a:extLst>
+          </p:cNvPr>
+          <p:cNvPicPr>
+            <a:picLocks noChangeAspect="1"/>
+          </p:cNvPicPr>
+          <p:nvPr/>
+        </p:nvPicPr>
+        <p:blipFill>
+          <a:blip r:embed="rId8"/>
+          <a:stretch>
+            <a:fillRect/>
+          </a:stretch>
+        </p:blipFill>
+        <p:spPr>
+          <a:xfrm>
+            <a:off x="7887100" y="6098726"/>
+            <a:ext cx="644211" cy="540000"/>
+          </a:xfrm>
+          <a:prstGeom prst="rect">
+            <a:avLst/>
+          </a:prstGeom>
+        </p:spPr>
+      </p:pic>
+      <p:pic>
+        <p:nvPicPr>
+          <p:cNvPr id="42" name="Picture 41" descr="Text&#10;&#10;Description automatically generated">
+            <a:extLst>
+              <a:ext uri="{FF2B5EF4-FFF2-40B4-BE49-F238E27FC236}">
+                <a16:creationId xmlns:a16="http://schemas.microsoft.com/office/drawing/2014/main" id="{A007B266-C578-6BDF-3148-7543D9B41931}"/>
+              </a:ext>
+            </a:extLst>
+          </p:cNvPr>
+          <p:cNvPicPr>
+            <a:picLocks noChangeAspect="1"/>
+          </p:cNvPicPr>
+          <p:nvPr/>
+        </p:nvPicPr>
+        <p:blipFill>
+          <a:blip r:embed="rId9"/>
+          <a:stretch>
+            <a:fillRect/>
+          </a:stretch>
+        </p:blipFill>
+        <p:spPr>
+          <a:xfrm>
+            <a:off x="8731845" y="6088313"/>
+            <a:ext cx="938530" cy="540000"/>
+          </a:xfrm>
+          <a:prstGeom prst="rect">
+            <a:avLst/>
+          </a:prstGeom>
+        </p:spPr>
+      </p:pic>
+      <p:pic>
+        <p:nvPicPr>
+          <p:cNvPr id="44" name="Picture 43" descr="Text&#10;&#10;Description automatically generated">
+            <a:extLst>
+              <a:ext uri="{FF2B5EF4-FFF2-40B4-BE49-F238E27FC236}">
+                <a16:creationId xmlns:a16="http://schemas.microsoft.com/office/drawing/2014/main" id="{7D0B74B1-764E-81BB-7424-9ECE26A72FC0}"/>
+              </a:ext>
+            </a:extLst>
+          </p:cNvPr>
+          <p:cNvPicPr>
+            <a:picLocks noChangeAspect="1"/>
+          </p:cNvPicPr>
+          <p:nvPr/>
+        </p:nvPicPr>
+        <p:blipFill>
+          <a:blip r:embed="rId10"/>
+          <a:stretch>
+            <a:fillRect/>
+          </a:stretch>
+        </p:blipFill>
+        <p:spPr>
+          <a:xfrm>
+            <a:off x="9870909" y="6088313"/>
+            <a:ext cx="1049143" cy="540000"/>
+          </a:xfrm>
+          <a:prstGeom prst="rect">
+            <a:avLst/>
+          </a:prstGeom>
+        </p:spPr>
+      </p:pic>
+      <p:pic>
+        <p:nvPicPr>
+          <p:cNvPr id="46" name="Picture 45" descr="A picture containing text, monitor, black, screenshot&#10;&#10;Description automatically generated">
+            <a:extLst>
+              <a:ext uri="{FF2B5EF4-FFF2-40B4-BE49-F238E27FC236}">
+                <a16:creationId xmlns:a16="http://schemas.microsoft.com/office/drawing/2014/main" id="{529B9667-0845-6708-67CA-DFF19A2881DA}"/>
+              </a:ext>
+            </a:extLst>
+          </p:cNvPr>
+          <p:cNvPicPr>
+            <a:picLocks noChangeAspect="1"/>
+          </p:cNvPicPr>
+          <p:nvPr/>
+        </p:nvPicPr>
+        <p:blipFill>
+          <a:blip r:embed="rId11"/>
+          <a:stretch>
+            <a:fillRect/>
+          </a:stretch>
+        </p:blipFill>
+        <p:spPr>
+          <a:xfrm>
+            <a:off x="11120583" y="6088313"/>
+            <a:ext cx="871691" cy="540000"/>
+          </a:xfrm>
+          <a:prstGeom prst="rect">
+            <a:avLst/>
+          </a:prstGeom>
+        </p:spPr>
+      </p:pic>
+    </p:spTree>
+    <p:extLst>
+      <p:ext uri="{BB962C8B-B14F-4D97-AF65-F5344CB8AC3E}">
+        <p14:creationId xmlns:p14="http://schemas.microsoft.com/office/powerpoint/2010/main" val="3702745211"/>
+      </p:ext>
+    </p:extLst>
+  </p:cSld>
+  <p:clrMapOvr>
+    <a:masterClrMapping/>
+  </p:clrMapOvr>
+  <mc:AlternateContent xmlns:mc="http://schemas.openxmlformats.org/markup-compatibility/2006">
+    <mc:Choice xmlns:p159="http://schemas.microsoft.com/office/powerpoint/2015/09/main" Requires="p159">
+      <p:transition xmlns:p14="http://schemas.microsoft.com/office/powerpoint/2010/main" spd="slow" p14:dur="2000">
+        <p159:morph option="byObject"/>
+      </p:transition>
+    </mc:Choice>
+    <mc:Fallback>
+      <p:transition spd="slow">
+        <p:fade/>
+      </p:transition>
+    </mc:Fallback>
+  </mc:AlternateContent>
+</p:sld>
+</file>
+
+<file path=ppt/slides/slide7.xml><?xml version="1.0" encoding="utf-8"?>
+<p:sld xmlns:a="http://schemas.openxmlformats.org/drawingml/2006/main" xmlns:r="http://schemas.openxmlformats.org/officeDocument/2006/relationships" xmlns:p="http://schemas.openxmlformats.org/presentationml/2006/main">
+  <p:cSld>
+    <p:spTree>
+      <p:nvGrpSpPr>
+        <p:cNvPr id="1" name=""/>
+        <p:cNvGrpSpPr/>
+        <p:nvPr/>
+      </p:nvGrpSpPr>
+      <p:grpSpPr>
+        <a:xfrm>
+          <a:off x="0" y="0"/>
+          <a:ext cx="0" cy="0"/>
+          <a:chOff x="0" y="0"/>
+          <a:chExt cx="0" cy="0"/>
+        </a:xfrm>
+      </p:grpSpPr>
+      <p:sp>
+        <p:nvSpPr>
+          <p:cNvPr id="2" name="Title 1">
+            <a:extLst>
+              <a:ext uri="{FF2B5EF4-FFF2-40B4-BE49-F238E27FC236}">
+                <a16:creationId xmlns:a16="http://schemas.microsoft.com/office/drawing/2014/main" id="{B39AE56C-9377-265B-12C0-7473FC42E57E}"/>
+              </a:ext>
+            </a:extLst>
+          </p:cNvPr>
+          <p:cNvSpPr>
+            <a:spLocks noGrp="1"/>
+          </p:cNvSpPr>
+          <p:nvPr>
+            <p:ph type="title"/>
+          </p:nvPr>
+        </p:nvSpPr>
+        <p:spPr>
+          <a:xfrm>
+            <a:off x="838200" y="365125"/>
+            <a:ext cx="10515600" cy="1018507"/>
+          </a:xfrm>
+        </p:spPr>
+        <p:txBody>
+          <a:bodyPr/>
+          <a:lstStyle/>
+          <a:p>
+            <a:pPr algn="ctr"/>
+            <a:r>
+              <a:rPr lang="en-US" dirty="0"/>
+              <a:t>Datasets</a:t>
+            </a:r>
+          </a:p>
+        </p:txBody>
+      </p:sp>
+      <p:pic>
+        <p:nvPicPr>
+          <p:cNvPr id="16" name="Picture 15" descr="Text&#10;&#10;Description automatically generated">
+            <a:extLst>
+              <a:ext uri="{FF2B5EF4-FFF2-40B4-BE49-F238E27FC236}">
+                <a16:creationId xmlns:a16="http://schemas.microsoft.com/office/drawing/2014/main" id="{66EB742A-3DAB-5EAE-A049-E4613719E0E5}"/>
+              </a:ext>
+            </a:extLst>
+          </p:cNvPr>
+          <p:cNvPicPr>
+            <a:picLocks noChangeAspect="1"/>
+          </p:cNvPicPr>
+          <p:nvPr/>
+        </p:nvPicPr>
+        <p:blipFill>
+          <a:blip r:embed="rId2"/>
+          <a:stretch>
+            <a:fillRect/>
+          </a:stretch>
+        </p:blipFill>
+        <p:spPr>
+          <a:xfrm>
+            <a:off x="199725" y="6098726"/>
+            <a:ext cx="1138605" cy="540000"/>
+          </a:xfrm>
+          <a:prstGeom prst="rect">
+            <a:avLst/>
+          </a:prstGeom>
+        </p:spPr>
+      </p:pic>
+      <p:pic>
+        <p:nvPicPr>
+          <p:cNvPr id="19" name="Picture 18" descr="Text&#10;&#10;Description automatically generated">
+            <a:extLst>
+              <a:ext uri="{FF2B5EF4-FFF2-40B4-BE49-F238E27FC236}">
+                <a16:creationId xmlns:a16="http://schemas.microsoft.com/office/drawing/2014/main" id="{1CF06863-3422-0192-8A6D-52ABD539C933}"/>
+              </a:ext>
+            </a:extLst>
+          </p:cNvPr>
+          <p:cNvPicPr>
+            <a:picLocks noChangeAspect="1"/>
+          </p:cNvPicPr>
+          <p:nvPr/>
+        </p:nvPicPr>
+        <p:blipFill>
+          <a:blip r:embed="rId3"/>
+          <a:stretch>
+            <a:fillRect/>
+          </a:stretch>
+        </p:blipFill>
+        <p:spPr>
+          <a:xfrm>
+            <a:off x="1538864" y="6088313"/>
+            <a:ext cx="1317601" cy="540000"/>
+          </a:xfrm>
+          <a:prstGeom prst="rect">
+            <a:avLst/>
+          </a:prstGeom>
+        </p:spPr>
+      </p:pic>
+      <p:pic>
+        <p:nvPicPr>
+          <p:cNvPr id="21" name="Picture 20" descr="Text&#10;&#10;Description automatically generated">
+            <a:extLst>
+              <a:ext uri="{FF2B5EF4-FFF2-40B4-BE49-F238E27FC236}">
+                <a16:creationId xmlns:a16="http://schemas.microsoft.com/office/drawing/2014/main" id="{53FAB219-DC27-EF56-EA64-978D5C92334D}"/>
+              </a:ext>
+            </a:extLst>
+          </p:cNvPr>
+          <p:cNvPicPr>
+            <a:picLocks noChangeAspect="1"/>
+          </p:cNvPicPr>
+          <p:nvPr/>
+        </p:nvPicPr>
+        <p:blipFill>
+          <a:blip r:embed="rId4"/>
+          <a:stretch>
+            <a:fillRect/>
+          </a:stretch>
+        </p:blipFill>
+        <p:spPr>
+          <a:xfrm>
+            <a:off x="2730194" y="1247325"/>
+            <a:ext cx="6731612" cy="4689851"/>
+          </a:xfrm>
+          <a:prstGeom prst="rect">
+            <a:avLst/>
+          </a:prstGeom>
+        </p:spPr>
+      </p:pic>
+      <p:pic>
+        <p:nvPicPr>
+          <p:cNvPr id="23" name="Picture 22" descr="A picture containing text, screenshot, monitor&#10;&#10;Description automatically generated">
+            <a:extLst>
+              <a:ext uri="{FF2B5EF4-FFF2-40B4-BE49-F238E27FC236}">
+                <a16:creationId xmlns:a16="http://schemas.microsoft.com/office/drawing/2014/main" id="{77117484-BB41-EA91-72E0-904BEB3B61D2}"/>
+              </a:ext>
+            </a:extLst>
+          </p:cNvPr>
+          <p:cNvPicPr>
+            <a:picLocks noChangeAspect="1"/>
+          </p:cNvPicPr>
+          <p:nvPr/>
+        </p:nvPicPr>
+        <p:blipFill>
+          <a:blip r:embed="rId5"/>
+          <a:stretch>
+            <a:fillRect/>
+          </a:stretch>
+        </p:blipFill>
+        <p:spPr>
+          <a:xfrm>
+            <a:off x="4032626" y="6098726"/>
+            <a:ext cx="1025747" cy="540000"/>
+          </a:xfrm>
+          <a:prstGeom prst="rect">
+            <a:avLst/>
+          </a:prstGeom>
+        </p:spPr>
+      </p:pic>
+      <p:pic>
+        <p:nvPicPr>
+          <p:cNvPr id="25" name="Picture 24" descr="A picture containing text, monitor, black, screen&#10;&#10;Description automatically generated">
+            <a:extLst>
+              <a:ext uri="{FF2B5EF4-FFF2-40B4-BE49-F238E27FC236}">
+                <a16:creationId xmlns:a16="http://schemas.microsoft.com/office/drawing/2014/main" id="{00D9D7CD-BEA6-EE64-870F-24CE9A78FE63}"/>
+              </a:ext>
+            </a:extLst>
+          </p:cNvPr>
+          <p:cNvPicPr>
+            <a:picLocks noChangeAspect="1"/>
+          </p:cNvPicPr>
+          <p:nvPr/>
+        </p:nvPicPr>
+        <p:blipFill>
+          <a:blip r:embed="rId6"/>
+          <a:stretch>
+            <a:fillRect/>
+          </a:stretch>
+        </p:blipFill>
+        <p:spPr>
+          <a:xfrm>
+            <a:off x="5258907" y="6088313"/>
+            <a:ext cx="1189312" cy="540000"/>
+          </a:xfrm>
+          <a:prstGeom prst="rect">
+            <a:avLst/>
+          </a:prstGeom>
+        </p:spPr>
+      </p:pic>
+      <p:pic>
+        <p:nvPicPr>
+          <p:cNvPr id="38" name="Picture 37" descr="Graphical user interface, text, application, chat or text message&#10;&#10;Description automatically generated">
+            <a:extLst>
+              <a:ext uri="{FF2B5EF4-FFF2-40B4-BE49-F238E27FC236}">
+                <a16:creationId xmlns:a16="http://schemas.microsoft.com/office/drawing/2014/main" id="{48C69C16-0065-4E97-A6E4-F7E736D4DBB6}"/>
+              </a:ext>
+            </a:extLst>
+          </p:cNvPr>
+          <p:cNvPicPr>
+            <a:picLocks noChangeAspect="1"/>
+          </p:cNvPicPr>
+          <p:nvPr/>
+        </p:nvPicPr>
+        <p:blipFill>
+          <a:blip r:embed="rId7"/>
+          <a:stretch>
+            <a:fillRect/>
+          </a:stretch>
+        </p:blipFill>
+        <p:spPr>
+          <a:xfrm>
+            <a:off x="6648753" y="6088313"/>
+            <a:ext cx="1037813" cy="540000"/>
+          </a:xfrm>
+          <a:prstGeom prst="rect">
+            <a:avLst/>
+          </a:prstGeom>
+        </p:spPr>
+      </p:pic>
+      <p:pic>
+        <p:nvPicPr>
+          <p:cNvPr id="40" name="Picture 39" descr="Text&#10;&#10;Description automatically generated">
+            <a:extLst>
+              <a:ext uri="{FF2B5EF4-FFF2-40B4-BE49-F238E27FC236}">
+                <a16:creationId xmlns:a16="http://schemas.microsoft.com/office/drawing/2014/main" id="{8310590B-0FC0-AE04-E083-EE76799C1D3E}"/>
+              </a:ext>
+            </a:extLst>
+          </p:cNvPr>
+          <p:cNvPicPr>
+            <a:picLocks noChangeAspect="1"/>
+          </p:cNvPicPr>
+          <p:nvPr/>
+        </p:nvPicPr>
+        <p:blipFill>
+          <a:blip r:embed="rId8"/>
+          <a:stretch>
+            <a:fillRect/>
+          </a:stretch>
+        </p:blipFill>
+        <p:spPr>
+          <a:xfrm>
+            <a:off x="7887100" y="6098726"/>
+            <a:ext cx="644211" cy="540000"/>
+          </a:xfrm>
+          <a:prstGeom prst="rect">
+            <a:avLst/>
+          </a:prstGeom>
+        </p:spPr>
+      </p:pic>
+      <p:pic>
+        <p:nvPicPr>
+          <p:cNvPr id="42" name="Picture 41" descr="Text&#10;&#10;Description automatically generated">
+            <a:extLst>
+              <a:ext uri="{FF2B5EF4-FFF2-40B4-BE49-F238E27FC236}">
+                <a16:creationId xmlns:a16="http://schemas.microsoft.com/office/drawing/2014/main" id="{A007B266-C578-6BDF-3148-7543D9B41931}"/>
+              </a:ext>
+            </a:extLst>
+          </p:cNvPr>
+          <p:cNvPicPr>
+            <a:picLocks noChangeAspect="1"/>
+          </p:cNvPicPr>
+          <p:nvPr/>
+        </p:nvPicPr>
+        <p:blipFill>
+          <a:blip r:embed="rId9"/>
+          <a:stretch>
+            <a:fillRect/>
+          </a:stretch>
+        </p:blipFill>
+        <p:spPr>
+          <a:xfrm>
+            <a:off x="8731845" y="6088313"/>
+            <a:ext cx="938530" cy="540000"/>
+          </a:xfrm>
+          <a:prstGeom prst="rect">
+            <a:avLst/>
+          </a:prstGeom>
+        </p:spPr>
+      </p:pic>
+      <p:pic>
+        <p:nvPicPr>
+          <p:cNvPr id="44" name="Picture 43" descr="Text&#10;&#10;Description automatically generated">
+            <a:extLst>
+              <a:ext uri="{FF2B5EF4-FFF2-40B4-BE49-F238E27FC236}">
+                <a16:creationId xmlns:a16="http://schemas.microsoft.com/office/drawing/2014/main" id="{7D0B74B1-764E-81BB-7424-9ECE26A72FC0}"/>
+              </a:ext>
+            </a:extLst>
+          </p:cNvPr>
+          <p:cNvPicPr>
+            <a:picLocks noChangeAspect="1"/>
+          </p:cNvPicPr>
+          <p:nvPr/>
+        </p:nvPicPr>
+        <p:blipFill>
+          <a:blip r:embed="rId10"/>
+          <a:stretch>
+            <a:fillRect/>
+          </a:stretch>
+        </p:blipFill>
+        <p:spPr>
+          <a:xfrm>
+            <a:off x="9870909" y="6088313"/>
+            <a:ext cx="1049143" cy="540000"/>
+          </a:xfrm>
+          <a:prstGeom prst="rect">
+            <a:avLst/>
+          </a:prstGeom>
+        </p:spPr>
+      </p:pic>
+      <p:pic>
+        <p:nvPicPr>
+          <p:cNvPr id="46" name="Picture 45" descr="A picture containing text, monitor, black, screenshot&#10;&#10;Description automatically generated">
+            <a:extLst>
+              <a:ext uri="{FF2B5EF4-FFF2-40B4-BE49-F238E27FC236}">
+                <a16:creationId xmlns:a16="http://schemas.microsoft.com/office/drawing/2014/main" id="{529B9667-0845-6708-67CA-DFF19A2881DA}"/>
+              </a:ext>
+            </a:extLst>
+          </p:cNvPr>
+          <p:cNvPicPr>
+            <a:picLocks noChangeAspect="1"/>
+          </p:cNvPicPr>
+          <p:nvPr/>
+        </p:nvPicPr>
+        <p:blipFill>
+          <a:blip r:embed="rId11"/>
+          <a:stretch>
+            <a:fillRect/>
+          </a:stretch>
+        </p:blipFill>
+        <p:spPr>
+          <a:xfrm>
+            <a:off x="11120583" y="6088313"/>
+            <a:ext cx="871691" cy="540000"/>
+          </a:xfrm>
+          <a:prstGeom prst="rect">
+            <a:avLst/>
+          </a:prstGeom>
+        </p:spPr>
+      </p:pic>
+    </p:spTree>
+    <p:extLst>
+      <p:ext uri="{BB962C8B-B14F-4D97-AF65-F5344CB8AC3E}">
+        <p14:creationId xmlns:p14="http://schemas.microsoft.com/office/powerpoint/2010/main" val="3446992569"/>
+      </p:ext>
+    </p:extLst>
+  </p:cSld>
+  <p:clrMapOvr>
+    <a:masterClrMapping/>
+  </p:clrMapOvr>
+  <mc:AlternateContent xmlns:mc="http://schemas.openxmlformats.org/markup-compatibility/2006">
+    <mc:Choice xmlns:p159="http://schemas.microsoft.com/office/powerpoint/2015/09/main" Requires="p159">
+      <p:transition xmlns:p14="http://schemas.microsoft.com/office/powerpoint/2010/main" spd="slow" p14:dur="2000">
+        <p159:morph option="byObject"/>
+      </p:transition>
+    </mc:Choice>
+    <mc:Fallback>
+      <p:transition spd="slow">
+        <p:fade/>
+      </p:transition>
+    </mc:Fallback>
+  </mc:AlternateContent>
+</p:sld>
+</file>
+
+<file path=ppt/slides/slide8.xml><?xml version="1.0" encoding="utf-8"?>
+<p:sld xmlns:a="http://schemas.openxmlformats.org/drawingml/2006/main" xmlns:r="http://schemas.openxmlformats.org/officeDocument/2006/relationships" xmlns:p="http://schemas.openxmlformats.org/presentationml/2006/main">
+  <p:cSld>
+    <p:spTree>
+      <p:nvGrpSpPr>
+        <p:cNvPr id="1" name=""/>
+        <p:cNvGrpSpPr/>
+        <p:nvPr/>
+      </p:nvGrpSpPr>
+      <p:grpSpPr>
+        <a:xfrm>
+          <a:off x="0" y="0"/>
+          <a:ext cx="0" cy="0"/>
+          <a:chOff x="0" y="0"/>
+          <a:chExt cx="0" cy="0"/>
+        </a:xfrm>
+      </p:grpSpPr>
+      <p:sp>
+        <p:nvSpPr>
+          <p:cNvPr id="2" name="Title 1">
+            <a:extLst>
+              <a:ext uri="{FF2B5EF4-FFF2-40B4-BE49-F238E27FC236}">
+                <a16:creationId xmlns:a16="http://schemas.microsoft.com/office/drawing/2014/main" id="{B39AE56C-9377-265B-12C0-7473FC42E57E}"/>
+              </a:ext>
+            </a:extLst>
+          </p:cNvPr>
+          <p:cNvSpPr>
+            <a:spLocks noGrp="1"/>
+          </p:cNvSpPr>
+          <p:nvPr>
+            <p:ph type="title"/>
+          </p:nvPr>
+        </p:nvSpPr>
+        <p:spPr>
+          <a:xfrm>
+            <a:off x="838200" y="365125"/>
+            <a:ext cx="10515600" cy="1018507"/>
+          </a:xfrm>
+        </p:spPr>
+        <p:txBody>
+          <a:bodyPr/>
+          <a:lstStyle/>
+          <a:p>
+            <a:pPr algn="ctr"/>
+            <a:r>
+              <a:rPr lang="en-US" dirty="0"/>
+              <a:t>Datasets</a:t>
+            </a:r>
+          </a:p>
+        </p:txBody>
+      </p:sp>
+      <p:pic>
+        <p:nvPicPr>
+          <p:cNvPr id="16" name="Picture 15" descr="Text&#10;&#10;Description automatically generated">
+            <a:extLst>
+              <a:ext uri="{FF2B5EF4-FFF2-40B4-BE49-F238E27FC236}">
+                <a16:creationId xmlns:a16="http://schemas.microsoft.com/office/drawing/2014/main" id="{66EB742A-3DAB-5EAE-A049-E4613719E0E5}"/>
+              </a:ext>
+            </a:extLst>
+          </p:cNvPr>
+          <p:cNvPicPr>
+            <a:picLocks noChangeAspect="1"/>
+          </p:cNvPicPr>
+          <p:nvPr/>
+        </p:nvPicPr>
+        <p:blipFill>
+          <a:blip r:embed="rId2"/>
+          <a:stretch>
+            <a:fillRect/>
+          </a:stretch>
+        </p:blipFill>
+        <p:spPr>
+          <a:xfrm>
+            <a:off x="199725" y="6098726"/>
+            <a:ext cx="1138605" cy="540000"/>
+          </a:xfrm>
+          <a:prstGeom prst="rect">
+            <a:avLst/>
+          </a:prstGeom>
+        </p:spPr>
+      </p:pic>
+      <p:pic>
+        <p:nvPicPr>
+          <p:cNvPr id="19" name="Picture 18" descr="Text&#10;&#10;Description automatically generated">
+            <a:extLst>
+              <a:ext uri="{FF2B5EF4-FFF2-40B4-BE49-F238E27FC236}">
+                <a16:creationId xmlns:a16="http://schemas.microsoft.com/office/drawing/2014/main" id="{1CF06863-3422-0192-8A6D-52ABD539C933}"/>
+              </a:ext>
+            </a:extLst>
+          </p:cNvPr>
+          <p:cNvPicPr>
+            <a:picLocks noChangeAspect="1"/>
+          </p:cNvPicPr>
+          <p:nvPr/>
+        </p:nvPicPr>
+        <p:blipFill>
+          <a:blip r:embed="rId3"/>
+          <a:stretch>
+            <a:fillRect/>
+          </a:stretch>
+        </p:blipFill>
+        <p:spPr>
+          <a:xfrm>
+            <a:off x="1538864" y="6088313"/>
+            <a:ext cx="1317601" cy="540000"/>
+          </a:xfrm>
+          <a:prstGeom prst="rect">
+            <a:avLst/>
+          </a:prstGeom>
+        </p:spPr>
+      </p:pic>
+      <p:pic>
+        <p:nvPicPr>
+          <p:cNvPr id="21" name="Picture 20" descr="Text&#10;&#10;Description automatically generated">
+            <a:extLst>
+              <a:ext uri="{FF2B5EF4-FFF2-40B4-BE49-F238E27FC236}">
+                <a16:creationId xmlns:a16="http://schemas.microsoft.com/office/drawing/2014/main" id="{53FAB219-DC27-EF56-EA64-978D5C92334D}"/>
+              </a:ext>
+            </a:extLst>
+          </p:cNvPr>
+          <p:cNvPicPr>
+            <a:picLocks noChangeAspect="1"/>
+          </p:cNvPicPr>
+          <p:nvPr/>
+        </p:nvPicPr>
+        <p:blipFill>
+          <a:blip r:embed="rId4"/>
+          <a:stretch>
+            <a:fillRect/>
+          </a:stretch>
+        </p:blipFill>
+        <p:spPr>
+          <a:xfrm>
+            <a:off x="3056999" y="6098726"/>
+            <a:ext cx="775093" cy="540000"/>
+          </a:xfrm>
+          <a:prstGeom prst="rect">
+            <a:avLst/>
+          </a:prstGeom>
+        </p:spPr>
+      </p:pic>
+      <p:pic>
+        <p:nvPicPr>
+          <p:cNvPr id="23" name="Picture 22" descr="A picture containing text, screenshot, monitor&#10;&#10;Description automatically generated">
+            <a:extLst>
+              <a:ext uri="{FF2B5EF4-FFF2-40B4-BE49-F238E27FC236}">
+                <a16:creationId xmlns:a16="http://schemas.microsoft.com/office/drawing/2014/main" id="{77117484-BB41-EA91-72E0-904BEB3B61D2}"/>
+              </a:ext>
+            </a:extLst>
+          </p:cNvPr>
+          <p:cNvPicPr>
+            <a:picLocks noChangeAspect="1"/>
+          </p:cNvPicPr>
+          <p:nvPr/>
+        </p:nvPicPr>
+        <p:blipFill>
+          <a:blip r:embed="rId5"/>
+          <a:stretch>
+            <a:fillRect/>
+          </a:stretch>
+        </p:blipFill>
+        <p:spPr>
+          <a:xfrm>
+            <a:off x="2176171" y="1421732"/>
+            <a:ext cx="7839657" cy="4127153"/>
+          </a:xfrm>
+          <a:prstGeom prst="rect">
+            <a:avLst/>
+          </a:prstGeom>
+        </p:spPr>
+      </p:pic>
+      <p:pic>
+        <p:nvPicPr>
+          <p:cNvPr id="25" name="Picture 24" descr="A picture containing text, monitor, black, screen&#10;&#10;Description automatically generated">
+            <a:extLst>
+              <a:ext uri="{FF2B5EF4-FFF2-40B4-BE49-F238E27FC236}">
+                <a16:creationId xmlns:a16="http://schemas.microsoft.com/office/drawing/2014/main" id="{00D9D7CD-BEA6-EE64-870F-24CE9A78FE63}"/>
+              </a:ext>
+            </a:extLst>
+          </p:cNvPr>
+          <p:cNvPicPr>
+            <a:picLocks noChangeAspect="1"/>
+          </p:cNvPicPr>
+          <p:nvPr/>
+        </p:nvPicPr>
+        <p:blipFill>
+          <a:blip r:embed="rId6"/>
+          <a:stretch>
+            <a:fillRect/>
+          </a:stretch>
+        </p:blipFill>
+        <p:spPr>
+          <a:xfrm>
+            <a:off x="5258907" y="6088313"/>
+            <a:ext cx="1189312" cy="540000"/>
+          </a:xfrm>
+          <a:prstGeom prst="rect">
+            <a:avLst/>
+          </a:prstGeom>
+        </p:spPr>
+      </p:pic>
+      <p:pic>
+        <p:nvPicPr>
+          <p:cNvPr id="38" name="Picture 37" descr="Graphical user interface, text, application, chat or text message&#10;&#10;Description automatically generated">
+            <a:extLst>
+              <a:ext uri="{FF2B5EF4-FFF2-40B4-BE49-F238E27FC236}">
+                <a16:creationId xmlns:a16="http://schemas.microsoft.com/office/drawing/2014/main" id="{48C69C16-0065-4E97-A6E4-F7E736D4DBB6}"/>
+              </a:ext>
+            </a:extLst>
+          </p:cNvPr>
+          <p:cNvPicPr>
+            <a:picLocks noChangeAspect="1"/>
+          </p:cNvPicPr>
+          <p:nvPr/>
+        </p:nvPicPr>
+        <p:blipFill>
+          <a:blip r:embed="rId7"/>
+          <a:stretch>
+            <a:fillRect/>
+          </a:stretch>
+        </p:blipFill>
+        <p:spPr>
+          <a:xfrm>
+            <a:off x="6648753" y="6088313"/>
+            <a:ext cx="1037813" cy="540000"/>
+          </a:xfrm>
+          <a:prstGeom prst="rect">
+            <a:avLst/>
+          </a:prstGeom>
+        </p:spPr>
+      </p:pic>
+      <p:pic>
+        <p:nvPicPr>
+          <p:cNvPr id="40" name="Picture 39" descr="Text&#10;&#10;Description automatically generated">
+            <a:extLst>
+              <a:ext uri="{FF2B5EF4-FFF2-40B4-BE49-F238E27FC236}">
+                <a16:creationId xmlns:a16="http://schemas.microsoft.com/office/drawing/2014/main" id="{8310590B-0FC0-AE04-E083-EE76799C1D3E}"/>
+              </a:ext>
+            </a:extLst>
+          </p:cNvPr>
+          <p:cNvPicPr>
+            <a:picLocks noChangeAspect="1"/>
+          </p:cNvPicPr>
+          <p:nvPr/>
+        </p:nvPicPr>
+        <p:blipFill>
+          <a:blip r:embed="rId8"/>
+          <a:stretch>
+            <a:fillRect/>
+          </a:stretch>
+        </p:blipFill>
+        <p:spPr>
+          <a:xfrm>
+            <a:off x="7887100" y="6098726"/>
+            <a:ext cx="644211" cy="540000"/>
+          </a:xfrm>
+          <a:prstGeom prst="rect">
+            <a:avLst/>
+          </a:prstGeom>
+        </p:spPr>
+      </p:pic>
+      <p:pic>
+        <p:nvPicPr>
+          <p:cNvPr id="42" name="Picture 41" descr="Text&#10;&#10;Description automatically generated">
+            <a:extLst>
+              <a:ext uri="{FF2B5EF4-FFF2-40B4-BE49-F238E27FC236}">
+                <a16:creationId xmlns:a16="http://schemas.microsoft.com/office/drawing/2014/main" id="{A007B266-C578-6BDF-3148-7543D9B41931}"/>
+              </a:ext>
+            </a:extLst>
+          </p:cNvPr>
+          <p:cNvPicPr>
+            <a:picLocks noChangeAspect="1"/>
+          </p:cNvPicPr>
+          <p:nvPr/>
+        </p:nvPicPr>
+        <p:blipFill>
+          <a:blip r:embed="rId9"/>
+          <a:stretch>
+            <a:fillRect/>
+          </a:stretch>
+        </p:blipFill>
+        <p:spPr>
+          <a:xfrm>
+            <a:off x="8731845" y="6088313"/>
+            <a:ext cx="938530" cy="540000"/>
+          </a:xfrm>
+          <a:prstGeom prst="rect">
+            <a:avLst/>
+          </a:prstGeom>
+        </p:spPr>
+      </p:pic>
+      <p:pic>
+        <p:nvPicPr>
+          <p:cNvPr id="44" name="Picture 43" descr="Text&#10;&#10;Description automatically generated">
+            <a:extLst>
+              <a:ext uri="{FF2B5EF4-FFF2-40B4-BE49-F238E27FC236}">
+                <a16:creationId xmlns:a16="http://schemas.microsoft.com/office/drawing/2014/main" id="{7D0B74B1-764E-81BB-7424-9ECE26A72FC0}"/>
+              </a:ext>
+            </a:extLst>
+          </p:cNvPr>
+          <p:cNvPicPr>
+            <a:picLocks noChangeAspect="1"/>
+          </p:cNvPicPr>
+          <p:nvPr/>
+        </p:nvPicPr>
+        <p:blipFill>
+          <a:blip r:embed="rId10"/>
+          <a:stretch>
+            <a:fillRect/>
+          </a:stretch>
+        </p:blipFill>
+        <p:spPr>
+          <a:xfrm>
+            <a:off x="9870909" y="6088313"/>
+            <a:ext cx="1049143" cy="540000"/>
+          </a:xfrm>
+          <a:prstGeom prst="rect">
+            <a:avLst/>
+          </a:prstGeom>
+        </p:spPr>
+      </p:pic>
+      <p:pic>
+        <p:nvPicPr>
+          <p:cNvPr id="46" name="Picture 45" descr="A picture containing text, monitor, black, screenshot&#10;&#10;Description automatically generated">
+            <a:extLst>
+              <a:ext uri="{FF2B5EF4-FFF2-40B4-BE49-F238E27FC236}">
+                <a16:creationId xmlns:a16="http://schemas.microsoft.com/office/drawing/2014/main" id="{529B9667-0845-6708-67CA-DFF19A2881DA}"/>
+              </a:ext>
+            </a:extLst>
+          </p:cNvPr>
+          <p:cNvPicPr>
+            <a:picLocks noChangeAspect="1"/>
+          </p:cNvPicPr>
+          <p:nvPr/>
+        </p:nvPicPr>
+        <p:blipFill>
+          <a:blip r:embed="rId11"/>
+          <a:stretch>
+            <a:fillRect/>
+          </a:stretch>
+        </p:blipFill>
+        <p:spPr>
+          <a:xfrm>
+            <a:off x="11120583" y="6088313"/>
+            <a:ext cx="871691" cy="540000"/>
+          </a:xfrm>
+          <a:prstGeom prst="rect">
+            <a:avLst/>
+          </a:prstGeom>
+        </p:spPr>
+      </p:pic>
+    </p:spTree>
+    <p:extLst>
+      <p:ext uri="{BB962C8B-B14F-4D97-AF65-F5344CB8AC3E}">
+        <p14:creationId xmlns:p14="http://schemas.microsoft.com/office/powerpoint/2010/main" val="574902797"/>
+      </p:ext>
+    </p:extLst>
+  </p:cSld>
+  <p:clrMapOvr>
+    <a:masterClrMapping/>
+  </p:clrMapOvr>
+  <mc:AlternateContent xmlns:mc="http://schemas.openxmlformats.org/markup-compatibility/2006">
+    <mc:Choice xmlns:p159="http://schemas.microsoft.com/office/powerpoint/2015/09/main" Requires="p159">
+      <p:transition xmlns:p14="http://schemas.microsoft.com/office/powerpoint/2010/main" spd="slow" p14:dur="2000">
+        <p159:morph option="byObject"/>
+      </p:transition>
+    </mc:Choice>
+    <mc:Fallback>
+      <p:transition spd="slow">
+        <p:fade/>
+      </p:transition>
+    </mc:Fallback>
+  </mc:AlternateContent>
+</p:sld>
+</file>
+
+<file path=ppt/slides/slide9.xml><?xml version="1.0" encoding="utf-8"?>
+<p:sld xmlns:a="http://schemas.openxmlformats.org/drawingml/2006/main" xmlns:r="http://schemas.openxmlformats.org/officeDocument/2006/relationships" xmlns:p="http://schemas.openxmlformats.org/presentationml/2006/main">
+  <p:cSld>
+    <p:spTree>
+      <p:nvGrpSpPr>
+        <p:cNvPr id="1" name=""/>
+        <p:cNvGrpSpPr/>
+        <p:nvPr/>
+      </p:nvGrpSpPr>
+      <p:grpSpPr>
+        <a:xfrm>
+          <a:off x="0" y="0"/>
+          <a:ext cx="0" cy="0"/>
+          <a:chOff x="0" y="0"/>
+          <a:chExt cx="0" cy="0"/>
+        </a:xfrm>
+      </p:grpSpPr>
+      <p:sp>
+        <p:nvSpPr>
+          <p:cNvPr id="2" name="Title 1">
+            <a:extLst>
+              <a:ext uri="{FF2B5EF4-FFF2-40B4-BE49-F238E27FC236}">
+                <a16:creationId xmlns:a16="http://schemas.microsoft.com/office/drawing/2014/main" id="{B39AE56C-9377-265B-12C0-7473FC42E57E}"/>
+              </a:ext>
+            </a:extLst>
+          </p:cNvPr>
+          <p:cNvSpPr>
+            <a:spLocks noGrp="1"/>
+          </p:cNvSpPr>
+          <p:nvPr>
+            <p:ph type="title"/>
+          </p:nvPr>
+        </p:nvSpPr>
+        <p:spPr>
+          <a:xfrm>
+            <a:off x="838200" y="365125"/>
+            <a:ext cx="10515600" cy="1018507"/>
+          </a:xfrm>
+        </p:spPr>
+        <p:txBody>
+          <a:bodyPr/>
+          <a:lstStyle/>
+          <a:p>
+            <a:pPr algn="ctr"/>
+            <a:r>
+              <a:rPr lang="en-US" dirty="0"/>
+              <a:t>Datasets</a:t>
+            </a:r>
+          </a:p>
+        </p:txBody>
+      </p:sp>
+      <p:pic>
+        <p:nvPicPr>
+          <p:cNvPr id="16" name="Picture 15" descr="Text&#10;&#10;Description automatically generated">
+            <a:extLst>
+              <a:ext uri="{FF2B5EF4-FFF2-40B4-BE49-F238E27FC236}">
+                <a16:creationId xmlns:a16="http://schemas.microsoft.com/office/drawing/2014/main" id="{66EB742A-3DAB-5EAE-A049-E4613719E0E5}"/>
+              </a:ext>
+            </a:extLst>
+          </p:cNvPr>
+          <p:cNvPicPr>
+            <a:picLocks noChangeAspect="1"/>
+          </p:cNvPicPr>
+          <p:nvPr/>
+        </p:nvPicPr>
+        <p:blipFill>
+          <a:blip r:embed="rId2"/>
+          <a:stretch>
+            <a:fillRect/>
+          </a:stretch>
+        </p:blipFill>
+        <p:spPr>
+          <a:xfrm>
+            <a:off x="199725" y="6098726"/>
+            <a:ext cx="1138605" cy="540000"/>
+          </a:xfrm>
+          <a:prstGeom prst="rect">
+            <a:avLst/>
+          </a:prstGeom>
+        </p:spPr>
+      </p:pic>
+      <p:pic>
+        <p:nvPicPr>
+          <p:cNvPr id="19" name="Picture 18" descr="Text&#10;&#10;Description automatically generated">
+            <a:extLst>
+              <a:ext uri="{FF2B5EF4-FFF2-40B4-BE49-F238E27FC236}">
+                <a16:creationId xmlns:a16="http://schemas.microsoft.com/office/drawing/2014/main" id="{1CF06863-3422-0192-8A6D-52ABD539C933}"/>
+              </a:ext>
+            </a:extLst>
+          </p:cNvPr>
+          <p:cNvPicPr>
+            <a:picLocks noChangeAspect="1"/>
+          </p:cNvPicPr>
+          <p:nvPr/>
+        </p:nvPicPr>
+        <p:blipFill>
+          <a:blip r:embed="rId3"/>
+          <a:stretch>
+            <a:fillRect/>
+          </a:stretch>
+        </p:blipFill>
+        <p:spPr>
+          <a:xfrm>
+            <a:off x="1538864" y="6088313"/>
+            <a:ext cx="1317601" cy="540000"/>
+          </a:xfrm>
+          <a:prstGeom prst="rect">
+            <a:avLst/>
+          </a:prstGeom>
+        </p:spPr>
+      </p:pic>
+      <p:pic>
+        <p:nvPicPr>
+          <p:cNvPr id="21" name="Picture 20" descr="Text&#10;&#10;Description automatically generated">
+            <a:extLst>
+              <a:ext uri="{FF2B5EF4-FFF2-40B4-BE49-F238E27FC236}">
+                <a16:creationId xmlns:a16="http://schemas.microsoft.com/office/drawing/2014/main" id="{53FAB219-DC27-EF56-EA64-978D5C92334D}"/>
+              </a:ext>
+            </a:extLst>
+          </p:cNvPr>
+          <p:cNvPicPr>
+            <a:picLocks noChangeAspect="1"/>
+          </p:cNvPicPr>
+          <p:nvPr/>
+        </p:nvPicPr>
+        <p:blipFill>
+          <a:blip r:embed="rId4"/>
+          <a:stretch>
+            <a:fillRect/>
+          </a:stretch>
+        </p:blipFill>
+        <p:spPr>
+          <a:xfrm>
+            <a:off x="3056999" y="6098726"/>
+            <a:ext cx="775093" cy="540000"/>
+          </a:xfrm>
+          <a:prstGeom prst="rect">
+            <a:avLst/>
+          </a:prstGeom>
+        </p:spPr>
+      </p:pic>
+      <p:pic>
+        <p:nvPicPr>
+          <p:cNvPr id="23" name="Picture 22" descr="A picture containing text, screenshot, monitor&#10;&#10;Description automatically generated">
+            <a:extLst>
+              <a:ext uri="{FF2B5EF4-FFF2-40B4-BE49-F238E27FC236}">
+                <a16:creationId xmlns:a16="http://schemas.microsoft.com/office/drawing/2014/main" id="{77117484-BB41-EA91-72E0-904BEB3B61D2}"/>
+              </a:ext>
+            </a:extLst>
+          </p:cNvPr>
+          <p:cNvPicPr>
+            <a:picLocks noChangeAspect="1"/>
+          </p:cNvPicPr>
+          <p:nvPr/>
+        </p:nvPicPr>
+        <p:blipFill>
+          <a:blip r:embed="rId5"/>
+          <a:stretch>
+            <a:fillRect/>
+          </a:stretch>
+        </p:blipFill>
+        <p:spPr>
+          <a:xfrm>
+            <a:off x="4032626" y="6098726"/>
+            <a:ext cx="1025747" cy="540000"/>
+          </a:xfrm>
+          <a:prstGeom prst="rect">
+            <a:avLst/>
+          </a:prstGeom>
+        </p:spPr>
+      </p:pic>
+      <p:pic>
+        <p:nvPicPr>
+          <p:cNvPr id="25" name="Picture 24" descr="A picture containing text, monitor, black, screen&#10;&#10;Description automatically generated">
+            <a:extLst>
+              <a:ext uri="{FF2B5EF4-FFF2-40B4-BE49-F238E27FC236}">
+                <a16:creationId xmlns:a16="http://schemas.microsoft.com/office/drawing/2014/main" id="{00D9D7CD-BEA6-EE64-870F-24CE9A78FE63}"/>
+              </a:ext>
+            </a:extLst>
+          </p:cNvPr>
+          <p:cNvPicPr>
+            <a:picLocks noChangeAspect="1"/>
+          </p:cNvPicPr>
+          <p:nvPr/>
+        </p:nvPicPr>
+        <p:blipFill>
+          <a:blip r:embed="rId6"/>
+          <a:stretch>
+            <a:fillRect/>
+          </a:stretch>
+        </p:blipFill>
+        <p:spPr>
+          <a:xfrm>
+            <a:off x="1626183" y="1399506"/>
+            <a:ext cx="8939633" cy="4058987"/>
+          </a:xfrm>
+          <a:prstGeom prst="rect">
+            <a:avLst/>
+          </a:prstGeom>
+        </p:spPr>
+      </p:pic>
+      <p:pic>
+        <p:nvPicPr>
+          <p:cNvPr id="38" name="Picture 37" descr="Graphical user interface, text, application, chat or text message&#10;&#10;Description automatically generated">
+            <a:extLst>
+              <a:ext uri="{FF2B5EF4-FFF2-40B4-BE49-F238E27FC236}">
+                <a16:creationId xmlns:a16="http://schemas.microsoft.com/office/drawing/2014/main" id="{48C69C16-0065-4E97-A6E4-F7E736D4DBB6}"/>
+              </a:ext>
+            </a:extLst>
+          </p:cNvPr>
+          <p:cNvPicPr>
+            <a:picLocks noChangeAspect="1"/>
+          </p:cNvPicPr>
+          <p:nvPr/>
+        </p:nvPicPr>
+        <p:blipFill>
+          <a:blip r:embed="rId7"/>
+          <a:stretch>
+            <a:fillRect/>
+          </a:stretch>
+        </p:blipFill>
+        <p:spPr>
+          <a:xfrm>
+            <a:off x="6648753" y="6088313"/>
+            <a:ext cx="1037813" cy="540000"/>
+          </a:xfrm>
+          <a:prstGeom prst="rect">
+            <a:avLst/>
+          </a:prstGeom>
+        </p:spPr>
+      </p:pic>
+      <p:pic>
+        <p:nvPicPr>
+          <p:cNvPr id="40" name="Picture 39" descr="Text&#10;&#10;Description automatically generated">
+            <a:extLst>
+              <a:ext uri="{FF2B5EF4-FFF2-40B4-BE49-F238E27FC236}">
+                <a16:creationId xmlns:a16="http://schemas.microsoft.com/office/drawing/2014/main" id="{8310590B-0FC0-AE04-E083-EE76799C1D3E}"/>
+              </a:ext>
+            </a:extLst>
+          </p:cNvPr>
+          <p:cNvPicPr>
+            <a:picLocks noChangeAspect="1"/>
+          </p:cNvPicPr>
+          <p:nvPr/>
+        </p:nvPicPr>
+        <p:blipFill>
+          <a:blip r:embed="rId8"/>
+          <a:stretch>
+            <a:fillRect/>
+          </a:stretch>
+        </p:blipFill>
+        <p:spPr>
+          <a:xfrm>
+            <a:off x="7887100" y="6098726"/>
+            <a:ext cx="644211" cy="540000"/>
+          </a:xfrm>
+          <a:prstGeom prst="rect">
+            <a:avLst/>
+          </a:prstGeom>
+        </p:spPr>
+      </p:pic>
+      <p:pic>
+        <p:nvPicPr>
+          <p:cNvPr id="42" name="Picture 41" descr="Text&#10;&#10;Description automatically generated">
+            <a:extLst>
+              <a:ext uri="{FF2B5EF4-FFF2-40B4-BE49-F238E27FC236}">
+                <a16:creationId xmlns:a16="http://schemas.microsoft.com/office/drawing/2014/main" id="{A007B266-C578-6BDF-3148-7543D9B41931}"/>
+              </a:ext>
+            </a:extLst>
+          </p:cNvPr>
+          <p:cNvPicPr>
+            <a:picLocks noChangeAspect="1"/>
+          </p:cNvPicPr>
+          <p:nvPr/>
+        </p:nvPicPr>
+        <p:blipFill>
+          <a:blip r:embed="rId9"/>
+          <a:stretch>
+            <a:fillRect/>
+          </a:stretch>
+        </p:blipFill>
+        <p:spPr>
+          <a:xfrm>
+            <a:off x="8731845" y="6088313"/>
+            <a:ext cx="938530" cy="540000"/>
+          </a:xfrm>
+          <a:prstGeom prst="rect">
+            <a:avLst/>
+          </a:prstGeom>
+        </p:spPr>
+      </p:pic>
+      <p:pic>
+        <p:nvPicPr>
+          <p:cNvPr id="44" name="Picture 43" descr="Text&#10;&#10;Description automatically generated">
+            <a:extLst>
+              <a:ext uri="{FF2B5EF4-FFF2-40B4-BE49-F238E27FC236}">
+                <a16:creationId xmlns:a16="http://schemas.microsoft.com/office/drawing/2014/main" id="{7D0B74B1-764E-81BB-7424-9ECE26A72FC0}"/>
+              </a:ext>
+            </a:extLst>
+          </p:cNvPr>
+          <p:cNvPicPr>
+            <a:picLocks noChangeAspect="1"/>
+          </p:cNvPicPr>
+          <p:nvPr/>
+        </p:nvPicPr>
+        <p:blipFill>
+          <a:blip r:embed="rId10"/>
+          <a:stretch>
+            <a:fillRect/>
+          </a:stretch>
+        </p:blipFill>
+        <p:spPr>
+          <a:xfrm>
+            <a:off x="9870909" y="6088313"/>
+            <a:ext cx="1049143" cy="540000"/>
+          </a:xfrm>
+          <a:prstGeom prst="rect">
+            <a:avLst/>
+          </a:prstGeom>
+        </p:spPr>
+      </p:pic>
+      <p:pic>
+        <p:nvPicPr>
+          <p:cNvPr id="46" name="Picture 45" descr="A picture containing text, monitor, black, screenshot&#10;&#10;Description automatically generated">
+            <a:extLst>
+              <a:ext uri="{FF2B5EF4-FFF2-40B4-BE49-F238E27FC236}">
+                <a16:creationId xmlns:a16="http://schemas.microsoft.com/office/drawing/2014/main" id="{529B9667-0845-6708-67CA-DFF19A2881DA}"/>
+              </a:ext>
+            </a:extLst>
+          </p:cNvPr>
+          <p:cNvPicPr>
+            <a:picLocks noChangeAspect="1"/>
+          </p:cNvPicPr>
+          <p:nvPr/>
+        </p:nvPicPr>
+        <p:blipFill>
+          <a:blip r:embed="rId11"/>
+          <a:stretch>
+            <a:fillRect/>
+          </a:stretch>
+        </p:blipFill>
+        <p:spPr>
+          <a:xfrm>
+            <a:off x="11120583" y="6088313"/>
+            <a:ext cx="871691" cy="540000"/>
+          </a:xfrm>
+          <a:prstGeom prst="rect">
+            <a:avLst/>
+          </a:prstGeom>
+        </p:spPr>
+      </p:pic>
+    </p:spTree>
+    <p:extLst>
+      <p:ext uri="{BB962C8B-B14F-4D97-AF65-F5344CB8AC3E}">
+        <p14:creationId xmlns:p14="http://schemas.microsoft.com/office/powerpoint/2010/main" val="4274225182"/>
+      </p:ext>
+    </p:extLst>
+  </p:cSld>
+  <p:clrMapOvr>
+    <a:masterClrMapping/>
+  </p:clrMapOvr>
+  <mc:AlternateContent xmlns:mc="http://schemas.openxmlformats.org/markup-compatibility/2006">
+    <mc:Choice xmlns:p159="http://schemas.microsoft.com/office/powerpoint/2015/09/main" Requires="p159">
+      <p:transition xmlns:p14="http://schemas.microsoft.com/office/powerpoint/2010/main" spd="slow" p14:dur="2000">
+        <p159:morph option="byObject"/>
+      </p:transition>
+    </mc:Choice>
+    <mc:Fallback>
+      <p:transition spd="slow">
+        <p:fade/>
+      </p:transition>
+    </mc:Fallback>
+  </mc:AlternateContent>
 </p:sld>
 </file>
 
@@ -3787,4 +9977,299 @@
     </a:ext>
   </a:extLst>
 </a:theme>
+</file>
+
+<file path=ppt/theme/theme2.xml><?xml version="1.0" encoding="utf-8"?>
+<a:theme xmlns:a="http://schemas.openxmlformats.org/drawingml/2006/main" name="Office Theme">
+  <a:themeElements>
+    <a:clrScheme name="Office">
+      <a:dk1>
+        <a:sysClr val="windowText" lastClr="000000"/>
+      </a:dk1>
+      <a:lt1>
+        <a:sysClr val="window" lastClr="FFFFFF"/>
+      </a:lt1>
+      <a:dk2>
+        <a:srgbClr val="44546A"/>
+      </a:dk2>
+      <a:lt2>
+        <a:srgbClr val="E7E6E6"/>
+      </a:lt2>
+      <a:accent1>
+        <a:srgbClr val="4472C4"/>
+      </a:accent1>
+      <a:accent2>
+        <a:srgbClr val="ED7D31"/>
+      </a:accent2>
+      <a:accent3>
+        <a:srgbClr val="A5A5A5"/>
+      </a:accent3>
+      <a:accent4>
+        <a:srgbClr val="FFC000"/>
+      </a:accent4>
+      <a:accent5>
+        <a:srgbClr val="5B9BD5"/>
+      </a:accent5>
+      <a:accent6>
+        <a:srgbClr val="70AD47"/>
+      </a:accent6>
+      <a:hlink>
+        <a:srgbClr val="0563C1"/>
+      </a:hlink>
+      <a:folHlink>
+        <a:srgbClr val="954F72"/>
+      </a:folHlink>
+    </a:clrScheme>
+    <a:fontScheme name="Office">
+      <a:majorFont>
+        <a:latin typeface="Calibri Light" panose="020F0302020204030204"/>
+        <a:ea typeface=""/>
+        <a:cs typeface=""/>
+        <a:font script="Jpan" typeface="游ゴシック Light"/>
+        <a:font script="Hang" typeface="맑은 고딕"/>
+        <a:font script="Hans" typeface="等线 Light"/>
+        <a:font script="Hant" typeface="新細明體"/>
+        <a:font script="Arab" typeface="Times New Roman"/>
+        <a:font script="Hebr" typeface="Times New Roman"/>
+        <a:font script="Thai" typeface="Angsana New"/>
+        <a:font script="Ethi" typeface="Nyala"/>
+        <a:font script="Beng" typeface="Vrinda"/>
+        <a:font script="Gujr" typeface="Shruti"/>
+        <a:font script="Khmr" typeface="MoolBoran"/>
+        <a:font script="Knda" typeface="Tunga"/>
+        <a:font script="Guru" typeface="Raavi"/>
+        <a:font script="Cans" typeface="Euphemia"/>
+        <a:font script="Cher" typeface="Plantagenet Cherokee"/>
+        <a:font script="Yiii" typeface="Microsoft Yi Baiti"/>
+        <a:font script="Tibt" typeface="Microsoft Himalaya"/>
+        <a:font script="Thaa" typeface="MV Boli"/>
+        <a:font script="Deva" typeface="Mangal"/>
+        <a:font script="Telu" typeface="Gautami"/>
+        <a:font script="Taml" typeface="Latha"/>
+        <a:font script="Syrc" typeface="Estrangelo Edessa"/>
+        <a:font script="Orya" typeface="Kalinga"/>
+        <a:font script="Mlym" typeface="Kartika"/>
+        <a:font script="Laoo" typeface="DokChampa"/>
+        <a:font script="Sinh" typeface="Iskoola Pota"/>
+        <a:font script="Mong" typeface="Mongolian Baiti"/>
+        <a:font script="Viet" typeface="Times New Roman"/>
+        <a:font script="Uigh" typeface="Microsoft Uighur"/>
+        <a:font script="Geor" typeface="Sylfaen"/>
+        <a:font script="Armn" typeface="Arial"/>
+        <a:font script="Bugi" typeface="Leelawadee UI"/>
+        <a:font script="Bopo" typeface="Microsoft JhengHei"/>
+        <a:font script="Java" typeface="Javanese Text"/>
+        <a:font script="Lisu" typeface="Segoe UI"/>
+        <a:font script="Mymr" typeface="Myanmar Text"/>
+        <a:font script="Nkoo" typeface="Ebrima"/>
+        <a:font script="Olck" typeface="Nirmala UI"/>
+        <a:font script="Osma" typeface="Ebrima"/>
+        <a:font script="Phag" typeface="Phagspa"/>
+        <a:font script="Syrn" typeface="Estrangelo Edessa"/>
+        <a:font script="Syrj" typeface="Estrangelo Edessa"/>
+        <a:font script="Syre" typeface="Estrangelo Edessa"/>
+        <a:font script="Sora" typeface="Nirmala UI"/>
+        <a:font script="Tale" typeface="Microsoft Tai Le"/>
+        <a:font script="Talu" typeface="Microsoft New Tai Lue"/>
+        <a:font script="Tfng" typeface="Ebrima"/>
+      </a:majorFont>
+      <a:minorFont>
+        <a:latin typeface="Calibri" panose="020F0502020204030204"/>
+        <a:ea typeface=""/>
+        <a:cs typeface=""/>
+        <a:font script="Jpan" typeface="游ゴシック"/>
+        <a:font script="Hang" typeface="맑은 고딕"/>
+        <a:font script="Hans" typeface="等线"/>
+        <a:font script="Hant" typeface="新細明體"/>
+        <a:font script="Arab" typeface="Arial"/>
+        <a:font script="Hebr" typeface="Arial"/>
+        <a:font script="Thai" typeface="Cordia New"/>
+        <a:font script="Ethi" typeface="Nyala"/>
+        <a:font script="Beng" typeface="Vrinda"/>
+        <a:font script="Gujr" typeface="Shruti"/>
+        <a:font script="Khmr" typeface="DaunPenh"/>
+        <a:font script="Knda" typeface="Tunga"/>
+        <a:font script="Guru" typeface="Raavi"/>
+        <a:font script="Cans" typeface="Euphemia"/>
+        <a:font script="Cher" typeface="Plantagenet Cherokee"/>
+        <a:font script="Yiii" typeface="Microsoft Yi Baiti"/>
+        <a:font script="Tibt" typeface="Microsoft Himalaya"/>
+        <a:font script="Thaa" typeface="MV Boli"/>
+        <a:font script="Deva" typeface="Mangal"/>
+        <a:font script="Telu" typeface="Gautami"/>
+        <a:font script="Taml" typeface="Latha"/>
+        <a:font script="Syrc" typeface="Estrangelo Edessa"/>
+        <a:font script="Orya" typeface="Kalinga"/>
+        <a:font script="Mlym" typeface="Kartika"/>
+        <a:font script="Laoo" typeface="DokChampa"/>
+        <a:font script="Sinh" typeface="Iskoola Pota"/>
+        <a:font script="Mong" typeface="Mongolian Baiti"/>
+        <a:font script="Viet" typeface="Arial"/>
+        <a:font script="Uigh" typeface="Microsoft Uighur"/>
+        <a:font script="Geor" typeface="Sylfaen"/>
+        <a:font script="Armn" typeface="Arial"/>
+        <a:font script="Bugi" typeface="Leelawadee UI"/>
+        <a:font script="Bopo" typeface="Microsoft JhengHei"/>
+        <a:font script="Java" typeface="Javanese Text"/>
+        <a:font script="Lisu" typeface="Segoe UI"/>
+        <a:font script="Mymr" typeface="Myanmar Text"/>
+        <a:font script="Nkoo" typeface="Ebrima"/>
+        <a:font script="Olck" typeface="Nirmala UI"/>
+        <a:font script="Osma" typeface="Ebrima"/>
+        <a:font script="Phag" typeface="Phagspa"/>
+        <a:font script="Syrn" typeface="Estrangelo Edessa"/>
+        <a:font script="Syrj" typeface="Estrangelo Edessa"/>
+        <a:font script="Syre" typeface="Estrangelo Edessa"/>
+        <a:font script="Sora" typeface="Nirmala UI"/>
+        <a:font script="Tale" typeface="Microsoft Tai Le"/>
+        <a:font script="Talu" typeface="Microsoft New Tai Lue"/>
+        <a:font script="Tfng" typeface="Ebrima"/>
+      </a:minorFont>
+    </a:fontScheme>
+    <a:fmtScheme name="Office">
+      <a:fillStyleLst>
+        <a:solidFill>
+          <a:schemeClr val="phClr"/>
+        </a:solidFill>
+        <a:gradFill rotWithShape="1">
+          <a:gsLst>
+            <a:gs pos="0">
+              <a:schemeClr val="phClr">
+                <a:lumMod val="110000"/>
+                <a:satMod val="105000"/>
+                <a:tint val="67000"/>
+              </a:schemeClr>
+            </a:gs>
+            <a:gs pos="50000">
+              <a:schemeClr val="phClr">
+                <a:lumMod val="105000"/>
+                <a:satMod val="103000"/>
+                <a:tint val="73000"/>
+              </a:schemeClr>
+            </a:gs>
+            <a:gs pos="100000">
+              <a:schemeClr val="phClr">
+                <a:lumMod val="105000"/>
+                <a:satMod val="109000"/>
+                <a:tint val="81000"/>
+              </a:schemeClr>
+            </a:gs>
+          </a:gsLst>
+          <a:lin ang="5400000" scaled="0"/>
+        </a:gradFill>
+        <a:gradFill rotWithShape="1">
+          <a:gsLst>
+            <a:gs pos="0">
+              <a:schemeClr val="phClr">
+                <a:satMod val="103000"/>
+                <a:lumMod val="102000"/>
+                <a:tint val="94000"/>
+              </a:schemeClr>
+            </a:gs>
+            <a:gs pos="50000">
+              <a:schemeClr val="phClr">
+                <a:satMod val="110000"/>
+                <a:lumMod val="100000"/>
+                <a:shade val="100000"/>
+              </a:schemeClr>
+            </a:gs>
+            <a:gs pos="100000">
+              <a:schemeClr val="phClr">
+                <a:lumMod val="99000"/>
+                <a:satMod val="120000"/>
+                <a:shade val="78000"/>
+              </a:schemeClr>
+            </a:gs>
+          </a:gsLst>
+          <a:lin ang="5400000" scaled="0"/>
+        </a:gradFill>
+      </a:fillStyleLst>
+      <a:lnStyleLst>
+        <a:ln w="6350" cap="flat" cmpd="sng" algn="ctr">
+          <a:solidFill>
+            <a:schemeClr val="phClr"/>
+          </a:solidFill>
+          <a:prstDash val="solid"/>
+          <a:miter lim="800000"/>
+        </a:ln>
+        <a:ln w="12700" cap="flat" cmpd="sng" algn="ctr">
+          <a:solidFill>
+            <a:schemeClr val="phClr"/>
+          </a:solidFill>
+          <a:prstDash val="solid"/>
+          <a:miter lim="800000"/>
+        </a:ln>
+        <a:ln w="19050" cap="flat" cmpd="sng" algn="ctr">
+          <a:solidFill>
+            <a:schemeClr val="phClr"/>
+          </a:solidFill>
+          <a:prstDash val="solid"/>
+          <a:miter lim="800000"/>
+        </a:ln>
+      </a:lnStyleLst>
+      <a:effectStyleLst>
+        <a:effectStyle>
+          <a:effectLst/>
+        </a:effectStyle>
+        <a:effectStyle>
+          <a:effectLst/>
+        </a:effectStyle>
+        <a:effectStyle>
+          <a:effectLst>
+            <a:outerShdw blurRad="57150" dist="19050" dir="5400000" algn="ctr" rotWithShape="0">
+              <a:srgbClr val="000000">
+                <a:alpha val="63000"/>
+              </a:srgbClr>
+            </a:outerShdw>
+          </a:effectLst>
+        </a:effectStyle>
+      </a:effectStyleLst>
+      <a:bgFillStyleLst>
+        <a:solidFill>
+          <a:schemeClr val="phClr"/>
+        </a:solidFill>
+        <a:solidFill>
+          <a:schemeClr val="phClr">
+            <a:tint val="95000"/>
+            <a:satMod val="170000"/>
+          </a:schemeClr>
+        </a:solidFill>
+        <a:gradFill rotWithShape="1">
+          <a:gsLst>
+            <a:gs pos="0">
+              <a:schemeClr val="phClr">
+                <a:tint val="93000"/>
+                <a:satMod val="150000"/>
+                <a:shade val="98000"/>
+                <a:lumMod val="102000"/>
+              </a:schemeClr>
+            </a:gs>
+            <a:gs pos="50000">
+              <a:schemeClr val="phClr">
+                <a:tint val="98000"/>
+                <a:satMod val="130000"/>
+                <a:shade val="90000"/>
+                <a:lumMod val="103000"/>
+              </a:schemeClr>
+            </a:gs>
+            <a:gs pos="100000">
+              <a:schemeClr val="phClr">
+                <a:shade val="63000"/>
+                <a:satMod val="120000"/>
+              </a:schemeClr>
+            </a:gs>
+          </a:gsLst>
+          <a:lin ang="5400000" scaled="0"/>
+        </a:gradFill>
+      </a:bgFillStyleLst>
+    </a:fmtScheme>
+  </a:themeElements>
+  <a:objectDefaults/>
+  <a:extraClrSchemeLst/>
+  <a:extLst>
+    <a:ext uri="{05A4C25C-085E-4340-85A3-A5531E510DB2}">
+      <thm15:themeFamily xmlns:thm15="http://schemas.microsoft.com/office/thememl/2012/main" name="Office Theme" id="{62F939B6-93AF-4DB8-9C6B-D6C7DFDC589F}" vid="{4A3C46E8-61CC-4603-A589-7422A47A8E4A}"/>
+    </a:ext>
+  </a:extLst>
+</a:theme>
 </file>